--- a/cuhk-csc-1004/slides/CSC1004 Tutorial 2.pptx
+++ b/cuhk-csc-1004/slides/CSC1004 Tutorial 2.pptx
@@ -5,20 +5,23 @@
     <p:sldMasterId id="2147483648" r:id="rId1"/>
   </p:sldMasterIdLst>
   <p:notesMasterIdLst>
-    <p:notesMasterId r:id="rId8"/>
+    <p:notesMasterId r:id="rId11"/>
   </p:notesMasterIdLst>
   <p:sldIdLst>
     <p:sldId id="257" r:id="rId2"/>
     <p:sldId id="334" r:id="rId3"/>
-    <p:sldId id="333" r:id="rId4"/>
-    <p:sldId id="335" r:id="rId5"/>
-    <p:sldId id="336" r:id="rId6"/>
-    <p:sldId id="262" r:id="rId7"/>
+    <p:sldId id="337" r:id="rId4"/>
+    <p:sldId id="338" r:id="rId5"/>
+    <p:sldId id="339" r:id="rId6"/>
+    <p:sldId id="333" r:id="rId7"/>
+    <p:sldId id="335" r:id="rId8"/>
+    <p:sldId id="336" r:id="rId9"/>
+    <p:sldId id="262" r:id="rId10"/>
   </p:sldIdLst>
   <p:sldSz cx="12192000" cy="6858000"/>
   <p:notesSz cx="6858000" cy="9144000"/>
   <p:custDataLst>
-    <p:tags r:id="rId9"/>
+    <p:tags r:id="rId12"/>
   </p:custDataLst>
   <p:defaultTextStyle>
     <a:lvl1pPr marL="0" lvl="0" algn="l" defTabSz="914400">
@@ -199,7 +202,7 @@
           <a:p>
             <a:fld id="{78F13B20-8BB8-B74B-ADB5-DA5707988F1E}" type="datetimeFigureOut">
               <a:rPr lang="zh-CN" altLang="en-US"/>
-              <a:t>2024/1/19</a:t>
+              <a:t>2024/1/30</a:t>
             </a:fld>
             <a:endParaRPr kumimoji="1" lang="zh-CN" altLang="en-US"/>
           </a:p>
@@ -1598,7 +1601,857 @@
       </p:grpSpPr>
       <p:sp>
         <p:nvSpPr>
-          <p:cNvPr id="1048589" name="标题 4"/>
+          <p:cNvPr id="4" name="Rounded Rectangle 3">
+            <a:extLst>
+              <a:ext uri="{FF2B5EF4-FFF2-40B4-BE49-F238E27FC236}">
+                <a16:creationId xmlns:a16="http://schemas.microsoft.com/office/drawing/2014/main" id="{AAFD7871-9A05-48F1-04E9-E2BB71813CCF}"/>
+              </a:ext>
+            </a:extLst>
+          </p:cNvPr>
+          <p:cNvSpPr/>
+          <p:nvPr/>
+        </p:nvSpPr>
+        <p:spPr>
+          <a:xfrm>
+            <a:off x="4872631" y="1052736"/>
+            <a:ext cx="2160240" cy="720080"/>
+          </a:xfrm>
+          <a:prstGeom prst="roundRect">
+            <a:avLst/>
+          </a:prstGeom>
+          <a:noFill/>
+          <a:ln w="25400"/>
+        </p:spPr>
+        <p:style>
+          <a:lnRef idx="2">
+            <a:schemeClr val="accent1">
+              <a:shade val="15000"/>
+            </a:schemeClr>
+          </a:lnRef>
+          <a:fillRef idx="1">
+            <a:schemeClr val="accent1"/>
+          </a:fillRef>
+          <a:effectRef idx="0">
+            <a:schemeClr val="accent1"/>
+          </a:effectRef>
+          <a:fontRef idx="minor">
+            <a:schemeClr val="lt1"/>
+          </a:fontRef>
+        </p:style>
+        <p:txBody>
+          <a:bodyPr rtlCol="0" anchor="ctr"/>
+          <a:lstStyle/>
+          <a:p>
+            <a:pPr algn="ctr"/>
+            <a:endParaRPr lang="en-CN" dirty="0"/>
+          </a:p>
+        </p:txBody>
+      </p:sp>
+      <p:sp>
+        <p:nvSpPr>
+          <p:cNvPr id="5" name="TextBox 4">
+            <a:extLst>
+              <a:ext uri="{FF2B5EF4-FFF2-40B4-BE49-F238E27FC236}">
+                <a16:creationId xmlns:a16="http://schemas.microsoft.com/office/drawing/2014/main" id="{FA953389-35FA-BD6D-307A-B25AD1926E07}"/>
+              </a:ext>
+            </a:extLst>
+          </p:cNvPr>
+          <p:cNvSpPr txBox="1"/>
+          <p:nvPr/>
+        </p:nvSpPr>
+        <p:spPr>
+          <a:xfrm>
+            <a:off x="5154035" y="1212721"/>
+            <a:ext cx="1590804" cy="400110"/>
+          </a:xfrm>
+          <a:prstGeom prst="rect">
+            <a:avLst/>
+          </a:prstGeom>
+          <a:noFill/>
+        </p:spPr>
+        <p:txBody>
+          <a:bodyPr wrap="square" rtlCol="0">
+            <a:spAutoFit/>
+          </a:bodyPr>
+          <a:lstStyle/>
+          <a:p>
+            <a:pPr algn="ctr"/>
+            <a:r>
+              <a:rPr lang="en-CN" sz="2000" dirty="0"/>
+              <a:t>Class</a:t>
+            </a:r>
+            <a:r>
+              <a:rPr lang="zh-CN" altLang="en-US" sz="2000" dirty="0"/>
+              <a:t> </a:t>
+            </a:r>
+            <a:r>
+              <a:rPr lang="en-CN" sz="2000" dirty="0"/>
+              <a:t>Client</a:t>
+            </a:r>
+          </a:p>
+        </p:txBody>
+      </p:sp>
+      <p:sp>
+        <p:nvSpPr>
+          <p:cNvPr id="6" name="Rounded Rectangle 5">
+            <a:extLst>
+              <a:ext uri="{FF2B5EF4-FFF2-40B4-BE49-F238E27FC236}">
+                <a16:creationId xmlns:a16="http://schemas.microsoft.com/office/drawing/2014/main" id="{2835D416-5BA7-F189-4EAC-C002C01E4FB8}"/>
+              </a:ext>
+            </a:extLst>
+          </p:cNvPr>
+          <p:cNvSpPr/>
+          <p:nvPr/>
+        </p:nvSpPr>
+        <p:spPr>
+          <a:xfrm>
+            <a:off x="8616575" y="2884294"/>
+            <a:ext cx="2160240" cy="720080"/>
+          </a:xfrm>
+          <a:prstGeom prst="roundRect">
+            <a:avLst/>
+          </a:prstGeom>
+          <a:noFill/>
+          <a:ln w="25400"/>
+        </p:spPr>
+        <p:style>
+          <a:lnRef idx="2">
+            <a:schemeClr val="accent1">
+              <a:shade val="15000"/>
+            </a:schemeClr>
+          </a:lnRef>
+          <a:fillRef idx="1">
+            <a:schemeClr val="accent1"/>
+          </a:fillRef>
+          <a:effectRef idx="0">
+            <a:schemeClr val="accent1"/>
+          </a:effectRef>
+          <a:fontRef idx="minor">
+            <a:schemeClr val="lt1"/>
+          </a:fontRef>
+        </p:style>
+        <p:txBody>
+          <a:bodyPr rtlCol="0" anchor="ctr"/>
+          <a:lstStyle/>
+          <a:p>
+            <a:pPr algn="ctr"/>
+            <a:endParaRPr lang="en-CN" dirty="0"/>
+          </a:p>
+        </p:txBody>
+      </p:sp>
+      <p:sp>
+        <p:nvSpPr>
+          <p:cNvPr id="7" name="TextBox 6">
+            <a:extLst>
+              <a:ext uri="{FF2B5EF4-FFF2-40B4-BE49-F238E27FC236}">
+                <a16:creationId xmlns:a16="http://schemas.microsoft.com/office/drawing/2014/main" id="{B7FE5F95-DAFA-E650-2DF8-E6532BBA2C41}"/>
+              </a:ext>
+            </a:extLst>
+          </p:cNvPr>
+          <p:cNvSpPr txBox="1"/>
+          <p:nvPr/>
+        </p:nvSpPr>
+        <p:spPr>
+          <a:xfrm>
+            <a:off x="8716555" y="3093949"/>
+            <a:ext cx="1960280" cy="369332"/>
+          </a:xfrm>
+          <a:prstGeom prst="rect">
+            <a:avLst/>
+          </a:prstGeom>
+          <a:noFill/>
+        </p:spPr>
+        <p:txBody>
+          <a:bodyPr wrap="none" rtlCol="0">
+            <a:spAutoFit/>
+          </a:bodyPr>
+          <a:lstStyle/>
+          <a:p>
+            <a:r>
+              <a:rPr lang="en-US" dirty="0" err="1">
+                <a:solidFill>
+                  <a:srgbClr val="0070C0"/>
+                </a:solidFill>
+                <a:effectLst/>
+              </a:rPr>
+              <a:t>listenForMessage</a:t>
+            </a:r>
+            <a:r>
+              <a:rPr lang="en-US" dirty="0">
+                <a:solidFill>
+                  <a:srgbClr val="0070C0"/>
+                </a:solidFill>
+                <a:effectLst/>
+              </a:rPr>
+              <a:t>()</a:t>
+            </a:r>
+          </a:p>
+        </p:txBody>
+      </p:sp>
+      <p:sp>
+        <p:nvSpPr>
+          <p:cNvPr id="9" name="Rounded Rectangle 8">
+            <a:extLst>
+              <a:ext uri="{FF2B5EF4-FFF2-40B4-BE49-F238E27FC236}">
+                <a16:creationId xmlns:a16="http://schemas.microsoft.com/office/drawing/2014/main" id="{804D1C94-36C6-A11F-05DD-89952EA7A710}"/>
+              </a:ext>
+            </a:extLst>
+          </p:cNvPr>
+          <p:cNvSpPr/>
+          <p:nvPr/>
+        </p:nvSpPr>
+        <p:spPr>
+          <a:xfrm>
+            <a:off x="4869317" y="4715852"/>
+            <a:ext cx="2160240" cy="720080"/>
+          </a:xfrm>
+          <a:prstGeom prst="roundRect">
+            <a:avLst/>
+          </a:prstGeom>
+          <a:noFill/>
+          <a:ln w="25400"/>
+        </p:spPr>
+        <p:style>
+          <a:lnRef idx="2">
+            <a:schemeClr val="accent1">
+              <a:shade val="15000"/>
+            </a:schemeClr>
+          </a:lnRef>
+          <a:fillRef idx="1">
+            <a:schemeClr val="accent1"/>
+          </a:fillRef>
+          <a:effectRef idx="0">
+            <a:schemeClr val="accent1"/>
+          </a:effectRef>
+          <a:fontRef idx="minor">
+            <a:schemeClr val="lt1"/>
+          </a:fontRef>
+        </p:style>
+        <p:txBody>
+          <a:bodyPr rtlCol="0" anchor="ctr"/>
+          <a:lstStyle/>
+          <a:p>
+            <a:pPr algn="ctr"/>
+            <a:endParaRPr lang="en-CN" dirty="0"/>
+          </a:p>
+        </p:txBody>
+      </p:sp>
+      <p:sp>
+        <p:nvSpPr>
+          <p:cNvPr id="10" name="TextBox 9">
+            <a:extLst>
+              <a:ext uri="{FF2B5EF4-FFF2-40B4-BE49-F238E27FC236}">
+                <a16:creationId xmlns:a16="http://schemas.microsoft.com/office/drawing/2014/main" id="{B1D8DC1A-2BCA-69A8-94D1-1B42C3771B93}"/>
+              </a:ext>
+            </a:extLst>
+          </p:cNvPr>
+          <p:cNvSpPr txBox="1"/>
+          <p:nvPr/>
+        </p:nvSpPr>
+        <p:spPr>
+          <a:xfrm>
+            <a:off x="5220070" y="4891226"/>
+            <a:ext cx="1599797" cy="369332"/>
+          </a:xfrm>
+          <a:prstGeom prst="rect">
+            <a:avLst/>
+          </a:prstGeom>
+          <a:noFill/>
+        </p:spPr>
+        <p:txBody>
+          <a:bodyPr wrap="none" rtlCol="0">
+            <a:spAutoFit/>
+          </a:bodyPr>
+          <a:lstStyle/>
+          <a:p>
+            <a:r>
+              <a:rPr lang="en-US" dirty="0" err="1">
+                <a:solidFill>
+                  <a:srgbClr val="0070C0"/>
+                </a:solidFill>
+                <a:effectLst/>
+              </a:rPr>
+              <a:t>sendMessage</a:t>
+            </a:r>
+            <a:r>
+              <a:rPr lang="en-US" dirty="0">
+                <a:solidFill>
+                  <a:srgbClr val="0070C0"/>
+                </a:solidFill>
+                <a:effectLst/>
+              </a:rPr>
+              <a:t>()</a:t>
+            </a:r>
+          </a:p>
+        </p:txBody>
+      </p:sp>
+      <p:sp>
+        <p:nvSpPr>
+          <p:cNvPr id="11" name="TextBox 10">
+            <a:extLst>
+              <a:ext uri="{FF2B5EF4-FFF2-40B4-BE49-F238E27FC236}">
+                <a16:creationId xmlns:a16="http://schemas.microsoft.com/office/drawing/2014/main" id="{A539C8CE-A594-7DF5-8C26-8C9BB025A02C}"/>
+              </a:ext>
+            </a:extLst>
+          </p:cNvPr>
+          <p:cNvSpPr txBox="1"/>
+          <p:nvPr/>
+        </p:nvSpPr>
+        <p:spPr>
+          <a:xfrm>
+            <a:off x="8400256" y="3814029"/>
+            <a:ext cx="2971391" cy="923330"/>
+          </a:xfrm>
+          <a:prstGeom prst="rect">
+            <a:avLst/>
+          </a:prstGeom>
+          <a:noFill/>
+        </p:spPr>
+        <p:txBody>
+          <a:bodyPr wrap="square" rtlCol="0">
+            <a:spAutoFit/>
+          </a:bodyPr>
+          <a:lstStyle/>
+          <a:p>
+            <a:pPr marL="342900" indent="-342900">
+              <a:buFont typeface="+mj-lt"/>
+              <a:buAutoNum type="arabicPeriod"/>
+            </a:pPr>
+            <a:r>
+              <a:rPr lang="en-US" dirty="0">
+                <a:effectLst/>
+              </a:rPr>
+              <a:t>Create a new thread.</a:t>
+            </a:r>
+          </a:p>
+          <a:p>
+            <a:pPr marL="342900" indent="-342900">
+              <a:buFont typeface="+mj-lt"/>
+              <a:buAutoNum type="arabicPeriod"/>
+            </a:pPr>
+            <a:r>
+              <a:rPr lang="en-US" dirty="0"/>
+              <a:t>Listen for the message send from the sever.</a:t>
+            </a:r>
+          </a:p>
+        </p:txBody>
+      </p:sp>
+      <p:sp>
+        <p:nvSpPr>
+          <p:cNvPr id="12" name="TextBox 11">
+            <a:extLst>
+              <a:ext uri="{FF2B5EF4-FFF2-40B4-BE49-F238E27FC236}">
+                <a16:creationId xmlns:a16="http://schemas.microsoft.com/office/drawing/2014/main" id="{2986F385-EEF9-A012-7857-C76F3B99BB6C}"/>
+              </a:ext>
+            </a:extLst>
+          </p:cNvPr>
+          <p:cNvSpPr txBox="1"/>
+          <p:nvPr/>
+        </p:nvSpPr>
+        <p:spPr>
+          <a:xfrm>
+            <a:off x="744423" y="4653136"/>
+            <a:ext cx="3874154" cy="2031325"/>
+          </a:xfrm>
+          <a:prstGeom prst="rect">
+            <a:avLst/>
+          </a:prstGeom>
+          <a:noFill/>
+        </p:spPr>
+        <p:txBody>
+          <a:bodyPr wrap="square" rtlCol="0">
+            <a:spAutoFit/>
+          </a:bodyPr>
+          <a:lstStyle/>
+          <a:p>
+            <a:pPr marL="342900" indent="-342900">
+              <a:buFont typeface="+mj-lt"/>
+              <a:buAutoNum type="arabicPeriod"/>
+            </a:pPr>
+            <a:r>
+              <a:rPr lang="en-US" dirty="0">
+                <a:effectLst/>
+              </a:rPr>
+              <a:t>Send username to the sever.</a:t>
+            </a:r>
+          </a:p>
+          <a:p>
+            <a:pPr marL="342900" indent="-342900">
+              <a:buFont typeface="+mj-lt"/>
+              <a:buAutoNum type="arabicPeriod"/>
+            </a:pPr>
+            <a:r>
+              <a:rPr lang="en-US" dirty="0">
+                <a:effectLst/>
+              </a:rPr>
+              <a:t>Create a while loop until the socket connection ends.</a:t>
+            </a:r>
+          </a:p>
+          <a:p>
+            <a:pPr marL="342900" indent="-342900">
+              <a:buFont typeface="+mj-lt"/>
+              <a:buAutoNum type="arabicPeriod"/>
+            </a:pPr>
+            <a:endParaRPr lang="en-US" dirty="0">
+              <a:effectLst/>
+            </a:endParaRPr>
+          </a:p>
+          <a:p>
+            <a:r>
+              <a:rPr lang="en-US" dirty="0">
+                <a:solidFill>
+                  <a:srgbClr val="0070C0"/>
+                </a:solidFill>
+              </a:rPr>
+              <a:t>Inside the while loop</a:t>
+            </a:r>
+            <a:endParaRPr lang="en-US" dirty="0">
+              <a:solidFill>
+                <a:srgbClr val="0070C0"/>
+              </a:solidFill>
+              <a:effectLst/>
+            </a:endParaRPr>
+          </a:p>
+          <a:p>
+            <a:pPr marL="800100" lvl="1" indent="-342900">
+              <a:buFont typeface="+mj-lt"/>
+              <a:buAutoNum type="arabicParenR"/>
+            </a:pPr>
+            <a:r>
+              <a:rPr lang="en-US" dirty="0"/>
+              <a:t>R</a:t>
+            </a:r>
+            <a:r>
+              <a:rPr lang="en-US" dirty="0">
+                <a:effectLst/>
+              </a:rPr>
+              <a:t>ead the msg from keyboard and send it to sever.</a:t>
+            </a:r>
+          </a:p>
+        </p:txBody>
+      </p:sp>
+      <p:cxnSp>
+        <p:nvCxnSpPr>
+          <p:cNvPr id="14" name="Straight Arrow Connector 13">
+            <a:extLst>
+              <a:ext uri="{FF2B5EF4-FFF2-40B4-BE49-F238E27FC236}">
+                <a16:creationId xmlns:a16="http://schemas.microsoft.com/office/drawing/2014/main" id="{05383269-146C-27AA-6A86-4D3C96BA6F4F}"/>
+              </a:ext>
+            </a:extLst>
+          </p:cNvPr>
+          <p:cNvCxnSpPr>
+            <a:stCxn id="4" idx="2"/>
+            <a:endCxn id="6" idx="0"/>
+          </p:cNvCxnSpPr>
+          <p:nvPr/>
+        </p:nvCxnSpPr>
+        <p:spPr>
+          <a:xfrm>
+            <a:off x="5952751" y="1772816"/>
+            <a:ext cx="3743944" cy="1111478"/>
+          </a:xfrm>
+          <a:prstGeom prst="straightConnector1">
+            <a:avLst/>
+          </a:prstGeom>
+          <a:ln w="12700">
+            <a:prstDash val="lgDash"/>
+            <a:tailEnd type="triangle"/>
+          </a:ln>
+        </p:spPr>
+        <p:style>
+          <a:lnRef idx="1">
+            <a:schemeClr val="accent1"/>
+          </a:lnRef>
+          <a:fillRef idx="0">
+            <a:schemeClr val="accent1"/>
+          </a:fillRef>
+          <a:effectRef idx="0">
+            <a:schemeClr val="accent1"/>
+          </a:effectRef>
+          <a:fontRef idx="minor">
+            <a:schemeClr val="tx1"/>
+          </a:fontRef>
+        </p:style>
+      </p:cxnSp>
+      <p:cxnSp>
+        <p:nvCxnSpPr>
+          <p:cNvPr id="15" name="Straight Arrow Connector 14">
+            <a:extLst>
+              <a:ext uri="{FF2B5EF4-FFF2-40B4-BE49-F238E27FC236}">
+                <a16:creationId xmlns:a16="http://schemas.microsoft.com/office/drawing/2014/main" id="{7A48D49D-E56C-E1B2-2398-BF80F7B423F0}"/>
+              </a:ext>
+            </a:extLst>
+          </p:cNvPr>
+          <p:cNvCxnSpPr>
+            <a:cxnSpLocks/>
+            <a:stCxn id="18" idx="2"/>
+            <a:endCxn id="9" idx="0"/>
+          </p:cNvCxnSpPr>
+          <p:nvPr/>
+        </p:nvCxnSpPr>
+        <p:spPr>
+          <a:xfrm>
+            <a:off x="5949437" y="3604374"/>
+            <a:ext cx="0" cy="1111478"/>
+          </a:xfrm>
+          <a:prstGeom prst="straightConnector1">
+            <a:avLst/>
+          </a:prstGeom>
+          <a:ln w="38100">
+            <a:tailEnd type="triangle"/>
+          </a:ln>
+        </p:spPr>
+        <p:style>
+          <a:lnRef idx="1">
+            <a:schemeClr val="accent1"/>
+          </a:lnRef>
+          <a:fillRef idx="0">
+            <a:schemeClr val="accent1"/>
+          </a:fillRef>
+          <a:effectRef idx="0">
+            <a:schemeClr val="accent1"/>
+          </a:effectRef>
+          <a:fontRef idx="minor">
+            <a:schemeClr val="tx1"/>
+          </a:fontRef>
+        </p:style>
+      </p:cxnSp>
+      <p:sp>
+        <p:nvSpPr>
+          <p:cNvPr id="18" name="Rounded Rectangle 17">
+            <a:extLst>
+              <a:ext uri="{FF2B5EF4-FFF2-40B4-BE49-F238E27FC236}">
+                <a16:creationId xmlns:a16="http://schemas.microsoft.com/office/drawing/2014/main" id="{0AC5D8FD-451E-87FD-371B-6C530C77DA0B}"/>
+              </a:ext>
+            </a:extLst>
+          </p:cNvPr>
+          <p:cNvSpPr/>
+          <p:nvPr/>
+        </p:nvSpPr>
+        <p:spPr>
+          <a:xfrm>
+            <a:off x="4869317" y="2884294"/>
+            <a:ext cx="2160240" cy="720080"/>
+          </a:xfrm>
+          <a:prstGeom prst="roundRect">
+            <a:avLst/>
+          </a:prstGeom>
+          <a:noFill/>
+          <a:ln w="25400"/>
+        </p:spPr>
+        <p:style>
+          <a:lnRef idx="2">
+            <a:schemeClr val="accent1">
+              <a:shade val="15000"/>
+            </a:schemeClr>
+          </a:lnRef>
+          <a:fillRef idx="1">
+            <a:schemeClr val="accent1"/>
+          </a:fillRef>
+          <a:effectRef idx="0">
+            <a:schemeClr val="accent1"/>
+          </a:effectRef>
+          <a:fontRef idx="minor">
+            <a:schemeClr val="lt1"/>
+          </a:fontRef>
+        </p:style>
+        <p:txBody>
+          <a:bodyPr rtlCol="0" anchor="ctr"/>
+          <a:lstStyle/>
+          <a:p>
+            <a:pPr algn="ctr"/>
+            <a:endParaRPr lang="en-CN" dirty="0"/>
+          </a:p>
+        </p:txBody>
+      </p:sp>
+      <p:sp>
+        <p:nvSpPr>
+          <p:cNvPr id="19" name="TextBox 18">
+            <a:extLst>
+              <a:ext uri="{FF2B5EF4-FFF2-40B4-BE49-F238E27FC236}">
+                <a16:creationId xmlns:a16="http://schemas.microsoft.com/office/drawing/2014/main" id="{FAB28349-AC48-C445-0EDB-EE157B42C948}"/>
+              </a:ext>
+            </a:extLst>
+          </p:cNvPr>
+          <p:cNvSpPr txBox="1"/>
+          <p:nvPr/>
+        </p:nvSpPr>
+        <p:spPr>
+          <a:xfrm>
+            <a:off x="5189838" y="3059668"/>
+            <a:ext cx="1519198" cy="369332"/>
+          </a:xfrm>
+          <a:prstGeom prst="rect">
+            <a:avLst/>
+          </a:prstGeom>
+          <a:noFill/>
+        </p:spPr>
+        <p:txBody>
+          <a:bodyPr wrap="none" rtlCol="0">
+            <a:spAutoFit/>
+          </a:bodyPr>
+          <a:lstStyle/>
+          <a:p>
+            <a:r>
+              <a:rPr lang="en-US" dirty="0">
+                <a:solidFill>
+                  <a:srgbClr val="0070C0"/>
+                </a:solidFill>
+                <a:effectLst/>
+              </a:rPr>
+              <a:t>Constructors()</a:t>
+            </a:r>
+          </a:p>
+        </p:txBody>
+      </p:sp>
+      <p:cxnSp>
+        <p:nvCxnSpPr>
+          <p:cNvPr id="22" name="Straight Arrow Connector 21">
+            <a:extLst>
+              <a:ext uri="{FF2B5EF4-FFF2-40B4-BE49-F238E27FC236}">
+                <a16:creationId xmlns:a16="http://schemas.microsoft.com/office/drawing/2014/main" id="{0BAB8B99-2871-2438-FFB4-EDFEEB569451}"/>
+              </a:ext>
+            </a:extLst>
+          </p:cNvPr>
+          <p:cNvCxnSpPr>
+            <a:cxnSpLocks/>
+            <a:stCxn id="4" idx="2"/>
+            <a:endCxn id="18" idx="0"/>
+          </p:cNvCxnSpPr>
+          <p:nvPr/>
+        </p:nvCxnSpPr>
+        <p:spPr>
+          <a:xfrm flipH="1">
+            <a:off x="5949437" y="1772816"/>
+            <a:ext cx="3314" cy="1111478"/>
+          </a:xfrm>
+          <a:prstGeom prst="straightConnector1">
+            <a:avLst/>
+          </a:prstGeom>
+          <a:ln w="38100">
+            <a:tailEnd type="triangle"/>
+          </a:ln>
+        </p:spPr>
+        <p:style>
+          <a:lnRef idx="1">
+            <a:schemeClr val="accent1"/>
+          </a:lnRef>
+          <a:fillRef idx="0">
+            <a:schemeClr val="accent1"/>
+          </a:fillRef>
+          <a:effectRef idx="0">
+            <a:schemeClr val="accent1"/>
+          </a:effectRef>
+          <a:fontRef idx="minor">
+            <a:schemeClr val="tx1"/>
+          </a:fontRef>
+        </p:style>
+      </p:cxnSp>
+      <p:sp>
+        <p:nvSpPr>
+          <p:cNvPr id="25" name="TextBox 24">
+            <a:extLst>
+              <a:ext uri="{FF2B5EF4-FFF2-40B4-BE49-F238E27FC236}">
+                <a16:creationId xmlns:a16="http://schemas.microsoft.com/office/drawing/2014/main" id="{5DFA72E1-CC49-395B-EA2C-B411F9CB0AD2}"/>
+              </a:ext>
+            </a:extLst>
+          </p:cNvPr>
+          <p:cNvSpPr txBox="1"/>
+          <p:nvPr/>
+        </p:nvSpPr>
+        <p:spPr>
+          <a:xfrm>
+            <a:off x="1647186" y="2678450"/>
+            <a:ext cx="2971391" cy="1200329"/>
+          </a:xfrm>
+          <a:prstGeom prst="rect">
+            <a:avLst/>
+          </a:prstGeom>
+          <a:noFill/>
+        </p:spPr>
+        <p:txBody>
+          <a:bodyPr wrap="square" rtlCol="0">
+            <a:spAutoFit/>
+          </a:bodyPr>
+          <a:lstStyle/>
+          <a:p>
+            <a:pPr marL="342900" indent="-342900">
+              <a:buFont typeface="+mj-lt"/>
+              <a:buAutoNum type="arabicPeriod"/>
+            </a:pPr>
+            <a:r>
+              <a:rPr lang="en-US" dirty="0">
+                <a:effectLst/>
+              </a:rPr>
+              <a:t>Set up the Socket.</a:t>
+            </a:r>
+          </a:p>
+          <a:p>
+            <a:pPr marL="342900" indent="-342900">
+              <a:buFont typeface="+mj-lt"/>
+              <a:buAutoNum type="arabicPeriod"/>
+            </a:pPr>
+            <a:r>
+              <a:rPr lang="en-US" dirty="0">
+                <a:effectLst/>
+              </a:rPr>
+              <a:t>Initialize the reader and the writer. </a:t>
+            </a:r>
+          </a:p>
+          <a:p>
+            <a:pPr marL="342900" indent="-342900">
+              <a:buFont typeface="+mj-lt"/>
+              <a:buAutoNum type="arabicPeriod"/>
+            </a:pPr>
+            <a:r>
+              <a:rPr lang="en-US" dirty="0">
+                <a:effectLst/>
+              </a:rPr>
+              <a:t>Record the username.</a:t>
+            </a:r>
+          </a:p>
+        </p:txBody>
+      </p:sp>
+      <p:cxnSp>
+        <p:nvCxnSpPr>
+          <p:cNvPr id="32" name="Curved Connector 31">
+            <a:extLst>
+              <a:ext uri="{FF2B5EF4-FFF2-40B4-BE49-F238E27FC236}">
+                <a16:creationId xmlns:a16="http://schemas.microsoft.com/office/drawing/2014/main" id="{FF48F94F-1F8A-221E-8CDA-1D4AF31DD8CE}"/>
+              </a:ext>
+            </a:extLst>
+          </p:cNvPr>
+          <p:cNvCxnSpPr>
+            <a:stCxn id="9" idx="1"/>
+            <a:endCxn id="9" idx="3"/>
+          </p:cNvCxnSpPr>
+          <p:nvPr/>
+        </p:nvCxnSpPr>
+        <p:spPr>
+          <a:xfrm rot="10800000" flipH="1">
+            <a:off x="4869317" y="5075892"/>
+            <a:ext cx="2160240" cy="12700"/>
+          </a:xfrm>
+          <a:prstGeom prst="curvedConnector5">
+            <a:avLst>
+              <a:gd name="adj1" fmla="val -10582"/>
+              <a:gd name="adj2" fmla="val -9102976"/>
+              <a:gd name="adj3" fmla="val 110582"/>
+            </a:avLst>
+          </a:prstGeom>
+          <a:ln>
+            <a:tailEnd type="triangle"/>
+          </a:ln>
+        </p:spPr>
+        <p:style>
+          <a:lnRef idx="1">
+            <a:schemeClr val="accent1"/>
+          </a:lnRef>
+          <a:fillRef idx="0">
+            <a:schemeClr val="accent1"/>
+          </a:fillRef>
+          <a:effectRef idx="0">
+            <a:schemeClr val="accent1"/>
+          </a:effectRef>
+          <a:fontRef idx="minor">
+            <a:schemeClr val="tx1"/>
+          </a:fontRef>
+        </p:style>
+      </p:cxnSp>
+      <p:sp>
+        <p:nvSpPr>
+          <p:cNvPr id="36" name="TextBox 35">
+            <a:extLst>
+              <a:ext uri="{FF2B5EF4-FFF2-40B4-BE49-F238E27FC236}">
+                <a16:creationId xmlns:a16="http://schemas.microsoft.com/office/drawing/2014/main" id="{52930CBA-CE0A-FB19-B0F9-F3464FCEC665}"/>
+              </a:ext>
+            </a:extLst>
+          </p:cNvPr>
+          <p:cNvSpPr txBox="1"/>
+          <p:nvPr/>
+        </p:nvSpPr>
+        <p:spPr>
+          <a:xfrm>
+            <a:off x="4474994" y="2182504"/>
+            <a:ext cx="1429687" cy="369332"/>
+          </a:xfrm>
+          <a:prstGeom prst="rect">
+            <a:avLst/>
+          </a:prstGeom>
+          <a:noFill/>
+        </p:spPr>
+        <p:txBody>
+          <a:bodyPr wrap="none" rtlCol="0">
+            <a:spAutoFit/>
+          </a:bodyPr>
+          <a:lstStyle/>
+          <a:p>
+            <a:r>
+              <a:rPr lang="en-US" dirty="0">
+                <a:solidFill>
+                  <a:srgbClr val="0070C0"/>
+                </a:solidFill>
+                <a:effectLst/>
+              </a:rPr>
+              <a:t>Main Process</a:t>
+            </a:r>
+          </a:p>
+        </p:txBody>
+      </p:sp>
+      <p:sp>
+        <p:nvSpPr>
+          <p:cNvPr id="37" name="TextBox 36">
+            <a:extLst>
+              <a:ext uri="{FF2B5EF4-FFF2-40B4-BE49-F238E27FC236}">
+                <a16:creationId xmlns:a16="http://schemas.microsoft.com/office/drawing/2014/main" id="{76A22F2A-7A43-3B09-BD18-F14D9A6E2610}"/>
+              </a:ext>
+            </a:extLst>
+          </p:cNvPr>
+          <p:cNvSpPr txBox="1"/>
+          <p:nvPr/>
+        </p:nvSpPr>
+        <p:spPr>
+          <a:xfrm>
+            <a:off x="8296406" y="1979548"/>
+            <a:ext cx="1263679" cy="369332"/>
+          </a:xfrm>
+          <a:prstGeom prst="rect">
+            <a:avLst/>
+          </a:prstGeom>
+          <a:noFill/>
+        </p:spPr>
+        <p:txBody>
+          <a:bodyPr wrap="none" rtlCol="0">
+            <a:spAutoFit/>
+          </a:bodyPr>
+          <a:lstStyle/>
+          <a:p>
+            <a:r>
+              <a:rPr lang="en-US" dirty="0">
+                <a:solidFill>
+                  <a:srgbClr val="0070C0"/>
+                </a:solidFill>
+              </a:rPr>
+              <a:t>Sub-Thread</a:t>
+            </a:r>
+            <a:endParaRPr lang="en-US" dirty="0">
+              <a:solidFill>
+                <a:srgbClr val="0070C0"/>
+              </a:solidFill>
+              <a:effectLst/>
+            </a:endParaRPr>
+          </a:p>
+        </p:txBody>
+      </p:sp>
+      <p:sp>
+        <p:nvSpPr>
+          <p:cNvPr id="40" name="标题 4">
+            <a:extLst>
+              <a:ext uri="{FF2B5EF4-FFF2-40B4-BE49-F238E27FC236}">
+                <a16:creationId xmlns:a16="http://schemas.microsoft.com/office/drawing/2014/main" id="{0A7DF2CC-446C-6A40-0CB6-0CE82216FB57}"/>
+              </a:ext>
+            </a:extLst>
+          </p:cNvPr>
           <p:cNvSpPr>
             <a:spLocks noGrp="1"/>
           </p:cNvSpPr>
@@ -1606,7 +2459,12 @@
             <p:ph type="title"/>
           </p:nvPr>
         </p:nvSpPr>
-        <p:spPr/>
+        <p:spPr>
+          <a:xfrm>
+            <a:off x="724328" y="51841"/>
+            <a:ext cx="7884064" cy="835874"/>
+          </a:xfrm>
+        </p:spPr>
         <p:txBody>
           <a:bodyPr>
             <a:normAutofit/>
@@ -1615,154 +2473,51 @@
           <a:p>
             <a:r>
               <a:rPr lang="en-US" altLang="zh-CN" sz="4000" dirty="0"/>
-              <a:t>Sample Output</a:t>
+              <a:t>Structure of Project: Client</a:t>
             </a:r>
             <a:endParaRPr lang="zh-CN" sz="4000" dirty="0"/>
           </a:p>
         </p:txBody>
       </p:sp>
-      <p:pic>
-        <p:nvPicPr>
-          <p:cNvPr id="9" name="图片 8">
-            <a:extLst>
-              <a:ext uri="{FF2B5EF4-FFF2-40B4-BE49-F238E27FC236}">
-                <a16:creationId xmlns:a16="http://schemas.microsoft.com/office/drawing/2014/main" id="{C524C518-EE2B-B5C1-A3F1-AA5ACD8B2AE4}"/>
-              </a:ext>
-            </a:extLst>
-          </p:cNvPr>
-          <p:cNvPicPr>
-            <a:picLocks noChangeAspect="1"/>
-          </p:cNvPicPr>
-          <p:nvPr/>
-        </p:nvPicPr>
-        <p:blipFill>
-          <a:blip r:embed="rId2"/>
-          <a:stretch>
-            <a:fillRect/>
-          </a:stretch>
-        </p:blipFill>
-        <p:spPr>
-          <a:xfrm>
-            <a:off x="724328" y="1196752"/>
-            <a:ext cx="4838700" cy="2318343"/>
+      <p:sp>
+        <p:nvSpPr>
+          <p:cNvPr id="41" name="TextBox 40">
+            <a:extLst>
+              <a:ext uri="{FF2B5EF4-FFF2-40B4-BE49-F238E27FC236}">
+                <a16:creationId xmlns:a16="http://schemas.microsoft.com/office/drawing/2014/main" id="{BE61746D-2F66-3AFE-2E80-0FD72A7D1197}"/>
+              </a:ext>
+            </a:extLst>
+          </p:cNvPr>
+          <p:cNvSpPr txBox="1"/>
+          <p:nvPr/>
+        </p:nvSpPr>
+        <p:spPr>
+          <a:xfrm>
+            <a:off x="4767837" y="5473704"/>
+            <a:ext cx="2363197" cy="646331"/>
           </a:xfrm>
           <a:prstGeom prst="rect">
             <a:avLst/>
           </a:prstGeom>
-        </p:spPr>
-      </p:pic>
-      <p:pic>
-        <p:nvPicPr>
-          <p:cNvPr id="11" name="图片 10">
-            <a:extLst>
-              <a:ext uri="{FF2B5EF4-FFF2-40B4-BE49-F238E27FC236}">
-                <a16:creationId xmlns:a16="http://schemas.microsoft.com/office/drawing/2014/main" id="{40952D7E-EC2A-B189-5EC4-8096DA3BEEF5}"/>
-              </a:ext>
-            </a:extLst>
-          </p:cNvPr>
-          <p:cNvPicPr>
-            <a:picLocks noChangeAspect="1"/>
-          </p:cNvPicPr>
-          <p:nvPr/>
-        </p:nvPicPr>
-        <p:blipFill>
-          <a:blip r:embed="rId3"/>
-          <a:stretch>
-            <a:fillRect/>
-          </a:stretch>
-        </p:blipFill>
-        <p:spPr>
-          <a:xfrm>
-            <a:off x="724328" y="4057228"/>
-            <a:ext cx="4838700" cy="2324100"/>
-          </a:xfrm>
-          <a:prstGeom prst="rect">
-            <a:avLst/>
-          </a:prstGeom>
-        </p:spPr>
-      </p:pic>
-      <p:pic>
-        <p:nvPicPr>
-          <p:cNvPr id="13" name="图片 12">
-            <a:extLst>
-              <a:ext uri="{FF2B5EF4-FFF2-40B4-BE49-F238E27FC236}">
-                <a16:creationId xmlns:a16="http://schemas.microsoft.com/office/drawing/2014/main" id="{49BF166E-61AE-BFAD-964D-F23D8015C901}"/>
-              </a:ext>
-            </a:extLst>
-          </p:cNvPr>
-          <p:cNvPicPr>
-            <a:picLocks noChangeAspect="1"/>
-          </p:cNvPicPr>
-          <p:nvPr/>
-        </p:nvPicPr>
-        <p:blipFill>
-          <a:blip r:embed="rId4"/>
-          <a:stretch>
-            <a:fillRect/>
-          </a:stretch>
-        </p:blipFill>
-        <p:spPr>
-          <a:xfrm>
-            <a:off x="6619242" y="1196751"/>
-            <a:ext cx="4866604" cy="2318343"/>
-          </a:xfrm>
-          <a:prstGeom prst="rect">
-            <a:avLst/>
-          </a:prstGeom>
-        </p:spPr>
-      </p:pic>
-      <p:sp>
-        <p:nvSpPr>
-          <p:cNvPr id="16" name="文本框 15">
-            <a:extLst>
-              <a:ext uri="{FF2B5EF4-FFF2-40B4-BE49-F238E27FC236}">
-                <a16:creationId xmlns:a16="http://schemas.microsoft.com/office/drawing/2014/main" id="{189453F6-7CD6-546F-37C5-61584AB8F8BF}"/>
-              </a:ext>
-            </a:extLst>
-          </p:cNvPr>
-          <p:cNvSpPr txBox="1"/>
-          <p:nvPr/>
-        </p:nvSpPr>
-        <p:spPr>
-          <a:xfrm>
-            <a:off x="6628974" y="4005064"/>
-            <a:ext cx="4856872" cy="1692771"/>
-          </a:xfrm>
-          <a:prstGeom prst="rect">
-            <a:avLst/>
-          </a:prstGeom>
           <a:noFill/>
         </p:spPr>
         <p:txBody>
-          <a:bodyPr wrap="square" rtlCol="0">
+          <a:bodyPr wrap="square">
             <a:spAutoFit/>
           </a:bodyPr>
           <a:lstStyle/>
           <a:p>
-            <a:pPr marL="285750" indent="-285750">
-              <a:buFont typeface="Arial" panose="020B0604020202020204" pitchFamily="34" charset="0"/>
-              <a:buChar char="•"/>
-            </a:pPr>
-            <a:r>
-              <a:rPr lang="en-US" altLang="zh-CN" sz="2600" dirty="0"/>
-              <a:t>First, run the server.</a:t>
-            </a:r>
-          </a:p>
-          <a:p>
-            <a:pPr marL="285750" indent="-285750">
-              <a:buFont typeface="Arial" panose="020B0604020202020204" pitchFamily="34" charset="0"/>
-              <a:buChar char="•"/>
-            </a:pPr>
-            <a:endParaRPr lang="en-US" altLang="zh-CN" sz="2600" dirty="0"/>
-          </a:p>
-          <a:p>
-            <a:pPr marL="285750" indent="-285750">
-              <a:buFont typeface="Arial" panose="020B0604020202020204" pitchFamily="34" charset="0"/>
-              <a:buChar char="•"/>
-            </a:pPr>
-            <a:r>
-              <a:rPr lang="en-US" altLang="zh-CN" sz="2600" dirty="0"/>
-              <a:t>Then input Alice, Bob, and Carol to three clients, respectively.</a:t>
+            <a:pPr algn="ctr"/>
+            <a:r>
+              <a:rPr lang="en-CN" dirty="0"/>
+              <a:t>while(socket.</a:t>
+            </a:r>
+          </a:p>
+          <a:p>
+            <a:pPr algn="ctr"/>
+            <a:r>
+              <a:rPr lang="en-CN" dirty="0"/>
+              <a:t>isConnected())</a:t>
             </a:r>
           </a:p>
         </p:txBody>
@@ -1770,7 +2525,7 @@
     </p:spTree>
     <p:extLst>
       <p:ext uri="{BB962C8B-B14F-4D97-AF65-F5344CB8AC3E}">
-        <p14:creationId xmlns:p14="http://schemas.microsoft.com/office/powerpoint/2010/main" val="2605814159"/>
+        <p14:creationId xmlns:p14="http://schemas.microsoft.com/office/powerpoint/2010/main" val="1969484652"/>
       </p:ext>
     </p:extLst>
   </p:cSld>
@@ -1799,7 +2554,1095 @@
       </p:grpSpPr>
       <p:sp>
         <p:nvSpPr>
-          <p:cNvPr id="1048589" name="标题 4"/>
+          <p:cNvPr id="4" name="Rounded Rectangle 3">
+            <a:extLst>
+              <a:ext uri="{FF2B5EF4-FFF2-40B4-BE49-F238E27FC236}">
+                <a16:creationId xmlns:a16="http://schemas.microsoft.com/office/drawing/2014/main" id="{AAFD7871-9A05-48F1-04E9-E2BB71813CCF}"/>
+              </a:ext>
+            </a:extLst>
+          </p:cNvPr>
+          <p:cNvSpPr/>
+          <p:nvPr/>
+        </p:nvSpPr>
+        <p:spPr>
+          <a:xfrm>
+            <a:off x="4871864" y="1700808"/>
+            <a:ext cx="2160240" cy="720080"/>
+          </a:xfrm>
+          <a:prstGeom prst="roundRect">
+            <a:avLst/>
+          </a:prstGeom>
+          <a:noFill/>
+          <a:ln w="25400"/>
+        </p:spPr>
+        <p:style>
+          <a:lnRef idx="2">
+            <a:schemeClr val="accent1">
+              <a:shade val="15000"/>
+            </a:schemeClr>
+          </a:lnRef>
+          <a:fillRef idx="1">
+            <a:schemeClr val="accent1"/>
+          </a:fillRef>
+          <a:effectRef idx="0">
+            <a:schemeClr val="accent1"/>
+          </a:effectRef>
+          <a:fontRef idx="minor">
+            <a:schemeClr val="lt1"/>
+          </a:fontRef>
+        </p:style>
+        <p:txBody>
+          <a:bodyPr rtlCol="0" anchor="ctr"/>
+          <a:lstStyle/>
+          <a:p>
+            <a:pPr algn="ctr"/>
+            <a:endParaRPr lang="en-CN" dirty="0"/>
+          </a:p>
+        </p:txBody>
+      </p:sp>
+      <p:sp>
+        <p:nvSpPr>
+          <p:cNvPr id="5" name="TextBox 4">
+            <a:extLst>
+              <a:ext uri="{FF2B5EF4-FFF2-40B4-BE49-F238E27FC236}">
+                <a16:creationId xmlns:a16="http://schemas.microsoft.com/office/drawing/2014/main" id="{FA953389-35FA-BD6D-307A-B25AD1926E07}"/>
+              </a:ext>
+            </a:extLst>
+          </p:cNvPr>
+          <p:cNvSpPr txBox="1"/>
+          <p:nvPr/>
+        </p:nvSpPr>
+        <p:spPr>
+          <a:xfrm>
+            <a:off x="5153268" y="1860793"/>
+            <a:ext cx="1590804" cy="400110"/>
+          </a:xfrm>
+          <a:prstGeom prst="rect">
+            <a:avLst/>
+          </a:prstGeom>
+          <a:noFill/>
+        </p:spPr>
+        <p:txBody>
+          <a:bodyPr wrap="square" rtlCol="0">
+            <a:spAutoFit/>
+          </a:bodyPr>
+          <a:lstStyle/>
+          <a:p>
+            <a:pPr algn="ctr"/>
+            <a:r>
+              <a:rPr lang="en-CN" sz="2000" dirty="0"/>
+              <a:t>Class</a:t>
+            </a:r>
+            <a:r>
+              <a:rPr lang="zh-CN" altLang="en-US" sz="2000" dirty="0"/>
+              <a:t> </a:t>
+            </a:r>
+            <a:r>
+              <a:rPr lang="en-CN" sz="2000" dirty="0"/>
+              <a:t>Server</a:t>
+            </a:r>
+          </a:p>
+        </p:txBody>
+      </p:sp>
+      <p:sp>
+        <p:nvSpPr>
+          <p:cNvPr id="6" name="Rounded Rectangle 5">
+            <a:extLst>
+              <a:ext uri="{FF2B5EF4-FFF2-40B4-BE49-F238E27FC236}">
+                <a16:creationId xmlns:a16="http://schemas.microsoft.com/office/drawing/2014/main" id="{2835D416-5BA7-F189-4EAC-C002C01E4FB8}"/>
+              </a:ext>
+            </a:extLst>
+          </p:cNvPr>
+          <p:cNvSpPr/>
+          <p:nvPr/>
+        </p:nvSpPr>
+        <p:spPr>
+          <a:xfrm>
+            <a:off x="4871864" y="3068960"/>
+            <a:ext cx="2160240" cy="720080"/>
+          </a:xfrm>
+          <a:prstGeom prst="roundRect">
+            <a:avLst/>
+          </a:prstGeom>
+          <a:noFill/>
+          <a:ln w="25400"/>
+        </p:spPr>
+        <p:style>
+          <a:lnRef idx="2">
+            <a:schemeClr val="accent1">
+              <a:shade val="15000"/>
+            </a:schemeClr>
+          </a:lnRef>
+          <a:fillRef idx="1">
+            <a:schemeClr val="accent1"/>
+          </a:fillRef>
+          <a:effectRef idx="0">
+            <a:schemeClr val="accent1"/>
+          </a:effectRef>
+          <a:fontRef idx="minor">
+            <a:schemeClr val="lt1"/>
+          </a:fontRef>
+        </p:style>
+        <p:txBody>
+          <a:bodyPr rtlCol="0" anchor="ctr"/>
+          <a:lstStyle/>
+          <a:p>
+            <a:pPr algn="ctr"/>
+            <a:endParaRPr lang="en-CN" dirty="0"/>
+          </a:p>
+        </p:txBody>
+      </p:sp>
+      <p:sp>
+        <p:nvSpPr>
+          <p:cNvPr id="7" name="TextBox 6">
+            <a:extLst>
+              <a:ext uri="{FF2B5EF4-FFF2-40B4-BE49-F238E27FC236}">
+                <a16:creationId xmlns:a16="http://schemas.microsoft.com/office/drawing/2014/main" id="{B7FE5F95-DAFA-E650-2DF8-E6532BBA2C41}"/>
+              </a:ext>
+            </a:extLst>
+          </p:cNvPr>
+          <p:cNvSpPr txBox="1"/>
+          <p:nvPr/>
+        </p:nvSpPr>
+        <p:spPr>
+          <a:xfrm>
+            <a:off x="5274106" y="3228945"/>
+            <a:ext cx="1355756" cy="369332"/>
+          </a:xfrm>
+          <a:prstGeom prst="rect">
+            <a:avLst/>
+          </a:prstGeom>
+          <a:noFill/>
+        </p:spPr>
+        <p:txBody>
+          <a:bodyPr wrap="none" rtlCol="0">
+            <a:spAutoFit/>
+          </a:bodyPr>
+          <a:lstStyle/>
+          <a:p>
+            <a:r>
+              <a:rPr lang="en-US" dirty="0" err="1">
+                <a:solidFill>
+                  <a:srgbClr val="0070C0"/>
+                </a:solidFill>
+                <a:effectLst/>
+              </a:rPr>
+              <a:t>startServer</a:t>
+            </a:r>
+            <a:r>
+              <a:rPr lang="en-US" dirty="0">
+                <a:solidFill>
+                  <a:srgbClr val="0070C0"/>
+                </a:solidFill>
+                <a:effectLst/>
+              </a:rPr>
+              <a:t>()</a:t>
+            </a:r>
+          </a:p>
+        </p:txBody>
+      </p:sp>
+      <p:sp>
+        <p:nvSpPr>
+          <p:cNvPr id="11" name="TextBox 10">
+            <a:extLst>
+              <a:ext uri="{FF2B5EF4-FFF2-40B4-BE49-F238E27FC236}">
+                <a16:creationId xmlns:a16="http://schemas.microsoft.com/office/drawing/2014/main" id="{A539C8CE-A594-7DF5-8C26-8C9BB025A02C}"/>
+              </a:ext>
+            </a:extLst>
+          </p:cNvPr>
+          <p:cNvSpPr txBox="1"/>
+          <p:nvPr/>
+        </p:nvSpPr>
+        <p:spPr>
+          <a:xfrm>
+            <a:off x="309952" y="1700808"/>
+            <a:ext cx="3751043" cy="2308324"/>
+          </a:xfrm>
+          <a:prstGeom prst="rect">
+            <a:avLst/>
+          </a:prstGeom>
+          <a:noFill/>
+        </p:spPr>
+        <p:txBody>
+          <a:bodyPr wrap="square" rtlCol="0">
+            <a:spAutoFit/>
+          </a:bodyPr>
+          <a:lstStyle/>
+          <a:p>
+            <a:pPr marL="342900" indent="-342900">
+              <a:buFont typeface="+mj-lt"/>
+              <a:buAutoNum type="arabicPeriod"/>
+            </a:pPr>
+            <a:r>
+              <a:rPr lang="en-US" dirty="0">
+                <a:effectLst/>
+              </a:rPr>
+              <a:t>Set up the </a:t>
+            </a:r>
+            <a:r>
+              <a:rPr lang="en-US" dirty="0" err="1">
+                <a:effectLst/>
+              </a:rPr>
+              <a:t>ServerSocket</a:t>
+            </a:r>
+            <a:r>
+              <a:rPr lang="en-US" dirty="0">
+                <a:effectLst/>
+              </a:rPr>
+              <a:t>.</a:t>
+            </a:r>
+          </a:p>
+          <a:p>
+            <a:pPr marL="342900" indent="-342900">
+              <a:buFont typeface="+mj-lt"/>
+              <a:buAutoNum type="arabicPeriod"/>
+            </a:pPr>
+            <a:r>
+              <a:rPr lang="en-US" dirty="0"/>
+              <a:t>Create </a:t>
+            </a:r>
+            <a:r>
+              <a:rPr lang="en-US" dirty="0">
+                <a:solidFill>
+                  <a:srgbClr val="0070C0"/>
+                </a:solidFill>
+              </a:rPr>
+              <a:t>a while loop </a:t>
+            </a:r>
+            <a:r>
+              <a:rPr lang="en-US" dirty="0"/>
+              <a:t>to</a:t>
+            </a:r>
+          </a:p>
+          <a:p>
+            <a:pPr marL="800100" lvl="1" indent="-342900">
+              <a:buFont typeface="+mj-lt"/>
+              <a:buAutoNum type="arabicParenR"/>
+            </a:pPr>
+            <a:r>
+              <a:rPr lang="en-US" dirty="0"/>
+              <a:t>Accept new connection requestion from client. </a:t>
+            </a:r>
+          </a:p>
+          <a:p>
+            <a:pPr marL="800100" lvl="1" indent="-342900">
+              <a:buFont typeface="+mj-lt"/>
+              <a:buAutoNum type="arabicParenR"/>
+            </a:pPr>
+            <a:r>
+              <a:rPr lang="en-US" dirty="0"/>
+              <a:t>Construct a </a:t>
+            </a:r>
+            <a:r>
+              <a:rPr lang="en-US" dirty="0" err="1"/>
+              <a:t>ClientHandler</a:t>
+            </a:r>
+            <a:r>
+              <a:rPr lang="en-US" dirty="0"/>
+              <a:t> for each connected client. </a:t>
+            </a:r>
+          </a:p>
+          <a:p>
+            <a:pPr marL="800100" lvl="1" indent="-342900">
+              <a:buFont typeface="+mj-lt"/>
+              <a:buAutoNum type="arabicParenR"/>
+            </a:pPr>
+            <a:r>
+              <a:rPr lang="en-US" dirty="0">
+                <a:effectLst/>
+              </a:rPr>
+              <a:t>Put the </a:t>
+            </a:r>
+            <a:r>
+              <a:rPr lang="en-US" dirty="0" err="1"/>
+              <a:t>ClientHandler</a:t>
+            </a:r>
+            <a:r>
+              <a:rPr lang="en-US" dirty="0"/>
+              <a:t> into a thread and start the thread</a:t>
+            </a:r>
+            <a:r>
+              <a:rPr lang="en-US" dirty="0">
+                <a:effectLst/>
+              </a:rPr>
+              <a:t> </a:t>
+            </a:r>
+          </a:p>
+        </p:txBody>
+      </p:sp>
+      <p:cxnSp>
+        <p:nvCxnSpPr>
+          <p:cNvPr id="14" name="Straight Arrow Connector 13">
+            <a:extLst>
+              <a:ext uri="{FF2B5EF4-FFF2-40B4-BE49-F238E27FC236}">
+                <a16:creationId xmlns:a16="http://schemas.microsoft.com/office/drawing/2014/main" id="{05383269-146C-27AA-6A86-4D3C96BA6F4F}"/>
+              </a:ext>
+            </a:extLst>
+          </p:cNvPr>
+          <p:cNvCxnSpPr>
+            <a:stCxn id="4" idx="2"/>
+            <a:endCxn id="6" idx="0"/>
+          </p:cNvCxnSpPr>
+          <p:nvPr/>
+        </p:nvCxnSpPr>
+        <p:spPr>
+          <a:xfrm>
+            <a:off x="5951984" y="2420888"/>
+            <a:ext cx="0" cy="648072"/>
+          </a:xfrm>
+          <a:prstGeom prst="straightConnector1">
+            <a:avLst/>
+          </a:prstGeom>
+          <a:ln w="38100">
+            <a:tailEnd type="triangle"/>
+          </a:ln>
+        </p:spPr>
+        <p:style>
+          <a:lnRef idx="1">
+            <a:schemeClr val="accent1"/>
+          </a:lnRef>
+          <a:fillRef idx="0">
+            <a:schemeClr val="accent1"/>
+          </a:fillRef>
+          <a:effectRef idx="0">
+            <a:schemeClr val="accent1"/>
+          </a:effectRef>
+          <a:fontRef idx="minor">
+            <a:schemeClr val="tx1"/>
+          </a:fontRef>
+        </p:style>
+      </p:cxnSp>
+      <p:sp>
+        <p:nvSpPr>
+          <p:cNvPr id="2" name="Rounded Rectangle 1">
+            <a:extLst>
+              <a:ext uri="{FF2B5EF4-FFF2-40B4-BE49-F238E27FC236}">
+                <a16:creationId xmlns:a16="http://schemas.microsoft.com/office/drawing/2014/main" id="{C30A192F-7DE6-BF06-52A0-9391D38730E6}"/>
+              </a:ext>
+            </a:extLst>
+          </p:cNvPr>
+          <p:cNvSpPr/>
+          <p:nvPr/>
+        </p:nvSpPr>
+        <p:spPr>
+          <a:xfrm>
+            <a:off x="1940430" y="5301208"/>
+            <a:ext cx="2160240" cy="720080"/>
+          </a:xfrm>
+          <a:prstGeom prst="roundRect">
+            <a:avLst/>
+          </a:prstGeom>
+          <a:noFill/>
+          <a:ln w="25400"/>
+        </p:spPr>
+        <p:style>
+          <a:lnRef idx="2">
+            <a:schemeClr val="accent1">
+              <a:shade val="15000"/>
+            </a:schemeClr>
+          </a:lnRef>
+          <a:fillRef idx="1">
+            <a:schemeClr val="accent1"/>
+          </a:fillRef>
+          <a:effectRef idx="0">
+            <a:schemeClr val="accent1"/>
+          </a:effectRef>
+          <a:fontRef idx="minor">
+            <a:schemeClr val="lt1"/>
+          </a:fontRef>
+        </p:style>
+        <p:txBody>
+          <a:bodyPr rtlCol="0" anchor="ctr"/>
+          <a:lstStyle/>
+          <a:p>
+            <a:pPr algn="ctr"/>
+            <a:endParaRPr lang="en-CN" dirty="0"/>
+          </a:p>
+        </p:txBody>
+      </p:sp>
+      <p:sp>
+        <p:nvSpPr>
+          <p:cNvPr id="3" name="TextBox 2">
+            <a:extLst>
+              <a:ext uri="{FF2B5EF4-FFF2-40B4-BE49-F238E27FC236}">
+                <a16:creationId xmlns:a16="http://schemas.microsoft.com/office/drawing/2014/main" id="{6750465B-5C5C-3B7D-757A-3F33E6253BC4}"/>
+              </a:ext>
+            </a:extLst>
+          </p:cNvPr>
+          <p:cNvSpPr txBox="1"/>
+          <p:nvPr/>
+        </p:nvSpPr>
+        <p:spPr>
+          <a:xfrm>
+            <a:off x="7248128" y="3105835"/>
+            <a:ext cx="2592288" cy="646331"/>
+          </a:xfrm>
+          <a:prstGeom prst="rect">
+            <a:avLst/>
+          </a:prstGeom>
+          <a:noFill/>
+        </p:spPr>
+        <p:txBody>
+          <a:bodyPr wrap="square" rtlCol="0">
+            <a:spAutoFit/>
+          </a:bodyPr>
+          <a:lstStyle/>
+          <a:p>
+            <a:r>
+              <a:rPr lang="en-US" dirty="0">
+                <a:solidFill>
+                  <a:srgbClr val="A9B7C6"/>
+                </a:solidFill>
+                <a:effectLst/>
+              </a:rPr>
+              <a:t>Socket socket = </a:t>
+            </a:r>
+          </a:p>
+          <a:p>
+            <a:r>
+              <a:rPr lang="en-US" dirty="0" err="1">
+                <a:solidFill>
+                  <a:srgbClr val="9876AA"/>
+                </a:solidFill>
+                <a:effectLst/>
+              </a:rPr>
+              <a:t>serverSocket</a:t>
+            </a:r>
+            <a:r>
+              <a:rPr lang="en-US" dirty="0" err="1">
+                <a:solidFill>
+                  <a:srgbClr val="A9B7C6"/>
+                </a:solidFill>
+                <a:effectLst/>
+              </a:rPr>
+              <a:t>.accept</a:t>
+            </a:r>
+            <a:r>
+              <a:rPr lang="en-US" dirty="0">
+                <a:solidFill>
+                  <a:srgbClr val="A9B7C6"/>
+                </a:solidFill>
+                <a:effectLst/>
+              </a:rPr>
+              <a:t>()</a:t>
+            </a:r>
+            <a:r>
+              <a:rPr lang="en-US" dirty="0">
+                <a:solidFill>
+                  <a:srgbClr val="CC7832"/>
+                </a:solidFill>
+                <a:effectLst/>
+              </a:rPr>
+              <a:t>;</a:t>
+            </a:r>
+            <a:endParaRPr lang="en-US" dirty="0">
+              <a:solidFill>
+                <a:srgbClr val="A9B7C6"/>
+              </a:solidFill>
+              <a:effectLst/>
+            </a:endParaRPr>
+          </a:p>
+        </p:txBody>
+      </p:sp>
+      <p:sp>
+        <p:nvSpPr>
+          <p:cNvPr id="8" name="Rounded Rectangle 7">
+            <a:extLst>
+              <a:ext uri="{FF2B5EF4-FFF2-40B4-BE49-F238E27FC236}">
+                <a16:creationId xmlns:a16="http://schemas.microsoft.com/office/drawing/2014/main" id="{69FAC669-A984-86B8-4186-DAF60C91F4E8}"/>
+              </a:ext>
+            </a:extLst>
+          </p:cNvPr>
+          <p:cNvSpPr/>
+          <p:nvPr/>
+        </p:nvSpPr>
+        <p:spPr>
+          <a:xfrm>
+            <a:off x="4770028" y="5301208"/>
+            <a:ext cx="2363911" cy="720080"/>
+          </a:xfrm>
+          <a:prstGeom prst="roundRect">
+            <a:avLst/>
+          </a:prstGeom>
+          <a:noFill/>
+          <a:ln w="25400"/>
+        </p:spPr>
+        <p:style>
+          <a:lnRef idx="2">
+            <a:schemeClr val="accent1">
+              <a:shade val="15000"/>
+            </a:schemeClr>
+          </a:lnRef>
+          <a:fillRef idx="1">
+            <a:schemeClr val="accent1"/>
+          </a:fillRef>
+          <a:effectRef idx="0">
+            <a:schemeClr val="accent1"/>
+          </a:effectRef>
+          <a:fontRef idx="minor">
+            <a:schemeClr val="lt1"/>
+          </a:fontRef>
+        </p:style>
+        <p:txBody>
+          <a:bodyPr rtlCol="0" anchor="ctr"/>
+          <a:lstStyle/>
+          <a:p>
+            <a:pPr algn="ctr"/>
+            <a:endParaRPr lang="en-CN" dirty="0"/>
+          </a:p>
+        </p:txBody>
+      </p:sp>
+      <p:sp>
+        <p:nvSpPr>
+          <p:cNvPr id="9" name="TextBox 8">
+            <a:extLst>
+              <a:ext uri="{FF2B5EF4-FFF2-40B4-BE49-F238E27FC236}">
+                <a16:creationId xmlns:a16="http://schemas.microsoft.com/office/drawing/2014/main" id="{215C92AB-3752-751E-7EAE-BFE2DD145581}"/>
+              </a:ext>
+            </a:extLst>
+          </p:cNvPr>
+          <p:cNvSpPr txBox="1"/>
+          <p:nvPr/>
+        </p:nvSpPr>
+        <p:spPr>
+          <a:xfrm>
+            <a:off x="4888509" y="5476582"/>
+            <a:ext cx="2211311" cy="369332"/>
+          </a:xfrm>
+          <a:prstGeom prst="rect">
+            <a:avLst/>
+          </a:prstGeom>
+          <a:noFill/>
+        </p:spPr>
+        <p:txBody>
+          <a:bodyPr wrap="none" rtlCol="0">
+            <a:spAutoFit/>
+          </a:bodyPr>
+          <a:lstStyle/>
+          <a:p>
+            <a:r>
+              <a:rPr lang="en-US" dirty="0" err="1">
+                <a:solidFill>
+                  <a:srgbClr val="0070C0"/>
+                </a:solidFill>
+              </a:rPr>
+              <a:t>ClientHandler</a:t>
+            </a:r>
+            <a:r>
+              <a:rPr lang="en-US" dirty="0">
+                <a:effectLst/>
+              </a:rPr>
+              <a:t>(socket)</a:t>
+            </a:r>
+          </a:p>
+        </p:txBody>
+      </p:sp>
+      <p:sp>
+        <p:nvSpPr>
+          <p:cNvPr id="16" name="Rounded Rectangle 15">
+            <a:extLst>
+              <a:ext uri="{FF2B5EF4-FFF2-40B4-BE49-F238E27FC236}">
+                <a16:creationId xmlns:a16="http://schemas.microsoft.com/office/drawing/2014/main" id="{FDB85922-76DC-00C2-8873-51597D4DF791}"/>
+              </a:ext>
+            </a:extLst>
+          </p:cNvPr>
+          <p:cNvSpPr/>
+          <p:nvPr/>
+        </p:nvSpPr>
+        <p:spPr>
+          <a:xfrm>
+            <a:off x="7689088" y="5301208"/>
+            <a:ext cx="2363911" cy="720080"/>
+          </a:xfrm>
+          <a:prstGeom prst="roundRect">
+            <a:avLst/>
+          </a:prstGeom>
+          <a:noFill/>
+          <a:ln w="25400"/>
+        </p:spPr>
+        <p:style>
+          <a:lnRef idx="2">
+            <a:schemeClr val="accent1">
+              <a:shade val="15000"/>
+            </a:schemeClr>
+          </a:lnRef>
+          <a:fillRef idx="1">
+            <a:schemeClr val="accent1"/>
+          </a:fillRef>
+          <a:effectRef idx="0">
+            <a:schemeClr val="accent1"/>
+          </a:effectRef>
+          <a:fontRef idx="minor">
+            <a:schemeClr val="lt1"/>
+          </a:fontRef>
+        </p:style>
+        <p:txBody>
+          <a:bodyPr rtlCol="0" anchor="ctr"/>
+          <a:lstStyle/>
+          <a:p>
+            <a:pPr algn="ctr"/>
+            <a:endParaRPr lang="en-CN" dirty="0"/>
+          </a:p>
+        </p:txBody>
+      </p:sp>
+      <p:sp>
+        <p:nvSpPr>
+          <p:cNvPr id="17" name="TextBox 16">
+            <a:extLst>
+              <a:ext uri="{FF2B5EF4-FFF2-40B4-BE49-F238E27FC236}">
+                <a16:creationId xmlns:a16="http://schemas.microsoft.com/office/drawing/2014/main" id="{09208ADA-907C-F2B7-52FE-453934A75034}"/>
+              </a:ext>
+            </a:extLst>
+          </p:cNvPr>
+          <p:cNvSpPr txBox="1"/>
+          <p:nvPr/>
+        </p:nvSpPr>
+        <p:spPr>
+          <a:xfrm>
+            <a:off x="7807569" y="5476582"/>
+            <a:ext cx="2211311" cy="369332"/>
+          </a:xfrm>
+          <a:prstGeom prst="rect">
+            <a:avLst/>
+          </a:prstGeom>
+          <a:noFill/>
+        </p:spPr>
+        <p:txBody>
+          <a:bodyPr wrap="none" rtlCol="0">
+            <a:spAutoFit/>
+          </a:bodyPr>
+          <a:lstStyle/>
+          <a:p>
+            <a:r>
+              <a:rPr lang="en-US" dirty="0" err="1">
+                <a:solidFill>
+                  <a:srgbClr val="0070C0"/>
+                </a:solidFill>
+              </a:rPr>
+              <a:t>ClientHandler</a:t>
+            </a:r>
+            <a:r>
+              <a:rPr lang="en-US" dirty="0">
+                <a:effectLst/>
+              </a:rPr>
+              <a:t>(socket)</a:t>
+            </a:r>
+          </a:p>
+        </p:txBody>
+      </p:sp>
+      <p:cxnSp>
+        <p:nvCxnSpPr>
+          <p:cNvPr id="18" name="Straight Arrow Connector 17">
+            <a:extLst>
+              <a:ext uri="{FF2B5EF4-FFF2-40B4-BE49-F238E27FC236}">
+                <a16:creationId xmlns:a16="http://schemas.microsoft.com/office/drawing/2014/main" id="{A6A950C6-C061-79A2-D9BB-8066CBD7CB02}"/>
+              </a:ext>
+            </a:extLst>
+          </p:cNvPr>
+          <p:cNvCxnSpPr>
+            <a:cxnSpLocks/>
+            <a:stCxn id="6" idx="2"/>
+            <a:endCxn id="2" idx="0"/>
+          </p:cNvCxnSpPr>
+          <p:nvPr/>
+        </p:nvCxnSpPr>
+        <p:spPr>
+          <a:xfrm flipH="1">
+            <a:off x="3020550" y="3789040"/>
+            <a:ext cx="2931434" cy="1512168"/>
+          </a:xfrm>
+          <a:prstGeom prst="straightConnector1">
+            <a:avLst/>
+          </a:prstGeom>
+          <a:ln w="12700">
+            <a:prstDash val="lgDash"/>
+            <a:tailEnd type="triangle"/>
+          </a:ln>
+        </p:spPr>
+        <p:style>
+          <a:lnRef idx="1">
+            <a:schemeClr val="accent1"/>
+          </a:lnRef>
+          <a:fillRef idx="0">
+            <a:schemeClr val="accent1"/>
+          </a:fillRef>
+          <a:effectRef idx="0">
+            <a:schemeClr val="accent1"/>
+          </a:effectRef>
+          <a:fontRef idx="minor">
+            <a:schemeClr val="tx1"/>
+          </a:fontRef>
+        </p:style>
+      </p:cxnSp>
+      <p:cxnSp>
+        <p:nvCxnSpPr>
+          <p:cNvPr id="21" name="Straight Arrow Connector 20">
+            <a:extLst>
+              <a:ext uri="{FF2B5EF4-FFF2-40B4-BE49-F238E27FC236}">
+                <a16:creationId xmlns:a16="http://schemas.microsoft.com/office/drawing/2014/main" id="{26CE2D1A-B9E3-C4FE-B680-EEFC50D55C91}"/>
+              </a:ext>
+            </a:extLst>
+          </p:cNvPr>
+          <p:cNvCxnSpPr>
+            <a:cxnSpLocks/>
+            <a:stCxn id="6" idx="2"/>
+            <a:endCxn id="8" idx="0"/>
+          </p:cNvCxnSpPr>
+          <p:nvPr/>
+        </p:nvCxnSpPr>
+        <p:spPr>
+          <a:xfrm>
+            <a:off x="5951984" y="3789040"/>
+            <a:ext cx="0" cy="1512168"/>
+          </a:xfrm>
+          <a:prstGeom prst="straightConnector1">
+            <a:avLst/>
+          </a:prstGeom>
+          <a:ln w="12700">
+            <a:prstDash val="lgDash"/>
+            <a:tailEnd type="triangle"/>
+          </a:ln>
+        </p:spPr>
+        <p:style>
+          <a:lnRef idx="1">
+            <a:schemeClr val="accent1"/>
+          </a:lnRef>
+          <a:fillRef idx="0">
+            <a:schemeClr val="accent1"/>
+          </a:fillRef>
+          <a:effectRef idx="0">
+            <a:schemeClr val="accent1"/>
+          </a:effectRef>
+          <a:fontRef idx="minor">
+            <a:schemeClr val="tx1"/>
+          </a:fontRef>
+        </p:style>
+      </p:cxnSp>
+      <p:cxnSp>
+        <p:nvCxnSpPr>
+          <p:cNvPr id="24" name="Straight Arrow Connector 23">
+            <a:extLst>
+              <a:ext uri="{FF2B5EF4-FFF2-40B4-BE49-F238E27FC236}">
+                <a16:creationId xmlns:a16="http://schemas.microsoft.com/office/drawing/2014/main" id="{C02D9A3F-D2FC-C071-666A-F1FBC0E94C23}"/>
+              </a:ext>
+            </a:extLst>
+          </p:cNvPr>
+          <p:cNvCxnSpPr>
+            <a:cxnSpLocks/>
+            <a:stCxn id="6" idx="2"/>
+            <a:endCxn id="16" idx="0"/>
+          </p:cNvCxnSpPr>
+          <p:nvPr/>
+        </p:nvCxnSpPr>
+        <p:spPr>
+          <a:xfrm>
+            <a:off x="5951984" y="3789040"/>
+            <a:ext cx="2919060" cy="1512168"/>
+          </a:xfrm>
+          <a:prstGeom prst="straightConnector1">
+            <a:avLst/>
+          </a:prstGeom>
+          <a:ln w="12700">
+            <a:prstDash val="lgDash"/>
+            <a:tailEnd type="triangle"/>
+          </a:ln>
+        </p:spPr>
+        <p:style>
+          <a:lnRef idx="1">
+            <a:schemeClr val="accent1"/>
+          </a:lnRef>
+          <a:fillRef idx="0">
+            <a:schemeClr val="accent1"/>
+          </a:fillRef>
+          <a:effectRef idx="0">
+            <a:schemeClr val="accent1"/>
+          </a:effectRef>
+          <a:fontRef idx="minor">
+            <a:schemeClr val="tx1"/>
+          </a:fontRef>
+        </p:style>
+      </p:cxnSp>
+      <p:sp>
+        <p:nvSpPr>
+          <p:cNvPr id="28" name="TextBox 27">
+            <a:extLst>
+              <a:ext uri="{FF2B5EF4-FFF2-40B4-BE49-F238E27FC236}">
+                <a16:creationId xmlns:a16="http://schemas.microsoft.com/office/drawing/2014/main" id="{2E3979BF-905E-A2E8-0B73-D18E34ED5B0B}"/>
+              </a:ext>
+            </a:extLst>
+          </p:cNvPr>
+          <p:cNvSpPr txBox="1"/>
+          <p:nvPr/>
+        </p:nvSpPr>
+        <p:spPr>
+          <a:xfrm>
+            <a:off x="1940430" y="5476582"/>
+            <a:ext cx="2211311" cy="369332"/>
+          </a:xfrm>
+          <a:prstGeom prst="rect">
+            <a:avLst/>
+          </a:prstGeom>
+          <a:noFill/>
+        </p:spPr>
+        <p:txBody>
+          <a:bodyPr wrap="none" rtlCol="0">
+            <a:spAutoFit/>
+          </a:bodyPr>
+          <a:lstStyle/>
+          <a:p>
+            <a:r>
+              <a:rPr lang="en-US" dirty="0" err="1">
+                <a:solidFill>
+                  <a:srgbClr val="0070C0"/>
+                </a:solidFill>
+              </a:rPr>
+              <a:t>ClientHandler</a:t>
+            </a:r>
+            <a:r>
+              <a:rPr lang="en-US" dirty="0">
+                <a:effectLst/>
+              </a:rPr>
+              <a:t>(socket)</a:t>
+            </a:r>
+          </a:p>
+        </p:txBody>
+      </p:sp>
+      <p:sp>
+        <p:nvSpPr>
+          <p:cNvPr id="29" name="TextBox 28">
+            <a:extLst>
+              <a:ext uri="{FF2B5EF4-FFF2-40B4-BE49-F238E27FC236}">
+                <a16:creationId xmlns:a16="http://schemas.microsoft.com/office/drawing/2014/main" id="{1E419CA6-0BF6-4EDA-108B-42D3B1602561}"/>
+              </a:ext>
+            </a:extLst>
+          </p:cNvPr>
+          <p:cNvSpPr txBox="1"/>
+          <p:nvPr/>
+        </p:nvSpPr>
+        <p:spPr>
+          <a:xfrm>
+            <a:off x="1935224" y="4802777"/>
+            <a:ext cx="1263679" cy="369332"/>
+          </a:xfrm>
+          <a:prstGeom prst="rect">
+            <a:avLst/>
+          </a:prstGeom>
+          <a:noFill/>
+        </p:spPr>
+        <p:txBody>
+          <a:bodyPr wrap="none" rtlCol="0">
+            <a:spAutoFit/>
+          </a:bodyPr>
+          <a:lstStyle/>
+          <a:p>
+            <a:r>
+              <a:rPr lang="en-US" dirty="0">
+                <a:solidFill>
+                  <a:srgbClr val="0070C0"/>
+                </a:solidFill>
+              </a:rPr>
+              <a:t>Sub-Thread</a:t>
+            </a:r>
+            <a:endParaRPr lang="en-US" dirty="0">
+              <a:solidFill>
+                <a:srgbClr val="0070C0"/>
+              </a:solidFill>
+              <a:effectLst/>
+            </a:endParaRPr>
+          </a:p>
+        </p:txBody>
+      </p:sp>
+      <p:sp>
+        <p:nvSpPr>
+          <p:cNvPr id="30" name="TextBox 29">
+            <a:extLst>
+              <a:ext uri="{FF2B5EF4-FFF2-40B4-BE49-F238E27FC236}">
+                <a16:creationId xmlns:a16="http://schemas.microsoft.com/office/drawing/2014/main" id="{413D0EBE-E0EA-71FD-E574-4EBD4820E3C4}"/>
+              </a:ext>
+            </a:extLst>
+          </p:cNvPr>
+          <p:cNvSpPr txBox="1"/>
+          <p:nvPr/>
+        </p:nvSpPr>
+        <p:spPr>
+          <a:xfrm>
+            <a:off x="4652336" y="4802777"/>
+            <a:ext cx="1263679" cy="369332"/>
+          </a:xfrm>
+          <a:prstGeom prst="rect">
+            <a:avLst/>
+          </a:prstGeom>
+          <a:noFill/>
+        </p:spPr>
+        <p:txBody>
+          <a:bodyPr wrap="none" rtlCol="0">
+            <a:spAutoFit/>
+          </a:bodyPr>
+          <a:lstStyle/>
+          <a:p>
+            <a:r>
+              <a:rPr lang="en-US" dirty="0">
+                <a:solidFill>
+                  <a:srgbClr val="0070C0"/>
+                </a:solidFill>
+              </a:rPr>
+              <a:t>Sub-Thread</a:t>
+            </a:r>
+            <a:endParaRPr lang="en-US" dirty="0">
+              <a:solidFill>
+                <a:srgbClr val="0070C0"/>
+              </a:solidFill>
+              <a:effectLst/>
+            </a:endParaRPr>
+          </a:p>
+        </p:txBody>
+      </p:sp>
+      <p:sp>
+        <p:nvSpPr>
+          <p:cNvPr id="31" name="TextBox 30">
+            <a:extLst>
+              <a:ext uri="{FF2B5EF4-FFF2-40B4-BE49-F238E27FC236}">
+                <a16:creationId xmlns:a16="http://schemas.microsoft.com/office/drawing/2014/main" id="{C06AD1D2-2D82-204B-7E36-339C10CF759B}"/>
+              </a:ext>
+            </a:extLst>
+          </p:cNvPr>
+          <p:cNvSpPr txBox="1"/>
+          <p:nvPr/>
+        </p:nvSpPr>
+        <p:spPr>
+          <a:xfrm>
+            <a:off x="8592426" y="4807671"/>
+            <a:ext cx="1263679" cy="369332"/>
+          </a:xfrm>
+          <a:prstGeom prst="rect">
+            <a:avLst/>
+          </a:prstGeom>
+          <a:noFill/>
+        </p:spPr>
+        <p:txBody>
+          <a:bodyPr wrap="none" rtlCol="0">
+            <a:spAutoFit/>
+          </a:bodyPr>
+          <a:lstStyle/>
+          <a:p>
+            <a:r>
+              <a:rPr lang="en-US" dirty="0">
+                <a:solidFill>
+                  <a:srgbClr val="0070C0"/>
+                </a:solidFill>
+              </a:rPr>
+              <a:t>Sub-Thread</a:t>
+            </a:r>
+            <a:endParaRPr lang="en-US" dirty="0">
+              <a:solidFill>
+                <a:srgbClr val="0070C0"/>
+              </a:solidFill>
+              <a:effectLst/>
+            </a:endParaRPr>
+          </a:p>
+        </p:txBody>
+      </p:sp>
+      <p:cxnSp>
+        <p:nvCxnSpPr>
+          <p:cNvPr id="32" name="Curved Connector 31">
+            <a:extLst>
+              <a:ext uri="{FF2B5EF4-FFF2-40B4-BE49-F238E27FC236}">
+                <a16:creationId xmlns:a16="http://schemas.microsoft.com/office/drawing/2014/main" id="{2A979896-0ED8-87E8-99BD-0449C225B014}"/>
+              </a:ext>
+            </a:extLst>
+          </p:cNvPr>
+          <p:cNvCxnSpPr>
+            <a:cxnSpLocks/>
+            <a:stCxn id="6" idx="1"/>
+            <a:endCxn id="6" idx="3"/>
+          </p:cNvCxnSpPr>
+          <p:nvPr/>
+        </p:nvCxnSpPr>
+        <p:spPr>
+          <a:xfrm rot="10800000" flipH="1">
+            <a:off x="4871864" y="3429000"/>
+            <a:ext cx="2160240" cy="12700"/>
+          </a:xfrm>
+          <a:prstGeom prst="curvedConnector5">
+            <a:avLst>
+              <a:gd name="adj1" fmla="val -10582"/>
+              <a:gd name="adj2" fmla="val -5958142"/>
+              <a:gd name="adj3" fmla="val 110582"/>
+            </a:avLst>
+          </a:prstGeom>
+          <a:ln>
+            <a:tailEnd type="triangle"/>
+          </a:ln>
+        </p:spPr>
+        <p:style>
+          <a:lnRef idx="1">
+            <a:schemeClr val="accent1"/>
+          </a:lnRef>
+          <a:fillRef idx="0">
+            <a:schemeClr val="accent1"/>
+          </a:fillRef>
+          <a:effectRef idx="0">
+            <a:schemeClr val="accent1"/>
+          </a:effectRef>
+          <a:fontRef idx="minor">
+            <a:schemeClr val="tx1"/>
+          </a:fontRef>
+        </p:style>
+      </p:cxnSp>
+      <p:sp>
+        <p:nvSpPr>
+          <p:cNvPr id="39" name="TextBox 38">
+            <a:extLst>
+              <a:ext uri="{FF2B5EF4-FFF2-40B4-BE49-F238E27FC236}">
+                <a16:creationId xmlns:a16="http://schemas.microsoft.com/office/drawing/2014/main" id="{BE71B79A-345F-E07C-0EDD-D63EE571DDE0}"/>
+              </a:ext>
+            </a:extLst>
+          </p:cNvPr>
+          <p:cNvSpPr txBox="1"/>
+          <p:nvPr/>
+        </p:nvSpPr>
+        <p:spPr>
+          <a:xfrm>
+            <a:off x="4265826" y="4161092"/>
+            <a:ext cx="3372318" cy="369332"/>
+          </a:xfrm>
+          <a:prstGeom prst="rect">
+            <a:avLst/>
+          </a:prstGeom>
+          <a:noFill/>
+        </p:spPr>
+        <p:txBody>
+          <a:bodyPr wrap="square">
+            <a:spAutoFit/>
+          </a:bodyPr>
+          <a:lstStyle/>
+          <a:p>
+            <a:pPr algn="ctr"/>
+            <a:r>
+              <a:rPr lang="en-US" dirty="0"/>
+              <a:t>while(!</a:t>
+            </a:r>
+            <a:r>
+              <a:rPr lang="en-US" dirty="0" err="1"/>
+              <a:t>serverSocket.isClosed</a:t>
+            </a:r>
+            <a:r>
+              <a:rPr lang="en-US" dirty="0"/>
+              <a:t>())</a:t>
+            </a:r>
+            <a:endParaRPr lang="en-CN" dirty="0"/>
+          </a:p>
+        </p:txBody>
+      </p:sp>
+      <p:sp>
+        <p:nvSpPr>
+          <p:cNvPr id="40" name="标题 4">
+            <a:extLst>
+              <a:ext uri="{FF2B5EF4-FFF2-40B4-BE49-F238E27FC236}">
+                <a16:creationId xmlns:a16="http://schemas.microsoft.com/office/drawing/2014/main" id="{B696CFDD-7DC1-6B6F-A26F-3848702B9A1E}"/>
+              </a:ext>
+            </a:extLst>
+          </p:cNvPr>
           <p:cNvSpPr>
             <a:spLocks noGrp="1"/>
           </p:cNvSpPr>
@@ -1807,7 +3650,12 @@
             <p:ph type="title"/>
           </p:nvPr>
         </p:nvSpPr>
-        <p:spPr/>
+        <p:spPr>
+          <a:xfrm>
+            <a:off x="724328" y="51841"/>
+            <a:ext cx="7884064" cy="835874"/>
+          </a:xfrm>
+        </p:spPr>
         <p:txBody>
           <a:bodyPr>
             <a:normAutofit/>
@@ -1816,7 +3664,7 @@
           <a:p>
             <a:r>
               <a:rPr lang="en-US" altLang="zh-CN" sz="4000" dirty="0"/>
-              <a:t>Sample Output</a:t>
+              <a:t>Structure of Project: Server</a:t>
             </a:r>
             <a:endParaRPr lang="zh-CN" sz="4000" dirty="0"/>
           </a:p>
@@ -1824,10 +3672,10 @@
       </p:sp>
       <p:sp>
         <p:nvSpPr>
-          <p:cNvPr id="16" name="文本框 15">
-            <a:extLst>
-              <a:ext uri="{FF2B5EF4-FFF2-40B4-BE49-F238E27FC236}">
-                <a16:creationId xmlns:a16="http://schemas.microsoft.com/office/drawing/2014/main" id="{189453F6-7CD6-546F-37C5-61584AB8F8BF}"/>
+          <p:cNvPr id="41" name="TextBox 40">
+            <a:extLst>
+              <a:ext uri="{FF2B5EF4-FFF2-40B4-BE49-F238E27FC236}">
+                <a16:creationId xmlns:a16="http://schemas.microsoft.com/office/drawing/2014/main" id="{8FA93FED-B10F-F9C4-1436-5F70DFBAF398}"/>
               </a:ext>
             </a:extLst>
           </p:cNvPr>
@@ -1836,8 +3684,8 @@
         </p:nvSpPr>
         <p:spPr>
           <a:xfrm>
-            <a:off x="6628974" y="4005064"/>
-            <a:ext cx="4856872" cy="1692771"/>
+            <a:off x="6178931" y="2580873"/>
+            <a:ext cx="1429687" cy="369332"/>
           </a:xfrm>
           <a:prstGeom prst="rect">
             <a:avLst/>
@@ -1845,133 +3693,27 @@
           <a:noFill/>
         </p:spPr>
         <p:txBody>
-          <a:bodyPr wrap="square" rtlCol="0">
+          <a:bodyPr wrap="none" rtlCol="0">
             <a:spAutoFit/>
           </a:bodyPr>
           <a:lstStyle/>
           <a:p>
-            <a:pPr marL="285750" indent="-285750">
-              <a:buFont typeface="Arial" panose="020B0604020202020204" pitchFamily="34" charset="0"/>
-              <a:buChar char="•"/>
-            </a:pPr>
-            <a:r>
-              <a:rPr lang="en-US" altLang="zh-CN" sz="2600" dirty="0"/>
-              <a:t>Upper-left: outputs of the server.</a:t>
-            </a:r>
-          </a:p>
-          <a:p>
-            <a:pPr marL="285750" indent="-285750">
-              <a:buFont typeface="Arial" panose="020B0604020202020204" pitchFamily="34" charset="0"/>
-              <a:buChar char="•"/>
-            </a:pPr>
-            <a:endParaRPr lang="en-US" altLang="zh-CN" sz="2600" dirty="0"/>
-          </a:p>
-          <a:p>
-            <a:pPr marL="285750" indent="-285750">
-              <a:buFont typeface="Arial" panose="020B0604020202020204" pitchFamily="34" charset="0"/>
-              <a:buChar char="•"/>
-            </a:pPr>
-            <a:r>
-              <a:rPr lang="en-US" altLang="zh-CN" sz="2600" dirty="0"/>
-              <a:t>Lower-left and upper-right: outputs of the clients.</a:t>
-            </a:r>
-          </a:p>
-        </p:txBody>
-      </p:sp>
-      <p:pic>
-        <p:nvPicPr>
-          <p:cNvPr id="4" name="图片 3">
-            <a:extLst>
-              <a:ext uri="{FF2B5EF4-FFF2-40B4-BE49-F238E27FC236}">
-                <a16:creationId xmlns:a16="http://schemas.microsoft.com/office/drawing/2014/main" id="{45ED89B4-A6FB-0FC4-165F-C6764DED4308}"/>
-              </a:ext>
-            </a:extLst>
-          </p:cNvPr>
-          <p:cNvPicPr>
-            <a:picLocks noChangeAspect="1"/>
-          </p:cNvPicPr>
-          <p:nvPr/>
-        </p:nvPicPr>
-        <p:blipFill>
-          <a:blip r:embed="rId2"/>
-          <a:stretch>
-            <a:fillRect/>
-          </a:stretch>
-        </p:blipFill>
-        <p:spPr>
-          <a:xfrm>
-            <a:off x="724328" y="1196751"/>
-            <a:ext cx="4838700" cy="2343449"/>
-          </a:xfrm>
-          <a:prstGeom prst="rect">
-            <a:avLst/>
-          </a:prstGeom>
-        </p:spPr>
-      </p:pic>
-      <p:pic>
-        <p:nvPicPr>
-          <p:cNvPr id="7" name="图片 6">
-            <a:extLst>
-              <a:ext uri="{FF2B5EF4-FFF2-40B4-BE49-F238E27FC236}">
-                <a16:creationId xmlns:a16="http://schemas.microsoft.com/office/drawing/2014/main" id="{9115831F-E33D-B9DF-47CF-69854F0C115A}"/>
-              </a:ext>
-            </a:extLst>
-          </p:cNvPr>
-          <p:cNvPicPr>
-            <a:picLocks noChangeAspect="1"/>
-          </p:cNvPicPr>
-          <p:nvPr/>
-        </p:nvPicPr>
-        <p:blipFill>
-          <a:blip r:embed="rId3"/>
-          <a:stretch>
-            <a:fillRect/>
-          </a:stretch>
-        </p:blipFill>
-        <p:spPr>
-          <a:xfrm>
-            <a:off x="724328" y="4112016"/>
-            <a:ext cx="4838699" cy="2269312"/>
-          </a:xfrm>
-          <a:prstGeom prst="rect">
-            <a:avLst/>
-          </a:prstGeom>
-        </p:spPr>
-      </p:pic>
-      <p:pic>
-        <p:nvPicPr>
-          <p:cNvPr id="10" name="图片 9">
-            <a:extLst>
-              <a:ext uri="{FF2B5EF4-FFF2-40B4-BE49-F238E27FC236}">
-                <a16:creationId xmlns:a16="http://schemas.microsoft.com/office/drawing/2014/main" id="{6C5F0A01-9C2C-9459-31E7-B0FF98C3FA46}"/>
-              </a:ext>
-            </a:extLst>
-          </p:cNvPr>
-          <p:cNvPicPr>
-            <a:picLocks noChangeAspect="1"/>
-          </p:cNvPicPr>
-          <p:nvPr/>
-        </p:nvPicPr>
-        <p:blipFill>
-          <a:blip r:embed="rId4"/>
-          <a:stretch>
-            <a:fillRect/>
-          </a:stretch>
-        </p:blipFill>
-        <p:spPr>
-          <a:xfrm>
-            <a:off x="6628975" y="1196751"/>
-            <a:ext cx="4838698" cy="2201097"/>
-          </a:xfrm>
-          <a:prstGeom prst="rect">
-            <a:avLst/>
-          </a:prstGeom>
-        </p:spPr>
-      </p:pic>
+            <a:r>
+              <a:rPr lang="en-US" dirty="0">
+                <a:solidFill>
+                  <a:srgbClr val="0070C0"/>
+                </a:solidFill>
+                <a:effectLst/>
+              </a:rPr>
+              <a:t>Main Process</a:t>
+            </a:r>
+          </a:p>
+        </p:txBody>
+      </p:sp>
     </p:spTree>
     <p:extLst>
       <p:ext uri="{BB962C8B-B14F-4D97-AF65-F5344CB8AC3E}">
-        <p14:creationId xmlns:p14="http://schemas.microsoft.com/office/powerpoint/2010/main" val="1229457818"/>
+        <p14:creationId xmlns:p14="http://schemas.microsoft.com/office/powerpoint/2010/main" val="4074007879"/>
       </p:ext>
     </p:extLst>
   </p:cSld>
@@ -2000,6 +3742,1375 @@
       </p:grpSpPr>
       <p:sp>
         <p:nvSpPr>
+          <p:cNvPr id="4" name="Rounded Rectangle 3">
+            <a:extLst>
+              <a:ext uri="{FF2B5EF4-FFF2-40B4-BE49-F238E27FC236}">
+                <a16:creationId xmlns:a16="http://schemas.microsoft.com/office/drawing/2014/main" id="{AAFD7871-9A05-48F1-04E9-E2BB71813CCF}"/>
+              </a:ext>
+            </a:extLst>
+          </p:cNvPr>
+          <p:cNvSpPr/>
+          <p:nvPr/>
+        </p:nvSpPr>
+        <p:spPr>
+          <a:xfrm>
+            <a:off x="2138689" y="1052736"/>
+            <a:ext cx="2595602" cy="1008112"/>
+          </a:xfrm>
+          <a:prstGeom prst="roundRect">
+            <a:avLst/>
+          </a:prstGeom>
+          <a:noFill/>
+          <a:ln w="25400"/>
+        </p:spPr>
+        <p:style>
+          <a:lnRef idx="2">
+            <a:schemeClr val="accent1">
+              <a:shade val="15000"/>
+            </a:schemeClr>
+          </a:lnRef>
+          <a:fillRef idx="1">
+            <a:schemeClr val="accent1"/>
+          </a:fillRef>
+          <a:effectRef idx="0">
+            <a:schemeClr val="accent1"/>
+          </a:effectRef>
+          <a:fontRef idx="minor">
+            <a:schemeClr val="lt1"/>
+          </a:fontRef>
+        </p:style>
+        <p:txBody>
+          <a:bodyPr rtlCol="0" anchor="ctr"/>
+          <a:lstStyle/>
+          <a:p>
+            <a:pPr algn="ctr"/>
+            <a:endParaRPr lang="en-CN" dirty="0"/>
+          </a:p>
+        </p:txBody>
+      </p:sp>
+      <p:sp>
+        <p:nvSpPr>
+          <p:cNvPr id="5" name="TextBox 4">
+            <a:extLst>
+              <a:ext uri="{FF2B5EF4-FFF2-40B4-BE49-F238E27FC236}">
+                <a16:creationId xmlns:a16="http://schemas.microsoft.com/office/drawing/2014/main" id="{FA953389-35FA-BD6D-307A-B25AD1926E07}"/>
+              </a:ext>
+            </a:extLst>
+          </p:cNvPr>
+          <p:cNvSpPr txBox="1"/>
+          <p:nvPr/>
+        </p:nvSpPr>
+        <p:spPr>
+          <a:xfrm>
+            <a:off x="2253786" y="1176404"/>
+            <a:ext cx="2480505" cy="707886"/>
+          </a:xfrm>
+          <a:prstGeom prst="rect">
+            <a:avLst/>
+          </a:prstGeom>
+          <a:noFill/>
+        </p:spPr>
+        <p:txBody>
+          <a:bodyPr wrap="square" rtlCol="0">
+            <a:spAutoFit/>
+          </a:bodyPr>
+          <a:lstStyle/>
+          <a:p>
+            <a:pPr algn="ctr"/>
+            <a:r>
+              <a:rPr lang="en-CN" sz="2000" dirty="0"/>
+              <a:t>Class</a:t>
+            </a:r>
+            <a:r>
+              <a:rPr lang="zh-CN" altLang="en-US" sz="2000" dirty="0"/>
+              <a:t> </a:t>
+            </a:r>
+            <a:r>
+              <a:rPr lang="en-US" sz="2000" dirty="0" err="1"/>
+              <a:t>ClientHandler</a:t>
+            </a:r>
+            <a:r>
+              <a:rPr lang="en-US" sz="2000" dirty="0"/>
+              <a:t> </a:t>
+            </a:r>
+          </a:p>
+          <a:p>
+            <a:pPr algn="ctr"/>
+            <a:r>
+              <a:rPr lang="en-US" sz="2000" dirty="0">
+                <a:solidFill>
+                  <a:srgbClr val="C00000"/>
+                </a:solidFill>
+              </a:rPr>
+              <a:t>implements Runnable</a:t>
+            </a:r>
+            <a:endParaRPr lang="en-CN" sz="2000" dirty="0">
+              <a:solidFill>
+                <a:srgbClr val="C00000"/>
+              </a:solidFill>
+            </a:endParaRPr>
+          </a:p>
+        </p:txBody>
+      </p:sp>
+      <p:sp>
+        <p:nvSpPr>
+          <p:cNvPr id="6" name="Rounded Rectangle 5">
+            <a:extLst>
+              <a:ext uri="{FF2B5EF4-FFF2-40B4-BE49-F238E27FC236}">
+                <a16:creationId xmlns:a16="http://schemas.microsoft.com/office/drawing/2014/main" id="{2835D416-5BA7-F189-4EAC-C002C01E4FB8}"/>
+              </a:ext>
+            </a:extLst>
+          </p:cNvPr>
+          <p:cNvSpPr/>
+          <p:nvPr/>
+        </p:nvSpPr>
+        <p:spPr>
+          <a:xfrm>
+            <a:off x="2138689" y="2832231"/>
+            <a:ext cx="2595602" cy="489674"/>
+          </a:xfrm>
+          <a:prstGeom prst="roundRect">
+            <a:avLst/>
+          </a:prstGeom>
+          <a:noFill/>
+          <a:ln w="25400"/>
+        </p:spPr>
+        <p:style>
+          <a:lnRef idx="2">
+            <a:schemeClr val="accent1">
+              <a:shade val="15000"/>
+            </a:schemeClr>
+          </a:lnRef>
+          <a:fillRef idx="1">
+            <a:schemeClr val="accent1"/>
+          </a:fillRef>
+          <a:effectRef idx="0">
+            <a:schemeClr val="accent1"/>
+          </a:effectRef>
+          <a:fontRef idx="minor">
+            <a:schemeClr val="lt1"/>
+          </a:fontRef>
+        </p:style>
+        <p:txBody>
+          <a:bodyPr rtlCol="0" anchor="ctr"/>
+          <a:lstStyle/>
+          <a:p>
+            <a:pPr algn="ctr"/>
+            <a:endParaRPr lang="en-CN" dirty="0"/>
+          </a:p>
+        </p:txBody>
+      </p:sp>
+      <p:sp>
+        <p:nvSpPr>
+          <p:cNvPr id="7" name="TextBox 6">
+            <a:extLst>
+              <a:ext uri="{FF2B5EF4-FFF2-40B4-BE49-F238E27FC236}">
+                <a16:creationId xmlns:a16="http://schemas.microsoft.com/office/drawing/2014/main" id="{B7FE5F95-DAFA-E650-2DF8-E6532BBA2C41}"/>
+              </a:ext>
+            </a:extLst>
+          </p:cNvPr>
+          <p:cNvSpPr txBox="1"/>
+          <p:nvPr/>
+        </p:nvSpPr>
+        <p:spPr>
+          <a:xfrm>
+            <a:off x="3102289" y="4153459"/>
+            <a:ext cx="649537" cy="369332"/>
+          </a:xfrm>
+          <a:prstGeom prst="rect">
+            <a:avLst/>
+          </a:prstGeom>
+          <a:noFill/>
+        </p:spPr>
+        <p:txBody>
+          <a:bodyPr wrap="none" rtlCol="0">
+            <a:spAutoFit/>
+          </a:bodyPr>
+          <a:lstStyle/>
+          <a:p>
+            <a:r>
+              <a:rPr lang="en-US" dirty="0">
+                <a:solidFill>
+                  <a:srgbClr val="0070C0"/>
+                </a:solidFill>
+                <a:effectLst/>
+              </a:rPr>
+              <a:t>run()</a:t>
+            </a:r>
+          </a:p>
+        </p:txBody>
+      </p:sp>
+      <p:sp>
+        <p:nvSpPr>
+          <p:cNvPr id="11" name="TextBox 10">
+            <a:extLst>
+              <a:ext uri="{FF2B5EF4-FFF2-40B4-BE49-F238E27FC236}">
+                <a16:creationId xmlns:a16="http://schemas.microsoft.com/office/drawing/2014/main" id="{A539C8CE-A594-7DF5-8C26-8C9BB025A02C}"/>
+              </a:ext>
+            </a:extLst>
+          </p:cNvPr>
+          <p:cNvSpPr txBox="1"/>
+          <p:nvPr/>
+        </p:nvSpPr>
+        <p:spPr>
+          <a:xfrm>
+            <a:off x="5040195" y="3745285"/>
+            <a:ext cx="5588328" cy="1200329"/>
+          </a:xfrm>
+          <a:prstGeom prst="rect">
+            <a:avLst/>
+          </a:prstGeom>
+          <a:noFill/>
+        </p:spPr>
+        <p:txBody>
+          <a:bodyPr wrap="square" rtlCol="0">
+            <a:spAutoFit/>
+          </a:bodyPr>
+          <a:lstStyle/>
+          <a:p>
+            <a:r>
+              <a:rPr lang="en-US" dirty="0">
+                <a:solidFill>
+                  <a:srgbClr val="0070C0"/>
+                </a:solidFill>
+                <a:effectLst/>
+              </a:rPr>
+              <a:t>Inside the while loop:</a:t>
+            </a:r>
+          </a:p>
+          <a:p>
+            <a:pPr marL="342900" indent="-342900">
+              <a:buFont typeface="+mj-lt"/>
+              <a:buAutoNum type="arabicPeriod"/>
+            </a:pPr>
+            <a:r>
+              <a:rPr lang="en-US" dirty="0">
+                <a:effectLst/>
+              </a:rPr>
+              <a:t>Read Message from the client</a:t>
+            </a:r>
+            <a:r>
+              <a:rPr lang="en-US" dirty="0"/>
+              <a:t> that is being handled</a:t>
+            </a:r>
+            <a:r>
+              <a:rPr lang="en-US" dirty="0">
+                <a:effectLst/>
+              </a:rPr>
+              <a:t>.</a:t>
+            </a:r>
+          </a:p>
+          <a:p>
+            <a:pPr marL="342900" indent="-342900">
+              <a:buFont typeface="+mj-lt"/>
+              <a:buAutoNum type="arabicPeriod"/>
+            </a:pPr>
+            <a:r>
+              <a:rPr lang="en-US" dirty="0">
+                <a:effectLst/>
+              </a:rPr>
+              <a:t>Broadcast the Message to all connected client with </a:t>
+            </a:r>
+            <a:r>
+              <a:rPr lang="en-US" dirty="0" err="1">
+                <a:solidFill>
+                  <a:srgbClr val="0070C0"/>
+                </a:solidFill>
+                <a:effectLst/>
+              </a:rPr>
+              <a:t>broadcastMessage</a:t>
+            </a:r>
+            <a:r>
+              <a:rPr lang="en-US" dirty="0">
+                <a:solidFill>
+                  <a:srgbClr val="0070C0"/>
+                </a:solidFill>
+                <a:effectLst/>
+              </a:rPr>
+              <a:t>().</a:t>
+            </a:r>
+          </a:p>
+        </p:txBody>
+      </p:sp>
+      <p:cxnSp>
+        <p:nvCxnSpPr>
+          <p:cNvPr id="14" name="Straight Arrow Connector 13">
+            <a:extLst>
+              <a:ext uri="{FF2B5EF4-FFF2-40B4-BE49-F238E27FC236}">
+                <a16:creationId xmlns:a16="http://schemas.microsoft.com/office/drawing/2014/main" id="{05383269-146C-27AA-6A86-4D3C96BA6F4F}"/>
+              </a:ext>
+            </a:extLst>
+          </p:cNvPr>
+          <p:cNvCxnSpPr>
+            <a:cxnSpLocks/>
+            <a:stCxn id="4" idx="2"/>
+            <a:endCxn id="6" idx="0"/>
+          </p:cNvCxnSpPr>
+          <p:nvPr/>
+        </p:nvCxnSpPr>
+        <p:spPr>
+          <a:xfrm>
+            <a:off x="3436490" y="2060848"/>
+            <a:ext cx="0" cy="771383"/>
+          </a:xfrm>
+          <a:prstGeom prst="straightConnector1">
+            <a:avLst/>
+          </a:prstGeom>
+          <a:ln w="12700">
+            <a:prstDash val="lgDash"/>
+            <a:tailEnd type="triangle"/>
+          </a:ln>
+        </p:spPr>
+        <p:style>
+          <a:lnRef idx="1">
+            <a:schemeClr val="accent1"/>
+          </a:lnRef>
+          <a:fillRef idx="0">
+            <a:schemeClr val="accent1"/>
+          </a:fillRef>
+          <a:effectRef idx="0">
+            <a:schemeClr val="accent1"/>
+          </a:effectRef>
+          <a:fontRef idx="minor">
+            <a:schemeClr val="tx1"/>
+          </a:fontRef>
+        </p:style>
+      </p:cxnSp>
+      <p:sp>
+        <p:nvSpPr>
+          <p:cNvPr id="16" name="Rounded Rectangle 15">
+            <a:extLst>
+              <a:ext uri="{FF2B5EF4-FFF2-40B4-BE49-F238E27FC236}">
+                <a16:creationId xmlns:a16="http://schemas.microsoft.com/office/drawing/2014/main" id="{334883E1-169C-E26E-DF71-A84E537331DA}"/>
+              </a:ext>
+            </a:extLst>
+          </p:cNvPr>
+          <p:cNvSpPr/>
+          <p:nvPr/>
+        </p:nvSpPr>
+        <p:spPr>
+          <a:xfrm>
+            <a:off x="2346938" y="4093288"/>
+            <a:ext cx="2160240" cy="489674"/>
+          </a:xfrm>
+          <a:prstGeom prst="roundRect">
+            <a:avLst/>
+          </a:prstGeom>
+          <a:noFill/>
+          <a:ln w="25400"/>
+        </p:spPr>
+        <p:style>
+          <a:lnRef idx="2">
+            <a:schemeClr val="accent1">
+              <a:shade val="15000"/>
+            </a:schemeClr>
+          </a:lnRef>
+          <a:fillRef idx="1">
+            <a:schemeClr val="accent1"/>
+          </a:fillRef>
+          <a:effectRef idx="0">
+            <a:schemeClr val="accent1"/>
+          </a:effectRef>
+          <a:fontRef idx="minor">
+            <a:schemeClr val="lt1"/>
+          </a:fontRef>
+        </p:style>
+        <p:txBody>
+          <a:bodyPr rtlCol="0" anchor="ctr"/>
+          <a:lstStyle/>
+          <a:p>
+            <a:pPr algn="ctr"/>
+            <a:endParaRPr lang="en-CN" dirty="0"/>
+          </a:p>
+        </p:txBody>
+      </p:sp>
+      <p:sp>
+        <p:nvSpPr>
+          <p:cNvPr id="17" name="TextBox 16">
+            <a:extLst>
+              <a:ext uri="{FF2B5EF4-FFF2-40B4-BE49-F238E27FC236}">
+                <a16:creationId xmlns:a16="http://schemas.microsoft.com/office/drawing/2014/main" id="{B8E954EB-F399-847C-61AA-5CDA3E5D33F1}"/>
+              </a:ext>
+            </a:extLst>
+          </p:cNvPr>
+          <p:cNvSpPr txBox="1"/>
+          <p:nvPr/>
+        </p:nvSpPr>
+        <p:spPr>
+          <a:xfrm>
+            <a:off x="2399791" y="5541689"/>
+            <a:ext cx="2074094" cy="369332"/>
+          </a:xfrm>
+          <a:prstGeom prst="rect">
+            <a:avLst/>
+          </a:prstGeom>
+          <a:noFill/>
+        </p:spPr>
+        <p:txBody>
+          <a:bodyPr wrap="none" rtlCol="0">
+            <a:spAutoFit/>
+          </a:bodyPr>
+          <a:lstStyle/>
+          <a:p>
+            <a:r>
+              <a:rPr lang="en-US" dirty="0" err="1">
+                <a:solidFill>
+                  <a:srgbClr val="0070C0"/>
+                </a:solidFill>
+                <a:effectLst/>
+              </a:rPr>
+              <a:t>broadcastMessage</a:t>
+            </a:r>
+            <a:r>
+              <a:rPr lang="en-US" dirty="0">
+                <a:solidFill>
+                  <a:srgbClr val="0070C0"/>
+                </a:solidFill>
+                <a:effectLst/>
+              </a:rPr>
+              <a:t>()</a:t>
+            </a:r>
+          </a:p>
+        </p:txBody>
+      </p:sp>
+      <p:cxnSp>
+        <p:nvCxnSpPr>
+          <p:cNvPr id="18" name="Straight Arrow Connector 17">
+            <a:extLst>
+              <a:ext uri="{FF2B5EF4-FFF2-40B4-BE49-F238E27FC236}">
+                <a16:creationId xmlns:a16="http://schemas.microsoft.com/office/drawing/2014/main" id="{9A3F5947-77D1-8D7B-7595-E5F15530FB99}"/>
+              </a:ext>
+            </a:extLst>
+          </p:cNvPr>
+          <p:cNvCxnSpPr>
+            <a:cxnSpLocks/>
+            <a:stCxn id="6" idx="2"/>
+            <a:endCxn id="16" idx="0"/>
+          </p:cNvCxnSpPr>
+          <p:nvPr/>
+        </p:nvCxnSpPr>
+        <p:spPr>
+          <a:xfrm flipH="1">
+            <a:off x="3427058" y="3321905"/>
+            <a:ext cx="9432" cy="771383"/>
+          </a:xfrm>
+          <a:prstGeom prst="straightConnector1">
+            <a:avLst/>
+          </a:prstGeom>
+          <a:ln w="12700">
+            <a:prstDash val="lgDash"/>
+            <a:tailEnd type="triangle"/>
+          </a:ln>
+        </p:spPr>
+        <p:style>
+          <a:lnRef idx="1">
+            <a:schemeClr val="accent1"/>
+          </a:lnRef>
+          <a:fillRef idx="0">
+            <a:schemeClr val="accent1"/>
+          </a:fillRef>
+          <a:effectRef idx="0">
+            <a:schemeClr val="accent1"/>
+          </a:effectRef>
+          <a:fontRef idx="minor">
+            <a:schemeClr val="tx1"/>
+          </a:fontRef>
+        </p:style>
+      </p:cxnSp>
+      <p:sp>
+        <p:nvSpPr>
+          <p:cNvPr id="21" name="TextBox 20">
+            <a:extLst>
+              <a:ext uri="{FF2B5EF4-FFF2-40B4-BE49-F238E27FC236}">
+                <a16:creationId xmlns:a16="http://schemas.microsoft.com/office/drawing/2014/main" id="{7439160E-EE1D-8AFE-2816-E245F63242B2}"/>
+              </a:ext>
+            </a:extLst>
+          </p:cNvPr>
+          <p:cNvSpPr txBox="1"/>
+          <p:nvPr/>
+        </p:nvSpPr>
+        <p:spPr>
+          <a:xfrm>
+            <a:off x="4948414" y="5380672"/>
+            <a:ext cx="6548185" cy="1200329"/>
+          </a:xfrm>
+          <a:prstGeom prst="rect">
+            <a:avLst/>
+          </a:prstGeom>
+          <a:noFill/>
+        </p:spPr>
+        <p:txBody>
+          <a:bodyPr wrap="square" rtlCol="0">
+            <a:spAutoFit/>
+          </a:bodyPr>
+          <a:lstStyle/>
+          <a:p>
+            <a:pPr marL="342900" indent="-342900">
+              <a:buFont typeface="+mj-lt"/>
+              <a:buAutoNum type="arabicPeriod"/>
+            </a:pPr>
+            <a:r>
+              <a:rPr lang="en-US" dirty="0">
+                <a:effectLst/>
+              </a:rPr>
+              <a:t>Create a for loop to scan over all the created </a:t>
+            </a:r>
+            <a:r>
+              <a:rPr lang="en-US" sz="1800" dirty="0" err="1"/>
+              <a:t>ClientHandlers</a:t>
+            </a:r>
+            <a:r>
+              <a:rPr lang="en-US" sz="1800" dirty="0"/>
+              <a:t> recorded in the public </a:t>
+            </a:r>
+            <a:r>
+              <a:rPr lang="en-US" sz="1800" dirty="0" err="1">
+                <a:solidFill>
+                  <a:srgbClr val="C00000"/>
+                </a:solidFill>
+              </a:rPr>
+              <a:t>ArrayList</a:t>
+            </a:r>
+            <a:r>
+              <a:rPr lang="en-US" sz="1800" dirty="0">
+                <a:solidFill>
+                  <a:srgbClr val="C00000"/>
+                </a:solidFill>
+              </a:rPr>
+              <a:t>&lt;</a:t>
+            </a:r>
+            <a:r>
+              <a:rPr lang="en-US" sz="1800" dirty="0" err="1">
+                <a:solidFill>
+                  <a:srgbClr val="C00000"/>
+                </a:solidFill>
+              </a:rPr>
+              <a:t>ClientHandler</a:t>
+            </a:r>
+            <a:r>
+              <a:rPr lang="en-US" sz="1800" dirty="0">
+                <a:solidFill>
+                  <a:srgbClr val="C00000"/>
+                </a:solidFill>
+              </a:rPr>
+              <a:t>&gt; </a:t>
+            </a:r>
+            <a:r>
+              <a:rPr lang="en-US" sz="1800" dirty="0" err="1">
+                <a:solidFill>
+                  <a:srgbClr val="C00000"/>
+                </a:solidFill>
+              </a:rPr>
+              <a:t>clientHandlers</a:t>
+            </a:r>
+            <a:r>
+              <a:rPr lang="en-US" dirty="0">
+                <a:effectLst/>
+              </a:rPr>
+              <a:t>.</a:t>
+            </a:r>
+          </a:p>
+          <a:p>
+            <a:pPr marL="342900" indent="-342900">
+              <a:buFont typeface="+mj-lt"/>
+              <a:buAutoNum type="arabicPeriod"/>
+            </a:pPr>
+            <a:r>
+              <a:rPr lang="en-US" dirty="0">
+                <a:effectLst/>
+              </a:rPr>
+              <a:t>For each </a:t>
+            </a:r>
+            <a:r>
+              <a:rPr lang="en-US" sz="1800" dirty="0" err="1"/>
+              <a:t>ClientHandlers</a:t>
+            </a:r>
+            <a:r>
+              <a:rPr lang="en-US" sz="1800" dirty="0"/>
+              <a:t>, use its writer the write the message to its client.</a:t>
+            </a:r>
+            <a:endParaRPr lang="en-US" dirty="0">
+              <a:effectLst/>
+            </a:endParaRPr>
+          </a:p>
+        </p:txBody>
+      </p:sp>
+      <p:sp>
+        <p:nvSpPr>
+          <p:cNvPr id="25" name="Rounded Rectangle 24">
+            <a:extLst>
+              <a:ext uri="{FF2B5EF4-FFF2-40B4-BE49-F238E27FC236}">
+                <a16:creationId xmlns:a16="http://schemas.microsoft.com/office/drawing/2014/main" id="{869929D4-5003-8F55-2188-291260870C9A}"/>
+              </a:ext>
+            </a:extLst>
+          </p:cNvPr>
+          <p:cNvSpPr/>
+          <p:nvPr/>
+        </p:nvSpPr>
+        <p:spPr>
+          <a:xfrm>
+            <a:off x="2347621" y="5487351"/>
+            <a:ext cx="2160240" cy="489674"/>
+          </a:xfrm>
+          <a:prstGeom prst="roundRect">
+            <a:avLst/>
+          </a:prstGeom>
+          <a:noFill/>
+          <a:ln w="25400"/>
+        </p:spPr>
+        <p:style>
+          <a:lnRef idx="2">
+            <a:schemeClr val="accent1">
+              <a:shade val="15000"/>
+            </a:schemeClr>
+          </a:lnRef>
+          <a:fillRef idx="1">
+            <a:schemeClr val="accent1"/>
+          </a:fillRef>
+          <a:effectRef idx="0">
+            <a:schemeClr val="accent1"/>
+          </a:effectRef>
+          <a:fontRef idx="minor">
+            <a:schemeClr val="lt1"/>
+          </a:fontRef>
+        </p:style>
+        <p:txBody>
+          <a:bodyPr rtlCol="0" anchor="ctr"/>
+          <a:lstStyle/>
+          <a:p>
+            <a:pPr algn="ctr"/>
+            <a:endParaRPr lang="en-CN" dirty="0"/>
+          </a:p>
+        </p:txBody>
+      </p:sp>
+      <p:sp>
+        <p:nvSpPr>
+          <p:cNvPr id="32" name="TextBox 31">
+            <a:extLst>
+              <a:ext uri="{FF2B5EF4-FFF2-40B4-BE49-F238E27FC236}">
+                <a16:creationId xmlns:a16="http://schemas.microsoft.com/office/drawing/2014/main" id="{DDC9587A-7890-2FA3-A00B-686A8FA15996}"/>
+              </a:ext>
+            </a:extLst>
+          </p:cNvPr>
+          <p:cNvSpPr txBox="1"/>
+          <p:nvPr/>
+        </p:nvSpPr>
+        <p:spPr>
+          <a:xfrm>
+            <a:off x="2676891" y="2892402"/>
+            <a:ext cx="1519198" cy="369332"/>
+          </a:xfrm>
+          <a:prstGeom prst="rect">
+            <a:avLst/>
+          </a:prstGeom>
+          <a:noFill/>
+        </p:spPr>
+        <p:txBody>
+          <a:bodyPr wrap="none" rtlCol="0">
+            <a:spAutoFit/>
+          </a:bodyPr>
+          <a:lstStyle/>
+          <a:p>
+            <a:r>
+              <a:rPr lang="en-US" dirty="0">
+                <a:solidFill>
+                  <a:srgbClr val="0070C0"/>
+                </a:solidFill>
+                <a:effectLst/>
+              </a:rPr>
+              <a:t>Constructors()</a:t>
+            </a:r>
+          </a:p>
+        </p:txBody>
+      </p:sp>
+      <p:sp>
+        <p:nvSpPr>
+          <p:cNvPr id="33" name="TextBox 32">
+            <a:extLst>
+              <a:ext uri="{FF2B5EF4-FFF2-40B4-BE49-F238E27FC236}">
+                <a16:creationId xmlns:a16="http://schemas.microsoft.com/office/drawing/2014/main" id="{C85874C5-7083-1B2E-D333-8984C2843828}"/>
+              </a:ext>
+            </a:extLst>
+          </p:cNvPr>
+          <p:cNvSpPr txBox="1"/>
+          <p:nvPr/>
+        </p:nvSpPr>
+        <p:spPr>
+          <a:xfrm>
+            <a:off x="4943872" y="2121576"/>
+            <a:ext cx="5834797" cy="1200329"/>
+          </a:xfrm>
+          <a:prstGeom prst="rect">
+            <a:avLst/>
+          </a:prstGeom>
+          <a:noFill/>
+        </p:spPr>
+        <p:txBody>
+          <a:bodyPr wrap="square" rtlCol="0">
+            <a:spAutoFit/>
+          </a:bodyPr>
+          <a:lstStyle/>
+          <a:p>
+            <a:pPr marL="342900" indent="-342900">
+              <a:buFont typeface="+mj-lt"/>
+              <a:buAutoNum type="arabicPeriod"/>
+            </a:pPr>
+            <a:r>
+              <a:rPr lang="en-US" dirty="0">
+                <a:effectLst/>
+              </a:rPr>
+              <a:t>Initialize the reader and the writer. </a:t>
+            </a:r>
+          </a:p>
+          <a:p>
+            <a:pPr marL="342900" indent="-342900">
+              <a:buFont typeface="+mj-lt"/>
+              <a:buAutoNum type="arabicPeriod"/>
+            </a:pPr>
+            <a:r>
+              <a:rPr lang="en-US" dirty="0">
+                <a:effectLst/>
+              </a:rPr>
+              <a:t>Add this </a:t>
+            </a:r>
+            <a:r>
+              <a:rPr lang="en-US" sz="1800" dirty="0" err="1"/>
+              <a:t>ClientHandler</a:t>
+            </a:r>
+            <a:r>
+              <a:rPr lang="en-US" sz="1800" dirty="0"/>
+              <a:t> to the public </a:t>
+            </a:r>
+            <a:r>
+              <a:rPr lang="en-US" sz="1800" dirty="0" err="1">
+                <a:solidFill>
+                  <a:srgbClr val="C00000"/>
+                </a:solidFill>
+              </a:rPr>
+              <a:t>ArrayList</a:t>
+            </a:r>
+            <a:r>
+              <a:rPr lang="en-US" sz="1800" dirty="0">
+                <a:solidFill>
+                  <a:srgbClr val="C00000"/>
+                </a:solidFill>
+              </a:rPr>
+              <a:t>&lt;</a:t>
+            </a:r>
+            <a:r>
+              <a:rPr lang="en-US" sz="1800" dirty="0" err="1">
+                <a:solidFill>
+                  <a:srgbClr val="C00000"/>
+                </a:solidFill>
+              </a:rPr>
+              <a:t>ClientHandler</a:t>
+            </a:r>
+            <a:r>
+              <a:rPr lang="en-US" sz="1800" dirty="0">
+                <a:solidFill>
+                  <a:srgbClr val="C00000"/>
+                </a:solidFill>
+              </a:rPr>
+              <a:t>&gt; </a:t>
+            </a:r>
+            <a:r>
+              <a:rPr lang="en-US" sz="1800" dirty="0" err="1">
+                <a:solidFill>
+                  <a:srgbClr val="C00000"/>
+                </a:solidFill>
+              </a:rPr>
+              <a:t>clientHandlers</a:t>
+            </a:r>
+            <a:r>
+              <a:rPr lang="en-US" sz="1800" dirty="0">
+                <a:solidFill>
+                  <a:srgbClr val="C00000"/>
+                </a:solidFill>
+              </a:rPr>
+              <a:t>.</a:t>
+            </a:r>
+            <a:endParaRPr lang="en-US" dirty="0">
+              <a:effectLst/>
+            </a:endParaRPr>
+          </a:p>
+          <a:p>
+            <a:pPr marL="342900" indent="-342900">
+              <a:buFont typeface="+mj-lt"/>
+              <a:buAutoNum type="arabicPeriod"/>
+            </a:pPr>
+            <a:r>
+              <a:rPr lang="en-US" dirty="0">
+                <a:effectLst/>
+              </a:rPr>
+              <a:t>Broadcast the Message to all connected client</a:t>
+            </a:r>
+            <a:r>
+              <a:rPr lang="en-US" dirty="0"/>
+              <a:t> </a:t>
+            </a:r>
+            <a:endParaRPr lang="en-US" dirty="0">
+              <a:effectLst/>
+            </a:endParaRPr>
+          </a:p>
+        </p:txBody>
+      </p:sp>
+      <p:cxnSp>
+        <p:nvCxnSpPr>
+          <p:cNvPr id="34" name="Curved Connector 33">
+            <a:extLst>
+              <a:ext uri="{FF2B5EF4-FFF2-40B4-BE49-F238E27FC236}">
+                <a16:creationId xmlns:a16="http://schemas.microsoft.com/office/drawing/2014/main" id="{D82B6AEF-74F5-8CE6-7F83-1E707754DDEF}"/>
+              </a:ext>
+            </a:extLst>
+          </p:cNvPr>
+          <p:cNvCxnSpPr>
+            <a:cxnSpLocks/>
+            <a:stCxn id="16" idx="1"/>
+            <a:endCxn id="16" idx="3"/>
+          </p:cNvCxnSpPr>
+          <p:nvPr/>
+        </p:nvCxnSpPr>
+        <p:spPr>
+          <a:xfrm rot="10800000" flipH="1">
+            <a:off x="2346938" y="4338125"/>
+            <a:ext cx="2160240" cy="12700"/>
+          </a:xfrm>
+          <a:prstGeom prst="curvedConnector5">
+            <a:avLst>
+              <a:gd name="adj1" fmla="val -18367"/>
+              <a:gd name="adj2" fmla="val -19279039"/>
+              <a:gd name="adj3" fmla="val 120313"/>
+            </a:avLst>
+          </a:prstGeom>
+          <a:ln w="12700">
+            <a:prstDash val="lgDash"/>
+            <a:tailEnd type="triangle"/>
+          </a:ln>
+        </p:spPr>
+        <p:style>
+          <a:lnRef idx="1">
+            <a:schemeClr val="accent1"/>
+          </a:lnRef>
+          <a:fillRef idx="0">
+            <a:schemeClr val="accent1"/>
+          </a:fillRef>
+          <a:effectRef idx="0">
+            <a:schemeClr val="accent1"/>
+          </a:effectRef>
+          <a:fontRef idx="minor">
+            <a:schemeClr val="tx1"/>
+          </a:fontRef>
+        </p:style>
+      </p:cxnSp>
+      <p:sp>
+        <p:nvSpPr>
+          <p:cNvPr id="44" name="TextBox 43">
+            <a:extLst>
+              <a:ext uri="{FF2B5EF4-FFF2-40B4-BE49-F238E27FC236}">
+                <a16:creationId xmlns:a16="http://schemas.microsoft.com/office/drawing/2014/main" id="{D67AB463-5373-CB5B-CF78-01167FED45A0}"/>
+              </a:ext>
+            </a:extLst>
+          </p:cNvPr>
+          <p:cNvSpPr txBox="1"/>
+          <p:nvPr/>
+        </p:nvSpPr>
+        <p:spPr>
+          <a:xfrm>
+            <a:off x="2108480" y="4767628"/>
+            <a:ext cx="3048000" cy="369332"/>
+          </a:xfrm>
+          <a:prstGeom prst="rect">
+            <a:avLst/>
+          </a:prstGeom>
+          <a:noFill/>
+        </p:spPr>
+        <p:txBody>
+          <a:bodyPr wrap="square">
+            <a:spAutoFit/>
+          </a:bodyPr>
+          <a:lstStyle/>
+          <a:p>
+            <a:r>
+              <a:rPr lang="en-CN" dirty="0"/>
+              <a:t>while(socket.isConnected())</a:t>
+            </a:r>
+          </a:p>
+        </p:txBody>
+      </p:sp>
+      <p:sp>
+        <p:nvSpPr>
+          <p:cNvPr id="47" name="标题 4">
+            <a:extLst>
+              <a:ext uri="{FF2B5EF4-FFF2-40B4-BE49-F238E27FC236}">
+                <a16:creationId xmlns:a16="http://schemas.microsoft.com/office/drawing/2014/main" id="{9DC01F5B-6BA9-B129-29AE-C6101DDA27D6}"/>
+              </a:ext>
+            </a:extLst>
+          </p:cNvPr>
+          <p:cNvSpPr>
+            <a:spLocks noGrp="1"/>
+          </p:cNvSpPr>
+          <p:nvPr>
+            <p:ph type="title"/>
+          </p:nvPr>
+        </p:nvSpPr>
+        <p:spPr>
+          <a:xfrm>
+            <a:off x="56562" y="57066"/>
+            <a:ext cx="9048623" cy="835874"/>
+          </a:xfrm>
+        </p:spPr>
+        <p:txBody>
+          <a:bodyPr>
+            <a:normAutofit/>
+          </a:bodyPr>
+          <a:lstStyle/>
+          <a:p>
+            <a:r>
+              <a:rPr lang="en-US" altLang="zh-CN" sz="4000" dirty="0"/>
+              <a:t>Structure of Project: </a:t>
+            </a:r>
+            <a:r>
+              <a:rPr lang="en-US" altLang="zh-CN" sz="4000" dirty="0" err="1"/>
+              <a:t>ClientHandler</a:t>
+            </a:r>
+            <a:endParaRPr lang="zh-CN" sz="4000" dirty="0"/>
+          </a:p>
+        </p:txBody>
+      </p:sp>
+    </p:spTree>
+    <p:extLst>
+      <p:ext uri="{BB962C8B-B14F-4D97-AF65-F5344CB8AC3E}">
+        <p14:creationId xmlns:p14="http://schemas.microsoft.com/office/powerpoint/2010/main" val="1288117110"/>
+      </p:ext>
+    </p:extLst>
+  </p:cSld>
+  <p:clrMapOvr>
+    <a:masterClrMapping/>
+  </p:clrMapOvr>
+</p:sld>
+</file>
+
+<file path=ppt/slides/slide6.xml><?xml version="1.0" encoding="utf-8"?>
+<p:sld xmlns:a="http://schemas.openxmlformats.org/drawingml/2006/main" xmlns:r="http://schemas.openxmlformats.org/officeDocument/2006/relationships" xmlns:p="http://schemas.openxmlformats.org/presentationml/2006/main">
+  <p:cSld>
+    <p:spTree>
+      <p:nvGrpSpPr>
+        <p:cNvPr id="1" name=""/>
+        <p:cNvGrpSpPr/>
+        <p:nvPr/>
+      </p:nvGrpSpPr>
+      <p:grpSpPr>
+        <a:xfrm>
+          <a:off x="0" y="0"/>
+          <a:ext cx="0" cy="0"/>
+          <a:chOff x="0" y="0"/>
+          <a:chExt cx="0" cy="0"/>
+        </a:xfrm>
+      </p:grpSpPr>
+      <p:sp>
+        <p:nvSpPr>
+          <p:cNvPr id="1048589" name="标题 4"/>
+          <p:cNvSpPr>
+            <a:spLocks noGrp="1"/>
+          </p:cNvSpPr>
+          <p:nvPr>
+            <p:ph type="title"/>
+          </p:nvPr>
+        </p:nvSpPr>
+        <p:spPr/>
+        <p:txBody>
+          <a:bodyPr>
+            <a:normAutofit/>
+          </a:bodyPr>
+          <a:lstStyle/>
+          <a:p>
+            <a:r>
+              <a:rPr lang="en-US" altLang="zh-CN" sz="4000" dirty="0"/>
+              <a:t>Sample Output</a:t>
+            </a:r>
+            <a:endParaRPr lang="zh-CN" sz="4000" dirty="0"/>
+          </a:p>
+        </p:txBody>
+      </p:sp>
+      <p:pic>
+        <p:nvPicPr>
+          <p:cNvPr id="9" name="图片 8">
+            <a:extLst>
+              <a:ext uri="{FF2B5EF4-FFF2-40B4-BE49-F238E27FC236}">
+                <a16:creationId xmlns:a16="http://schemas.microsoft.com/office/drawing/2014/main" id="{C524C518-EE2B-B5C1-A3F1-AA5ACD8B2AE4}"/>
+              </a:ext>
+            </a:extLst>
+          </p:cNvPr>
+          <p:cNvPicPr>
+            <a:picLocks noChangeAspect="1"/>
+          </p:cNvPicPr>
+          <p:nvPr/>
+        </p:nvPicPr>
+        <p:blipFill>
+          <a:blip r:embed="rId2"/>
+          <a:stretch>
+            <a:fillRect/>
+          </a:stretch>
+        </p:blipFill>
+        <p:spPr>
+          <a:xfrm>
+            <a:off x="724328" y="1196752"/>
+            <a:ext cx="4838700" cy="2318343"/>
+          </a:xfrm>
+          <a:prstGeom prst="rect">
+            <a:avLst/>
+          </a:prstGeom>
+        </p:spPr>
+      </p:pic>
+      <p:pic>
+        <p:nvPicPr>
+          <p:cNvPr id="11" name="图片 10">
+            <a:extLst>
+              <a:ext uri="{FF2B5EF4-FFF2-40B4-BE49-F238E27FC236}">
+                <a16:creationId xmlns:a16="http://schemas.microsoft.com/office/drawing/2014/main" id="{40952D7E-EC2A-B189-5EC4-8096DA3BEEF5}"/>
+              </a:ext>
+            </a:extLst>
+          </p:cNvPr>
+          <p:cNvPicPr>
+            <a:picLocks noChangeAspect="1"/>
+          </p:cNvPicPr>
+          <p:nvPr/>
+        </p:nvPicPr>
+        <p:blipFill>
+          <a:blip r:embed="rId3"/>
+          <a:stretch>
+            <a:fillRect/>
+          </a:stretch>
+        </p:blipFill>
+        <p:spPr>
+          <a:xfrm>
+            <a:off x="724328" y="4057228"/>
+            <a:ext cx="4838700" cy="2324100"/>
+          </a:xfrm>
+          <a:prstGeom prst="rect">
+            <a:avLst/>
+          </a:prstGeom>
+        </p:spPr>
+      </p:pic>
+      <p:pic>
+        <p:nvPicPr>
+          <p:cNvPr id="13" name="图片 12">
+            <a:extLst>
+              <a:ext uri="{FF2B5EF4-FFF2-40B4-BE49-F238E27FC236}">
+                <a16:creationId xmlns:a16="http://schemas.microsoft.com/office/drawing/2014/main" id="{49BF166E-61AE-BFAD-964D-F23D8015C901}"/>
+              </a:ext>
+            </a:extLst>
+          </p:cNvPr>
+          <p:cNvPicPr>
+            <a:picLocks noChangeAspect="1"/>
+          </p:cNvPicPr>
+          <p:nvPr/>
+        </p:nvPicPr>
+        <p:blipFill>
+          <a:blip r:embed="rId4"/>
+          <a:stretch>
+            <a:fillRect/>
+          </a:stretch>
+        </p:blipFill>
+        <p:spPr>
+          <a:xfrm>
+            <a:off x="6619242" y="1196751"/>
+            <a:ext cx="4866604" cy="2318343"/>
+          </a:xfrm>
+          <a:prstGeom prst="rect">
+            <a:avLst/>
+          </a:prstGeom>
+        </p:spPr>
+      </p:pic>
+      <p:sp>
+        <p:nvSpPr>
+          <p:cNvPr id="16" name="文本框 15">
+            <a:extLst>
+              <a:ext uri="{FF2B5EF4-FFF2-40B4-BE49-F238E27FC236}">
+                <a16:creationId xmlns:a16="http://schemas.microsoft.com/office/drawing/2014/main" id="{189453F6-7CD6-546F-37C5-61584AB8F8BF}"/>
+              </a:ext>
+            </a:extLst>
+          </p:cNvPr>
+          <p:cNvSpPr txBox="1"/>
+          <p:nvPr/>
+        </p:nvSpPr>
+        <p:spPr>
+          <a:xfrm>
+            <a:off x="6628974" y="4005064"/>
+            <a:ext cx="4856872" cy="1692771"/>
+          </a:xfrm>
+          <a:prstGeom prst="rect">
+            <a:avLst/>
+          </a:prstGeom>
+          <a:noFill/>
+        </p:spPr>
+        <p:txBody>
+          <a:bodyPr wrap="square" rtlCol="0">
+            <a:spAutoFit/>
+          </a:bodyPr>
+          <a:lstStyle/>
+          <a:p>
+            <a:pPr marL="285750" indent="-285750">
+              <a:buFont typeface="Arial" panose="020B0604020202020204" pitchFamily="34" charset="0"/>
+              <a:buChar char="•"/>
+            </a:pPr>
+            <a:r>
+              <a:rPr lang="en-US" altLang="zh-CN" sz="2600" dirty="0"/>
+              <a:t>First, run the server.</a:t>
+            </a:r>
+          </a:p>
+          <a:p>
+            <a:pPr marL="285750" indent="-285750">
+              <a:buFont typeface="Arial" panose="020B0604020202020204" pitchFamily="34" charset="0"/>
+              <a:buChar char="•"/>
+            </a:pPr>
+            <a:endParaRPr lang="en-US" altLang="zh-CN" sz="2600" dirty="0"/>
+          </a:p>
+          <a:p>
+            <a:pPr marL="285750" indent="-285750">
+              <a:buFont typeface="Arial" panose="020B0604020202020204" pitchFamily="34" charset="0"/>
+              <a:buChar char="•"/>
+            </a:pPr>
+            <a:r>
+              <a:rPr lang="en-US" altLang="zh-CN" sz="2600" dirty="0"/>
+              <a:t>Then input Alice, Bob, and Carol to three clients, respectively.</a:t>
+            </a:r>
+          </a:p>
+        </p:txBody>
+      </p:sp>
+    </p:spTree>
+    <p:extLst>
+      <p:ext uri="{BB962C8B-B14F-4D97-AF65-F5344CB8AC3E}">
+        <p14:creationId xmlns:p14="http://schemas.microsoft.com/office/powerpoint/2010/main" val="2605814159"/>
+      </p:ext>
+    </p:extLst>
+  </p:cSld>
+  <p:clrMapOvr>
+    <a:masterClrMapping/>
+  </p:clrMapOvr>
+</p:sld>
+</file>
+
+<file path=ppt/slides/slide7.xml><?xml version="1.0" encoding="utf-8"?>
+<p:sld xmlns:a="http://schemas.openxmlformats.org/drawingml/2006/main" xmlns:r="http://schemas.openxmlformats.org/officeDocument/2006/relationships" xmlns:p="http://schemas.openxmlformats.org/presentationml/2006/main">
+  <p:cSld>
+    <p:spTree>
+      <p:nvGrpSpPr>
+        <p:cNvPr id="1" name=""/>
+        <p:cNvGrpSpPr/>
+        <p:nvPr/>
+      </p:nvGrpSpPr>
+      <p:grpSpPr>
+        <a:xfrm>
+          <a:off x="0" y="0"/>
+          <a:ext cx="0" cy="0"/>
+          <a:chOff x="0" y="0"/>
+          <a:chExt cx="0" cy="0"/>
+        </a:xfrm>
+      </p:grpSpPr>
+      <p:sp>
+        <p:nvSpPr>
+          <p:cNvPr id="1048589" name="标题 4"/>
+          <p:cNvSpPr>
+            <a:spLocks noGrp="1"/>
+          </p:cNvSpPr>
+          <p:nvPr>
+            <p:ph type="title"/>
+          </p:nvPr>
+        </p:nvSpPr>
+        <p:spPr/>
+        <p:txBody>
+          <a:bodyPr>
+            <a:normAutofit/>
+          </a:bodyPr>
+          <a:lstStyle/>
+          <a:p>
+            <a:r>
+              <a:rPr lang="en-US" altLang="zh-CN" sz="4000" dirty="0"/>
+              <a:t>Sample Output</a:t>
+            </a:r>
+            <a:endParaRPr lang="zh-CN" sz="4000" dirty="0"/>
+          </a:p>
+        </p:txBody>
+      </p:sp>
+      <p:sp>
+        <p:nvSpPr>
+          <p:cNvPr id="16" name="文本框 15">
+            <a:extLst>
+              <a:ext uri="{FF2B5EF4-FFF2-40B4-BE49-F238E27FC236}">
+                <a16:creationId xmlns:a16="http://schemas.microsoft.com/office/drawing/2014/main" id="{189453F6-7CD6-546F-37C5-61584AB8F8BF}"/>
+              </a:ext>
+            </a:extLst>
+          </p:cNvPr>
+          <p:cNvSpPr txBox="1"/>
+          <p:nvPr/>
+        </p:nvSpPr>
+        <p:spPr>
+          <a:xfrm>
+            <a:off x="6628974" y="4005064"/>
+            <a:ext cx="4856872" cy="1692771"/>
+          </a:xfrm>
+          <a:prstGeom prst="rect">
+            <a:avLst/>
+          </a:prstGeom>
+          <a:noFill/>
+        </p:spPr>
+        <p:txBody>
+          <a:bodyPr wrap="square" rtlCol="0">
+            <a:spAutoFit/>
+          </a:bodyPr>
+          <a:lstStyle/>
+          <a:p>
+            <a:pPr marL="285750" indent="-285750">
+              <a:buFont typeface="Arial" panose="020B0604020202020204" pitchFamily="34" charset="0"/>
+              <a:buChar char="•"/>
+            </a:pPr>
+            <a:r>
+              <a:rPr lang="en-US" altLang="zh-CN" sz="2600" dirty="0"/>
+              <a:t>Upper-left: outputs of the server.</a:t>
+            </a:r>
+          </a:p>
+          <a:p>
+            <a:pPr marL="285750" indent="-285750">
+              <a:buFont typeface="Arial" panose="020B0604020202020204" pitchFamily="34" charset="0"/>
+              <a:buChar char="•"/>
+            </a:pPr>
+            <a:endParaRPr lang="en-US" altLang="zh-CN" sz="2600" dirty="0"/>
+          </a:p>
+          <a:p>
+            <a:pPr marL="285750" indent="-285750">
+              <a:buFont typeface="Arial" panose="020B0604020202020204" pitchFamily="34" charset="0"/>
+              <a:buChar char="•"/>
+            </a:pPr>
+            <a:r>
+              <a:rPr lang="en-US" altLang="zh-CN" sz="2600" dirty="0"/>
+              <a:t>Lower-left and upper-right: outputs of the clients.</a:t>
+            </a:r>
+          </a:p>
+        </p:txBody>
+      </p:sp>
+      <p:pic>
+        <p:nvPicPr>
+          <p:cNvPr id="4" name="图片 3">
+            <a:extLst>
+              <a:ext uri="{FF2B5EF4-FFF2-40B4-BE49-F238E27FC236}">
+                <a16:creationId xmlns:a16="http://schemas.microsoft.com/office/drawing/2014/main" id="{45ED89B4-A6FB-0FC4-165F-C6764DED4308}"/>
+              </a:ext>
+            </a:extLst>
+          </p:cNvPr>
+          <p:cNvPicPr>
+            <a:picLocks noChangeAspect="1"/>
+          </p:cNvPicPr>
+          <p:nvPr/>
+        </p:nvPicPr>
+        <p:blipFill>
+          <a:blip r:embed="rId2"/>
+          <a:stretch>
+            <a:fillRect/>
+          </a:stretch>
+        </p:blipFill>
+        <p:spPr>
+          <a:xfrm>
+            <a:off x="724328" y="1196751"/>
+            <a:ext cx="4838700" cy="2343449"/>
+          </a:xfrm>
+          <a:prstGeom prst="rect">
+            <a:avLst/>
+          </a:prstGeom>
+        </p:spPr>
+      </p:pic>
+      <p:pic>
+        <p:nvPicPr>
+          <p:cNvPr id="7" name="图片 6">
+            <a:extLst>
+              <a:ext uri="{FF2B5EF4-FFF2-40B4-BE49-F238E27FC236}">
+                <a16:creationId xmlns:a16="http://schemas.microsoft.com/office/drawing/2014/main" id="{9115831F-E33D-B9DF-47CF-69854F0C115A}"/>
+              </a:ext>
+            </a:extLst>
+          </p:cNvPr>
+          <p:cNvPicPr>
+            <a:picLocks noChangeAspect="1"/>
+          </p:cNvPicPr>
+          <p:nvPr/>
+        </p:nvPicPr>
+        <p:blipFill>
+          <a:blip r:embed="rId3"/>
+          <a:stretch>
+            <a:fillRect/>
+          </a:stretch>
+        </p:blipFill>
+        <p:spPr>
+          <a:xfrm>
+            <a:off x="724328" y="4112016"/>
+            <a:ext cx="4838699" cy="2269312"/>
+          </a:xfrm>
+          <a:prstGeom prst="rect">
+            <a:avLst/>
+          </a:prstGeom>
+        </p:spPr>
+      </p:pic>
+      <p:pic>
+        <p:nvPicPr>
+          <p:cNvPr id="10" name="图片 9">
+            <a:extLst>
+              <a:ext uri="{FF2B5EF4-FFF2-40B4-BE49-F238E27FC236}">
+                <a16:creationId xmlns:a16="http://schemas.microsoft.com/office/drawing/2014/main" id="{6C5F0A01-9C2C-9459-31E7-B0FF98C3FA46}"/>
+              </a:ext>
+            </a:extLst>
+          </p:cNvPr>
+          <p:cNvPicPr>
+            <a:picLocks noChangeAspect="1"/>
+          </p:cNvPicPr>
+          <p:nvPr/>
+        </p:nvPicPr>
+        <p:blipFill>
+          <a:blip r:embed="rId4"/>
+          <a:stretch>
+            <a:fillRect/>
+          </a:stretch>
+        </p:blipFill>
+        <p:spPr>
+          <a:xfrm>
+            <a:off x="6628975" y="1196751"/>
+            <a:ext cx="4838698" cy="2201097"/>
+          </a:xfrm>
+          <a:prstGeom prst="rect">
+            <a:avLst/>
+          </a:prstGeom>
+        </p:spPr>
+      </p:pic>
+    </p:spTree>
+    <p:extLst>
+      <p:ext uri="{BB962C8B-B14F-4D97-AF65-F5344CB8AC3E}">
+        <p14:creationId xmlns:p14="http://schemas.microsoft.com/office/powerpoint/2010/main" val="1229457818"/>
+      </p:ext>
+    </p:extLst>
+  </p:cSld>
+  <p:clrMapOvr>
+    <a:masterClrMapping/>
+  </p:clrMapOvr>
+</p:sld>
+</file>
+
+<file path=ppt/slides/slide8.xml><?xml version="1.0" encoding="utf-8"?>
+<p:sld xmlns:a="http://schemas.openxmlformats.org/drawingml/2006/main" xmlns:r="http://schemas.openxmlformats.org/officeDocument/2006/relationships" xmlns:p="http://schemas.openxmlformats.org/presentationml/2006/main">
+  <p:cSld>
+    <p:spTree>
+      <p:nvGrpSpPr>
+        <p:cNvPr id="1" name=""/>
+        <p:cNvGrpSpPr/>
+        <p:nvPr/>
+      </p:nvGrpSpPr>
+      <p:grpSpPr>
+        <a:xfrm>
+          <a:off x="0" y="0"/>
+          <a:ext cx="0" cy="0"/>
+          <a:chOff x="0" y="0"/>
+          <a:chExt cx="0" cy="0"/>
+        </a:xfrm>
+      </p:grpSpPr>
+      <p:sp>
+        <p:nvSpPr>
           <p:cNvPr id="1048589" name="标题 4"/>
           <p:cNvSpPr>
             <a:spLocks noGrp="1"/>
@@ -2194,7 +5305,7 @@
 </p:sld>
 </file>
 
-<file path=ppt/slides/slide6.xml><?xml version="1.0" encoding="utf-8"?>
+<file path=ppt/slides/slide9.xml><?xml version="1.0" encoding="utf-8"?>
 <p:sld xmlns:a="http://schemas.openxmlformats.org/drawingml/2006/main" xmlns:r="http://schemas.openxmlformats.org/officeDocument/2006/relationships" xmlns:p="http://schemas.openxmlformats.org/presentationml/2006/main">
   <p:cSld>
     <p:spTree>

--- a/cuhk-csc-1004/slides/CSC1004 Tutorial 2.pptx
+++ b/cuhk-csc-1004/slides/CSC1004 Tutorial 2.pptx
@@ -202,7 +202,7 @@
           <a:p>
             <a:fld id="{78F13B20-8BB8-B74B-ADB5-DA5707988F1E}" type="datetimeFigureOut">
               <a:rPr lang="zh-CN" altLang="en-US"/>
-              <a:t>2024/1/30</a:t>
+              <a:t>2024/2/2</a:t>
             </a:fld>
             <a:endParaRPr kumimoji="1" lang="zh-CN" altLang="en-US"/>
           </a:p>
@@ -1561,7 +1561,7 @@
         </p:blipFill>
         <p:spPr>
           <a:xfrm>
-            <a:off x="691721" y="1198313"/>
+            <a:off x="691721" y="1281638"/>
             <a:ext cx="10804879" cy="5459730"/>
           </a:xfrm>
           <a:prstGeom prst="rect">

--- a/cuhk-csc-1004/slides/CSC1004 Tutorial 2.pptx
+++ b/cuhk-csc-1004/slides/CSC1004 Tutorial 2.pptx
@@ -5,23 +5,24 @@
     <p:sldMasterId id="2147483648" r:id="rId1"/>
   </p:sldMasterIdLst>
   <p:notesMasterIdLst>
-    <p:notesMasterId r:id="rId11"/>
+    <p:notesMasterId r:id="rId4"/>
   </p:notesMasterIdLst>
   <p:sldIdLst>
-    <p:sldId id="257" r:id="rId2"/>
-    <p:sldId id="334" r:id="rId3"/>
-    <p:sldId id="337" r:id="rId4"/>
+    <p:sldId id="257" r:id="rId3"/>
     <p:sldId id="338" r:id="rId5"/>
-    <p:sldId id="339" r:id="rId6"/>
-    <p:sldId id="333" r:id="rId7"/>
-    <p:sldId id="335" r:id="rId8"/>
-    <p:sldId id="336" r:id="rId9"/>
-    <p:sldId id="262" r:id="rId10"/>
+    <p:sldId id="337" r:id="rId6"/>
+    <p:sldId id="339" r:id="rId7"/>
+    <p:sldId id="334" r:id="rId8"/>
+    <p:sldId id="333" r:id="rId9"/>
+    <p:sldId id="335" r:id="rId10"/>
+    <p:sldId id="344" r:id="rId11"/>
+    <p:sldId id="336" r:id="rId12"/>
+    <p:sldId id="262" r:id="rId13"/>
   </p:sldIdLst>
   <p:sldSz cx="12192000" cy="6858000"/>
   <p:notesSz cx="6858000" cy="9144000"/>
   <p:custDataLst>
-    <p:tags r:id="rId12"/>
+    <p:tags r:id="rId18"/>
   </p:custDataLst>
   <p:defaultTextStyle>
     <a:lvl1pPr marL="0" lvl="0" algn="l" defTabSz="914400">
@@ -30,7 +31,7 @@
           <a:schemeClr val="tx1"/>
         </a:solidFill>
         <a:latin typeface="Calibri" panose="020F0502020204030204"/>
-        <a:ea typeface="宋体" panose="02010600030101010101" pitchFamily="2" charset="-122"/>
+        <a:ea typeface="宋体" pitchFamily="2" charset="-122"/>
       </a:defRPr>
     </a:lvl1pPr>
     <a:lvl2pPr marL="457200" lvl="1" algn="l" defTabSz="914400">
@@ -39,7 +40,7 @@
           <a:schemeClr val="tx1"/>
         </a:solidFill>
         <a:latin typeface="Calibri" panose="020F0502020204030204"/>
-        <a:ea typeface="宋体" panose="02010600030101010101" pitchFamily="2" charset="-122"/>
+        <a:ea typeface="宋体" pitchFamily="2" charset="-122"/>
       </a:defRPr>
     </a:lvl2pPr>
     <a:lvl3pPr marL="914400" lvl="2" algn="l" defTabSz="914400">
@@ -48,7 +49,7 @@
           <a:schemeClr val="tx1"/>
         </a:solidFill>
         <a:latin typeface="Calibri" panose="020F0502020204030204"/>
-        <a:ea typeface="宋体" panose="02010600030101010101" pitchFamily="2" charset="-122"/>
+        <a:ea typeface="宋体" pitchFamily="2" charset="-122"/>
       </a:defRPr>
     </a:lvl3pPr>
     <a:lvl4pPr marL="1371600" lvl="3" algn="l" defTabSz="914400">
@@ -57,7 +58,7 @@
           <a:schemeClr val="tx1"/>
         </a:solidFill>
         <a:latin typeface="Calibri" panose="020F0502020204030204"/>
-        <a:ea typeface="宋体" panose="02010600030101010101" pitchFamily="2" charset="-122"/>
+        <a:ea typeface="宋体" pitchFamily="2" charset="-122"/>
       </a:defRPr>
     </a:lvl4pPr>
     <a:lvl5pPr marL="1828800" lvl="4" algn="l" defTabSz="914400">
@@ -66,7 +67,7 @@
           <a:schemeClr val="tx1"/>
         </a:solidFill>
         <a:latin typeface="Calibri" panose="020F0502020204030204"/>
-        <a:ea typeface="宋体" panose="02010600030101010101" pitchFamily="2" charset="-122"/>
+        <a:ea typeface="宋体" pitchFamily="2" charset="-122"/>
       </a:defRPr>
     </a:lvl5pPr>
     <a:lvl6pPr marL="2286000" lvl="5" algn="l" defTabSz="914400">
@@ -75,7 +76,7 @@
           <a:schemeClr val="tx1"/>
         </a:solidFill>
         <a:latin typeface="Calibri" panose="020F0502020204030204"/>
-        <a:ea typeface="宋体" panose="02010600030101010101" pitchFamily="2" charset="-122"/>
+        <a:ea typeface="宋体" pitchFamily="2" charset="-122"/>
       </a:defRPr>
     </a:lvl6pPr>
     <a:lvl7pPr marL="2743200" lvl="6" algn="l" defTabSz="914400">
@@ -84,7 +85,7 @@
           <a:schemeClr val="tx1"/>
         </a:solidFill>
         <a:latin typeface="Calibri" panose="020F0502020204030204"/>
-        <a:ea typeface="宋体" panose="02010600030101010101" pitchFamily="2" charset="-122"/>
+        <a:ea typeface="宋体" pitchFamily="2" charset="-122"/>
       </a:defRPr>
     </a:lvl7pPr>
     <a:lvl8pPr marL="3200400" lvl="7" algn="l" defTabSz="914400">
@@ -93,7 +94,7 @@
           <a:schemeClr val="tx1"/>
         </a:solidFill>
         <a:latin typeface="Calibri" panose="020F0502020204030204"/>
-        <a:ea typeface="宋体" panose="02010600030101010101" pitchFamily="2" charset="-122"/>
+        <a:ea typeface="宋体" pitchFamily="2" charset="-122"/>
       </a:defRPr>
     </a:lvl8pPr>
     <a:lvl9pPr marL="3657600" lvl="8" algn="l" defTabSz="914400">
@@ -102,15 +103,10 @@
           <a:schemeClr val="tx1"/>
         </a:solidFill>
         <a:latin typeface="Calibri" panose="020F0502020204030204"/>
-        <a:ea typeface="宋体" panose="02010600030101010101" pitchFamily="2" charset="-122"/>
+        <a:ea typeface="宋体" pitchFamily="2" charset="-122"/>
       </a:defRPr>
     </a:lvl9pPr>
   </p:defaultTextStyle>
-  <p:extLst>
-    <p:ext uri="{EFAFB233-063F-42B5-8137-9DF3F51BA10A}">
-      <p15:sldGuideLst xmlns:p15="http://schemas.microsoft.com/office/powerpoint/2012/main"/>
-    </p:ext>
-  </p:extLst>
 </p:presentation>
 </file>
 
@@ -202,7 +198,6 @@
           <a:p>
             <a:fld id="{78F13B20-8BB8-B74B-ADB5-DA5707988F1E}" type="datetimeFigureOut">
               <a:rPr lang="zh-CN" altLang="en-US"/>
-              <a:t>2024/2/2</a:t>
             </a:fld>
             <a:endParaRPr kumimoji="1" lang="zh-CN" altLang="en-US"/>
           </a:p>
@@ -272,6 +267,7 @@
 第四级
 第五级</a:t>
             </a:r>
+            <a:endParaRPr kumimoji="1" lang="zh-CN" altLang="en-US"/>
           </a:p>
         </p:txBody>
       </p:sp>
@@ -335,7 +331,6 @@
           <a:p>
             <a:fld id="{1B28674F-E567-AA4B-8C16-788D7CE21C4F}" type="slidenum">
               <a:rPr/>
-              <a:t>‹#›</a:t>
             </a:fld>
             <a:endParaRPr kumimoji="1" lang="zh-CN" altLang="en-US"/>
           </a:p>
@@ -483,6 +478,402 @@
 </p:notes>
 </file>
 
+<file path=ppt/notesSlides/notesSlide10.xml><?xml version="1.0" encoding="utf-8"?>
+<p:notes xmlns:a="http://schemas.openxmlformats.org/drawingml/2006/main" xmlns:r="http://schemas.openxmlformats.org/officeDocument/2006/relationships" xmlns:p="http://schemas.openxmlformats.org/presentationml/2006/main">
+  <p:cSld>
+    <p:spTree>
+      <p:nvGrpSpPr>
+        <p:cNvPr id="1" name=""/>
+        <p:cNvGrpSpPr/>
+        <p:nvPr/>
+      </p:nvGrpSpPr>
+      <p:grpSpPr/>
+      <p:sp>
+        <p:nvSpPr>
+          <p:cNvPr id="2" name="幻灯片图像占位符 1"/>
+          <p:cNvSpPr/>
+          <p:nvPr>
+            <p:ph type="sldImg" idx="2"/>
+          </p:nvPr>
+        </p:nvSpPr>
+        <p:spPr/>
+      </p:sp>
+      <p:sp>
+        <p:nvSpPr>
+          <p:cNvPr id="3" name="文本占位符 2"/>
+          <p:cNvSpPr/>
+          <p:nvPr>
+            <p:ph type="body" idx="3"/>
+          </p:nvPr>
+        </p:nvSpPr>
+        <p:spPr/>
+        <p:txBody>
+          <a:bodyPr/>
+          <a:p>
+            <a:endParaRPr lang="zh-CN" altLang="en-US"/>
+          </a:p>
+        </p:txBody>
+      </p:sp>
+    </p:spTree>
+  </p:cSld>
+  <p:clrMapOvr>
+    <a:masterClrMapping/>
+  </p:clrMapOvr>
+</p:notes>
+</file>
+
+<file path=ppt/notesSlides/notesSlide2.xml><?xml version="1.0" encoding="utf-8"?>
+<p:notes xmlns:a="http://schemas.openxmlformats.org/drawingml/2006/main" xmlns:r="http://schemas.openxmlformats.org/officeDocument/2006/relationships" xmlns:p="http://schemas.openxmlformats.org/presentationml/2006/main">
+  <p:cSld>
+    <p:spTree>
+      <p:nvGrpSpPr>
+        <p:cNvPr id="1" name=""/>
+        <p:cNvGrpSpPr/>
+        <p:nvPr/>
+      </p:nvGrpSpPr>
+      <p:grpSpPr/>
+      <p:sp>
+        <p:nvSpPr>
+          <p:cNvPr id="2" name="幻灯片图像占位符 1"/>
+          <p:cNvSpPr/>
+          <p:nvPr>
+            <p:ph type="sldImg" idx="2"/>
+          </p:nvPr>
+        </p:nvSpPr>
+        <p:spPr/>
+      </p:sp>
+      <p:sp>
+        <p:nvSpPr>
+          <p:cNvPr id="3" name="文本占位符 2"/>
+          <p:cNvSpPr/>
+          <p:nvPr>
+            <p:ph type="body" idx="3"/>
+          </p:nvPr>
+        </p:nvSpPr>
+        <p:spPr/>
+        <p:txBody>
+          <a:bodyPr/>
+          <a:p>
+            <a:endParaRPr lang="zh-CN" altLang="en-US"/>
+          </a:p>
+        </p:txBody>
+      </p:sp>
+    </p:spTree>
+  </p:cSld>
+  <p:clrMapOvr>
+    <a:masterClrMapping/>
+  </p:clrMapOvr>
+</p:notes>
+</file>
+
+<file path=ppt/notesSlides/notesSlide3.xml><?xml version="1.0" encoding="utf-8"?>
+<p:notes xmlns:a="http://schemas.openxmlformats.org/drawingml/2006/main" xmlns:r="http://schemas.openxmlformats.org/officeDocument/2006/relationships" xmlns:p="http://schemas.openxmlformats.org/presentationml/2006/main">
+  <p:cSld>
+    <p:spTree>
+      <p:nvGrpSpPr>
+        <p:cNvPr id="1" name=""/>
+        <p:cNvGrpSpPr/>
+        <p:nvPr/>
+      </p:nvGrpSpPr>
+      <p:grpSpPr/>
+      <p:sp>
+        <p:nvSpPr>
+          <p:cNvPr id="2" name="幻灯片图像占位符 1"/>
+          <p:cNvSpPr/>
+          <p:nvPr>
+            <p:ph type="sldImg" idx="2"/>
+          </p:nvPr>
+        </p:nvSpPr>
+        <p:spPr/>
+      </p:sp>
+      <p:sp>
+        <p:nvSpPr>
+          <p:cNvPr id="3" name="文本占位符 2"/>
+          <p:cNvSpPr/>
+          <p:nvPr>
+            <p:ph type="body" idx="3"/>
+          </p:nvPr>
+        </p:nvSpPr>
+        <p:spPr/>
+        <p:txBody>
+          <a:bodyPr/>
+          <a:p>
+            <a:endParaRPr lang="zh-CN" altLang="en-US"/>
+          </a:p>
+        </p:txBody>
+      </p:sp>
+    </p:spTree>
+  </p:cSld>
+  <p:clrMapOvr>
+    <a:masterClrMapping/>
+  </p:clrMapOvr>
+</p:notes>
+</file>
+
+<file path=ppt/notesSlides/notesSlide4.xml><?xml version="1.0" encoding="utf-8"?>
+<p:notes xmlns:a="http://schemas.openxmlformats.org/drawingml/2006/main" xmlns:r="http://schemas.openxmlformats.org/officeDocument/2006/relationships" xmlns:p="http://schemas.openxmlformats.org/presentationml/2006/main">
+  <p:cSld>
+    <p:spTree>
+      <p:nvGrpSpPr>
+        <p:cNvPr id="1" name=""/>
+        <p:cNvGrpSpPr/>
+        <p:nvPr/>
+      </p:nvGrpSpPr>
+      <p:grpSpPr/>
+      <p:sp>
+        <p:nvSpPr>
+          <p:cNvPr id="2" name="幻灯片图像占位符 1"/>
+          <p:cNvSpPr/>
+          <p:nvPr>
+            <p:ph type="sldImg" idx="2"/>
+          </p:nvPr>
+        </p:nvSpPr>
+        <p:spPr/>
+      </p:sp>
+      <p:sp>
+        <p:nvSpPr>
+          <p:cNvPr id="3" name="文本占位符 2"/>
+          <p:cNvSpPr/>
+          <p:nvPr>
+            <p:ph type="body" idx="3"/>
+          </p:nvPr>
+        </p:nvSpPr>
+        <p:spPr/>
+        <p:txBody>
+          <a:bodyPr/>
+          <a:p>
+            <a:endParaRPr lang="zh-CN" altLang="en-US"/>
+          </a:p>
+        </p:txBody>
+      </p:sp>
+    </p:spTree>
+  </p:cSld>
+  <p:clrMapOvr>
+    <a:masterClrMapping/>
+  </p:clrMapOvr>
+</p:notes>
+</file>
+
+<file path=ppt/notesSlides/notesSlide5.xml><?xml version="1.0" encoding="utf-8"?>
+<p:notes xmlns:a="http://schemas.openxmlformats.org/drawingml/2006/main" xmlns:r="http://schemas.openxmlformats.org/officeDocument/2006/relationships" xmlns:p="http://schemas.openxmlformats.org/presentationml/2006/main">
+  <p:cSld>
+    <p:spTree>
+      <p:nvGrpSpPr>
+        <p:cNvPr id="1" name=""/>
+        <p:cNvGrpSpPr/>
+        <p:nvPr/>
+      </p:nvGrpSpPr>
+      <p:grpSpPr/>
+      <p:sp>
+        <p:nvSpPr>
+          <p:cNvPr id="2" name="幻灯片图像占位符 1"/>
+          <p:cNvSpPr/>
+          <p:nvPr>
+            <p:ph type="sldImg" idx="2"/>
+          </p:nvPr>
+        </p:nvSpPr>
+        <p:spPr/>
+      </p:sp>
+      <p:sp>
+        <p:nvSpPr>
+          <p:cNvPr id="3" name="文本占位符 2"/>
+          <p:cNvSpPr/>
+          <p:nvPr>
+            <p:ph type="body" idx="3"/>
+          </p:nvPr>
+        </p:nvSpPr>
+        <p:spPr/>
+        <p:txBody>
+          <a:bodyPr/>
+          <a:p>
+            <a:endParaRPr lang="zh-CN" altLang="en-US"/>
+          </a:p>
+        </p:txBody>
+      </p:sp>
+    </p:spTree>
+  </p:cSld>
+  <p:clrMapOvr>
+    <a:masterClrMapping/>
+  </p:clrMapOvr>
+</p:notes>
+</file>
+
+<file path=ppt/notesSlides/notesSlide6.xml><?xml version="1.0" encoding="utf-8"?>
+<p:notes xmlns:a="http://schemas.openxmlformats.org/drawingml/2006/main" xmlns:r="http://schemas.openxmlformats.org/officeDocument/2006/relationships" xmlns:p="http://schemas.openxmlformats.org/presentationml/2006/main">
+  <p:cSld>
+    <p:spTree>
+      <p:nvGrpSpPr>
+        <p:cNvPr id="1" name=""/>
+        <p:cNvGrpSpPr/>
+        <p:nvPr/>
+      </p:nvGrpSpPr>
+      <p:grpSpPr/>
+      <p:sp>
+        <p:nvSpPr>
+          <p:cNvPr id="2" name="幻灯片图像占位符 1"/>
+          <p:cNvSpPr/>
+          <p:nvPr>
+            <p:ph type="sldImg" idx="2"/>
+          </p:nvPr>
+        </p:nvSpPr>
+        <p:spPr/>
+      </p:sp>
+      <p:sp>
+        <p:nvSpPr>
+          <p:cNvPr id="3" name="文本占位符 2"/>
+          <p:cNvSpPr/>
+          <p:nvPr>
+            <p:ph type="body" idx="3"/>
+          </p:nvPr>
+        </p:nvSpPr>
+        <p:spPr/>
+        <p:txBody>
+          <a:bodyPr/>
+          <a:p>
+            <a:endParaRPr lang="zh-CN" altLang="en-US"/>
+          </a:p>
+        </p:txBody>
+      </p:sp>
+    </p:spTree>
+  </p:cSld>
+  <p:clrMapOvr>
+    <a:masterClrMapping/>
+  </p:clrMapOvr>
+</p:notes>
+</file>
+
+<file path=ppt/notesSlides/notesSlide7.xml><?xml version="1.0" encoding="utf-8"?>
+<p:notes xmlns:a="http://schemas.openxmlformats.org/drawingml/2006/main" xmlns:r="http://schemas.openxmlformats.org/officeDocument/2006/relationships" xmlns:p="http://schemas.openxmlformats.org/presentationml/2006/main">
+  <p:cSld>
+    <p:spTree>
+      <p:nvGrpSpPr>
+        <p:cNvPr id="1" name=""/>
+        <p:cNvGrpSpPr/>
+        <p:nvPr/>
+      </p:nvGrpSpPr>
+      <p:grpSpPr/>
+      <p:sp>
+        <p:nvSpPr>
+          <p:cNvPr id="2" name="幻灯片图像占位符 1"/>
+          <p:cNvSpPr/>
+          <p:nvPr>
+            <p:ph type="sldImg" idx="2"/>
+          </p:nvPr>
+        </p:nvSpPr>
+        <p:spPr/>
+      </p:sp>
+      <p:sp>
+        <p:nvSpPr>
+          <p:cNvPr id="3" name="文本占位符 2"/>
+          <p:cNvSpPr/>
+          <p:nvPr>
+            <p:ph type="body" idx="3"/>
+          </p:nvPr>
+        </p:nvSpPr>
+        <p:spPr/>
+        <p:txBody>
+          <a:bodyPr/>
+          <a:p>
+            <a:endParaRPr lang="zh-CN" altLang="en-US"/>
+          </a:p>
+        </p:txBody>
+      </p:sp>
+    </p:spTree>
+  </p:cSld>
+  <p:clrMapOvr>
+    <a:masterClrMapping/>
+  </p:clrMapOvr>
+</p:notes>
+</file>
+
+<file path=ppt/notesSlides/notesSlide8.xml><?xml version="1.0" encoding="utf-8"?>
+<p:notes xmlns:a="http://schemas.openxmlformats.org/drawingml/2006/main" xmlns:r="http://schemas.openxmlformats.org/officeDocument/2006/relationships" xmlns:p="http://schemas.openxmlformats.org/presentationml/2006/main">
+  <p:cSld>
+    <p:spTree>
+      <p:nvGrpSpPr>
+        <p:cNvPr id="1" name=""/>
+        <p:cNvGrpSpPr/>
+        <p:nvPr/>
+      </p:nvGrpSpPr>
+      <p:grpSpPr/>
+      <p:sp>
+        <p:nvSpPr>
+          <p:cNvPr id="2" name="幻灯片图像占位符 1"/>
+          <p:cNvSpPr/>
+          <p:nvPr>
+            <p:ph type="sldImg" idx="2"/>
+          </p:nvPr>
+        </p:nvSpPr>
+        <p:spPr/>
+      </p:sp>
+      <p:sp>
+        <p:nvSpPr>
+          <p:cNvPr id="3" name="文本占位符 2"/>
+          <p:cNvSpPr/>
+          <p:nvPr>
+            <p:ph type="body" idx="3"/>
+          </p:nvPr>
+        </p:nvSpPr>
+        <p:spPr/>
+        <p:txBody>
+          <a:bodyPr/>
+          <a:p>
+            <a:endParaRPr lang="zh-CN" altLang="en-US"/>
+          </a:p>
+        </p:txBody>
+      </p:sp>
+    </p:spTree>
+  </p:cSld>
+  <p:clrMapOvr>
+    <a:masterClrMapping/>
+  </p:clrMapOvr>
+</p:notes>
+</file>
+
+<file path=ppt/notesSlides/notesSlide9.xml><?xml version="1.0" encoding="utf-8"?>
+<p:notes xmlns:a="http://schemas.openxmlformats.org/drawingml/2006/main" xmlns:r="http://schemas.openxmlformats.org/officeDocument/2006/relationships" xmlns:p="http://schemas.openxmlformats.org/presentationml/2006/main">
+  <p:cSld>
+    <p:spTree>
+      <p:nvGrpSpPr>
+        <p:cNvPr id="1" name=""/>
+        <p:cNvGrpSpPr/>
+        <p:nvPr/>
+      </p:nvGrpSpPr>
+      <p:grpSpPr/>
+      <p:sp>
+        <p:nvSpPr>
+          <p:cNvPr id="2" name="幻灯片图像占位符 1"/>
+          <p:cNvSpPr/>
+          <p:nvPr>
+            <p:ph type="sldImg" idx="2"/>
+          </p:nvPr>
+        </p:nvSpPr>
+        <p:spPr/>
+      </p:sp>
+      <p:sp>
+        <p:nvSpPr>
+          <p:cNvPr id="3" name="文本占位符 2"/>
+          <p:cNvSpPr/>
+          <p:nvPr>
+            <p:ph type="body" idx="3"/>
+          </p:nvPr>
+        </p:nvSpPr>
+        <p:spPr/>
+        <p:txBody>
+          <a:bodyPr/>
+          <a:p>
+            <a:endParaRPr lang="zh-CN" altLang="en-US"/>
+          </a:p>
+        </p:txBody>
+      </p:sp>
+    </p:spTree>
+  </p:cSld>
+  <p:clrMapOvr>
+    <a:masterClrMapping/>
+  </p:clrMapOvr>
+</p:notes>
+</file>
+
 <file path=ppt/slideLayouts/slideLayout1.xml><?xml version="1.0" encoding="utf-8"?>
 <p:sldLayout xmlns:a="http://schemas.openxmlformats.org/drawingml/2006/main" xmlns:r="http://schemas.openxmlformats.org/officeDocument/2006/relationships" xmlns:p="http://schemas.openxmlformats.org/presentationml/2006/main">
   <p:cSld name="标题幻灯片">
@@ -646,6 +1037,7 @@
               <a:rPr lang="zh-CN"/>
               <a:t>单击此处编辑母版副标题样式</a:t>
             </a:r>
+            <a:endParaRPr lang="zh-CN"/>
           </a:p>
         </p:txBody>
       </p:sp>
@@ -714,6 +1106,7 @@
               <a:rPr lang="zh-CN"/>
               <a:t>单击此处编辑母版标题样式</a:t>
             </a:r>
+            <a:endParaRPr lang="zh-CN"/>
           </a:p>
         </p:txBody>
       </p:sp>
@@ -885,6 +1278,7 @@
               <a:rPr lang="zh-TW"/>
               <a:t>按一下以編輯母片文字樣式</a:t>
             </a:r>
+            <a:endParaRPr lang="zh-TW"/>
           </a:p>
           <a:p>
             <a:pPr lvl="1"/>
@@ -892,6 +1286,7 @@
               <a:rPr lang="zh-TW"/>
               <a:t>第二層</a:t>
             </a:r>
+            <a:endParaRPr lang="zh-TW"/>
           </a:p>
           <a:p>
             <a:pPr lvl="2"/>
@@ -899,6 +1294,7 @@
               <a:rPr lang="zh-TW"/>
               <a:t>第三層</a:t>
             </a:r>
+            <a:endParaRPr lang="zh-TW"/>
           </a:p>
           <a:p>
             <a:pPr lvl="3"/>
@@ -906,6 +1302,7 @@
               <a:rPr lang="zh-TW"/>
               <a:t>第四層</a:t>
             </a:r>
+            <a:endParaRPr lang="zh-TW"/>
           </a:p>
           <a:p>
             <a:pPr lvl="4"/>
@@ -1095,6 +1492,7 @@
               <a:rPr lang="zh-CN"/>
               <a:t>单击此处编辑母版标题样式</a:t>
             </a:r>
+            <a:endParaRPr lang="zh-CN"/>
           </a:p>
         </p:txBody>
       </p:sp>
@@ -1128,6 +1526,7 @@
               <a:rPr lang="zh-CN"/>
               <a:t>单击此处编辑母版文本样式</a:t>
             </a:r>
+            <a:endParaRPr lang="zh-CN"/>
           </a:p>
           <a:p>
             <a:pPr lvl="1"/>
@@ -1135,6 +1534,7 @@
               <a:rPr lang="zh-CN"/>
               <a:t>二级</a:t>
             </a:r>
+            <a:endParaRPr lang="zh-CN"/>
           </a:p>
           <a:p>
             <a:pPr lvl="2"/>
@@ -1142,6 +1542,7 @@
               <a:rPr lang="zh-CN"/>
               <a:t>三级</a:t>
             </a:r>
+            <a:endParaRPr lang="zh-CN"/>
           </a:p>
           <a:p>
             <a:pPr lvl="3"/>
@@ -1149,6 +1550,7 @@
               <a:rPr lang="zh-CN"/>
               <a:t>四级</a:t>
             </a:r>
+            <a:endParaRPr lang="zh-CN"/>
           </a:p>
           <a:p>
             <a:pPr lvl="4"/>
@@ -1156,6 +1558,7 @@
               <a:rPr lang="zh-CN"/>
               <a:t>五级</a:t>
             </a:r>
+            <a:endParaRPr lang="zh-CN"/>
           </a:p>
         </p:txBody>
       </p:sp>
@@ -1181,7 +1584,7 @@
             <a:schemeClr val="tx1"/>
           </a:solidFill>
           <a:latin typeface="Calibri Light" panose="020F0302020204030204"/>
-          <a:ea typeface="宋体" panose="02010600030101010101" pitchFamily="2" charset="-122"/>
+          <a:ea typeface="宋体" pitchFamily="2" charset="-122"/>
         </a:defRPr>
       </a:lvl1pPr>
     </p:titleStyle>
@@ -1193,14 +1596,14 @@
         <a:spcBef>
           <a:spcPts val="1000"/>
         </a:spcBef>
-        <a:buFont typeface="Arial" panose="020B0604020202020204"/>
+        <a:buFont typeface="Arial" panose="020B0604020202090204"/>
         <a:buChar char="•"/>
         <a:defRPr sz="2800" kern="1200">
           <a:solidFill>
             <a:schemeClr val="tx1"/>
           </a:solidFill>
           <a:latin typeface="Calibri" panose="020F0502020204030204"/>
-          <a:ea typeface="宋体" panose="02010600030101010101" pitchFamily="2" charset="-122"/>
+          <a:ea typeface="宋体" pitchFamily="2" charset="-122"/>
         </a:defRPr>
       </a:lvl1pPr>
       <a:lvl2pPr marL="685800" lvl="1" indent="-228600" algn="l" defTabSz="914400">
@@ -1210,14 +1613,14 @@
         <a:spcBef>
           <a:spcPts val="500"/>
         </a:spcBef>
-        <a:buFont typeface="Arial" panose="020B0604020202020204"/>
+        <a:buFont typeface="Arial" panose="020B0604020202090204"/>
         <a:buChar char="•"/>
         <a:defRPr sz="2400" kern="1200">
           <a:solidFill>
             <a:schemeClr val="tx1"/>
           </a:solidFill>
           <a:latin typeface="Calibri" panose="020F0502020204030204"/>
-          <a:ea typeface="宋体" panose="02010600030101010101" pitchFamily="2" charset="-122"/>
+          <a:ea typeface="宋体" pitchFamily="2" charset="-122"/>
         </a:defRPr>
       </a:lvl2pPr>
       <a:lvl3pPr marL="1143000" lvl="2" indent="-228600" algn="l" defTabSz="914400">
@@ -1227,14 +1630,14 @@
         <a:spcBef>
           <a:spcPts val="500"/>
         </a:spcBef>
-        <a:buFont typeface="Arial" panose="020B0604020202020204"/>
+        <a:buFont typeface="Arial" panose="020B0604020202090204"/>
         <a:buChar char="•"/>
         <a:defRPr sz="2000" kern="1200">
           <a:solidFill>
             <a:schemeClr val="tx1"/>
           </a:solidFill>
           <a:latin typeface="Calibri" panose="020F0502020204030204"/>
-          <a:ea typeface="宋体" panose="02010600030101010101" pitchFamily="2" charset="-122"/>
+          <a:ea typeface="宋体" pitchFamily="2" charset="-122"/>
         </a:defRPr>
       </a:lvl3pPr>
       <a:lvl4pPr marL="1600200" lvl="3" indent="-228600" algn="l" defTabSz="914400">
@@ -1244,14 +1647,14 @@
         <a:spcBef>
           <a:spcPts val="500"/>
         </a:spcBef>
-        <a:buFont typeface="Arial" panose="020B0604020202020204"/>
+        <a:buFont typeface="Arial" panose="020B0604020202090204"/>
         <a:buChar char="•"/>
         <a:defRPr sz="1800" kern="1200">
           <a:solidFill>
             <a:schemeClr val="tx1"/>
           </a:solidFill>
           <a:latin typeface="Calibri" panose="020F0502020204030204"/>
-          <a:ea typeface="宋体" panose="02010600030101010101" pitchFamily="2" charset="-122"/>
+          <a:ea typeface="宋体" pitchFamily="2" charset="-122"/>
         </a:defRPr>
       </a:lvl4pPr>
       <a:lvl5pPr marL="2057400" lvl="4" indent="-228600" algn="l" defTabSz="914400">
@@ -1261,14 +1664,14 @@
         <a:spcBef>
           <a:spcPts val="500"/>
         </a:spcBef>
-        <a:buFont typeface="Arial" panose="020B0604020202020204"/>
+        <a:buFont typeface="Arial" panose="020B0604020202090204"/>
         <a:buChar char="•"/>
         <a:defRPr sz="1800" kern="1200">
           <a:solidFill>
             <a:schemeClr val="tx1"/>
           </a:solidFill>
           <a:latin typeface="Calibri" panose="020F0502020204030204"/>
-          <a:ea typeface="宋体" panose="02010600030101010101" pitchFamily="2" charset="-122"/>
+          <a:ea typeface="宋体" pitchFamily="2" charset="-122"/>
         </a:defRPr>
       </a:lvl5pPr>
       <a:lvl6pPr marL="2514600" lvl="5" indent="-228600" algn="l" defTabSz="914400">
@@ -1278,14 +1681,14 @@
         <a:spcBef>
           <a:spcPts val="500"/>
         </a:spcBef>
-        <a:buFont typeface="Arial" panose="020B0604020202020204"/>
+        <a:buFont typeface="Arial" panose="020B0604020202090204"/>
         <a:buChar char="•"/>
         <a:defRPr sz="1800" kern="1200">
           <a:solidFill>
             <a:schemeClr val="tx1"/>
           </a:solidFill>
           <a:latin typeface="Calibri" panose="020F0502020204030204"/>
-          <a:ea typeface="宋体" panose="02010600030101010101" pitchFamily="2" charset="-122"/>
+          <a:ea typeface="宋体" pitchFamily="2" charset="-122"/>
         </a:defRPr>
       </a:lvl6pPr>
       <a:lvl7pPr marL="2971800" lvl="6" indent="-228600" algn="l" defTabSz="914400">
@@ -1295,14 +1698,14 @@
         <a:spcBef>
           <a:spcPts val="500"/>
         </a:spcBef>
-        <a:buFont typeface="Arial" panose="020B0604020202020204"/>
+        <a:buFont typeface="Arial" panose="020B0604020202090204"/>
         <a:buChar char="•"/>
         <a:defRPr sz="1800" kern="1200">
           <a:solidFill>
             <a:schemeClr val="tx1"/>
           </a:solidFill>
           <a:latin typeface="Calibri" panose="020F0502020204030204"/>
-          <a:ea typeface="宋体" panose="02010600030101010101" pitchFamily="2" charset="-122"/>
+          <a:ea typeface="宋体" pitchFamily="2" charset="-122"/>
         </a:defRPr>
       </a:lvl7pPr>
       <a:lvl8pPr marL="3429000" lvl="7" indent="-228600" algn="l" defTabSz="914400">
@@ -1312,14 +1715,14 @@
         <a:spcBef>
           <a:spcPts val="500"/>
         </a:spcBef>
-        <a:buFont typeface="Arial" panose="020B0604020202020204"/>
+        <a:buFont typeface="Arial" panose="020B0604020202090204"/>
         <a:buChar char="•"/>
         <a:defRPr sz="1800" kern="1200">
           <a:solidFill>
             <a:schemeClr val="tx1"/>
           </a:solidFill>
           <a:latin typeface="Calibri" panose="020F0502020204030204"/>
-          <a:ea typeface="宋体" panose="02010600030101010101" pitchFamily="2" charset="-122"/>
+          <a:ea typeface="宋体" pitchFamily="2" charset="-122"/>
         </a:defRPr>
       </a:lvl8pPr>
       <a:lvl9pPr marL="3886200" lvl="8" indent="-228600" algn="l" defTabSz="914400">
@@ -1329,14 +1732,14 @@
         <a:spcBef>
           <a:spcPts val="500"/>
         </a:spcBef>
-        <a:buFont typeface="Arial" panose="020B0604020202020204"/>
+        <a:buFont typeface="Arial" panose="020B0604020202090204"/>
         <a:buChar char="•"/>
         <a:defRPr sz="1800" kern="1200">
           <a:solidFill>
             <a:schemeClr val="tx1"/>
           </a:solidFill>
           <a:latin typeface="Calibri" panose="020F0502020204030204"/>
-          <a:ea typeface="宋体" panose="02010600030101010101" pitchFamily="2" charset="-122"/>
+          <a:ea typeface="宋体" pitchFamily="2" charset="-122"/>
         </a:defRPr>
       </a:lvl9pPr>
     </p:bodyStyle>
@@ -1347,7 +1750,7 @@
             <a:schemeClr val="tx1"/>
           </a:solidFill>
           <a:latin typeface="Calibri" panose="020F0502020204030204"/>
-          <a:ea typeface="宋体" panose="02010600030101010101" pitchFamily="2" charset="-122"/>
+          <a:ea typeface="宋体" pitchFamily="2" charset="-122"/>
         </a:defRPr>
       </a:lvl1pPr>
       <a:lvl2pPr marL="457200" lvl="1" algn="l" defTabSz="914400">
@@ -1356,7 +1759,7 @@
             <a:schemeClr val="tx1"/>
           </a:solidFill>
           <a:latin typeface="Calibri" panose="020F0502020204030204"/>
-          <a:ea typeface="宋体" panose="02010600030101010101" pitchFamily="2" charset="-122"/>
+          <a:ea typeface="宋体" pitchFamily="2" charset="-122"/>
         </a:defRPr>
       </a:lvl2pPr>
       <a:lvl3pPr marL="914400" lvl="2" algn="l" defTabSz="914400">
@@ -1365,7 +1768,7 @@
             <a:schemeClr val="tx1"/>
           </a:solidFill>
           <a:latin typeface="Calibri" panose="020F0502020204030204"/>
-          <a:ea typeface="宋体" panose="02010600030101010101" pitchFamily="2" charset="-122"/>
+          <a:ea typeface="宋体" pitchFamily="2" charset="-122"/>
         </a:defRPr>
       </a:lvl3pPr>
       <a:lvl4pPr marL="1371600" lvl="3" algn="l" defTabSz="914400">
@@ -1374,7 +1777,7 @@
             <a:schemeClr val="tx1"/>
           </a:solidFill>
           <a:latin typeface="Calibri" panose="020F0502020204030204"/>
-          <a:ea typeface="宋体" panose="02010600030101010101" pitchFamily="2" charset="-122"/>
+          <a:ea typeface="宋体" pitchFamily="2" charset="-122"/>
         </a:defRPr>
       </a:lvl4pPr>
       <a:lvl5pPr marL="1828800" lvl="4" algn="l" defTabSz="914400">
@@ -1383,7 +1786,7 @@
             <a:schemeClr val="tx1"/>
           </a:solidFill>
           <a:latin typeface="Calibri" panose="020F0502020204030204"/>
-          <a:ea typeface="宋体" panose="02010600030101010101" pitchFamily="2" charset="-122"/>
+          <a:ea typeface="宋体" pitchFamily="2" charset="-122"/>
         </a:defRPr>
       </a:lvl5pPr>
       <a:lvl6pPr marL="2286000" lvl="5" algn="l" defTabSz="914400">
@@ -1392,7 +1795,7 @@
             <a:schemeClr val="tx1"/>
           </a:solidFill>
           <a:latin typeface="Calibri" panose="020F0502020204030204"/>
-          <a:ea typeface="宋体" panose="02010600030101010101" pitchFamily="2" charset="-122"/>
+          <a:ea typeface="宋体" pitchFamily="2" charset="-122"/>
         </a:defRPr>
       </a:lvl6pPr>
       <a:lvl7pPr marL="2743200" lvl="6" algn="l" defTabSz="914400">
@@ -1401,7 +1804,7 @@
             <a:schemeClr val="tx1"/>
           </a:solidFill>
           <a:latin typeface="Calibri" panose="020F0502020204030204"/>
-          <a:ea typeface="宋体" panose="02010600030101010101" pitchFamily="2" charset="-122"/>
+          <a:ea typeface="宋体" pitchFamily="2" charset="-122"/>
         </a:defRPr>
       </a:lvl7pPr>
       <a:lvl8pPr marL="3200400" lvl="7" algn="l" defTabSz="914400">
@@ -1410,7 +1813,7 @@
             <a:schemeClr val="tx1"/>
           </a:solidFill>
           <a:latin typeface="Calibri" panose="020F0502020204030204"/>
-          <a:ea typeface="宋体" panose="02010600030101010101" pitchFamily="2" charset="-122"/>
+          <a:ea typeface="宋体" pitchFamily="2" charset="-122"/>
         </a:defRPr>
       </a:lvl8pPr>
       <a:lvl9pPr marL="3657600" lvl="8" algn="l" defTabSz="914400">
@@ -1419,7 +1822,7 @@
             <a:schemeClr val="tx1"/>
           </a:solidFill>
           <a:latin typeface="Calibri" panose="020F0502020204030204"/>
-          <a:ea typeface="宋体" panose="02010600030101010101" pitchFamily="2" charset="-122"/>
+          <a:ea typeface="宋体" pitchFamily="2" charset="-122"/>
         </a:defRPr>
       </a:lvl9pPr>
     </p:otherStyle>
@@ -1481,11 +1884,178 @@
               <a:rPr lang="en-US" altLang="zh-CN" sz="2400" dirty="0">
                 <a:latin typeface="Calibri" panose="020F0502020204030204"/>
               </a:rPr>
-              <a:t>Zhihan Ning</a:t>
+              <a:t>Shihao Hong</a:t>
             </a:r>
             <a:endParaRPr lang="zh-CN" sz="3600" dirty="0">
               <a:latin typeface="Calibri" panose="020F0502020204030204"/>
             </a:endParaRPr>
+          </a:p>
+        </p:txBody>
+      </p:sp>
+    </p:spTree>
+  </p:cSld>
+  <p:clrMapOvr>
+    <a:masterClrMapping/>
+  </p:clrMapOvr>
+</p:sld>
+</file>
+
+<file path=ppt/slides/slide10.xml><?xml version="1.0" encoding="utf-8"?>
+<p:sld xmlns:a="http://schemas.openxmlformats.org/drawingml/2006/main" xmlns:r="http://schemas.openxmlformats.org/officeDocument/2006/relationships" xmlns:p="http://schemas.openxmlformats.org/presentationml/2006/main">
+  <p:cSld>
+    <p:spTree>
+      <p:nvGrpSpPr>
+        <p:cNvPr id="1" name=""/>
+        <p:cNvGrpSpPr/>
+        <p:nvPr/>
+      </p:nvGrpSpPr>
+      <p:grpSpPr>
+        <a:xfrm>
+          <a:off x="0" y="0"/>
+          <a:ext cx="0" cy="0"/>
+          <a:chOff x="0" y="0"/>
+          <a:chExt cx="0" cy="0"/>
+        </a:xfrm>
+      </p:grpSpPr>
+      <p:sp>
+        <p:nvSpPr>
+          <p:cNvPr id="1048583" name="Subtitle 14"/>
+          <p:cNvSpPr>
+            <a:spLocks noGrp="1"/>
+          </p:cNvSpPr>
+          <p:nvPr>
+            <p:ph idx="1"/>
+          </p:nvPr>
+        </p:nvSpPr>
+        <p:spPr/>
+        <p:txBody>
+          <a:bodyPr>
+            <a:normAutofit/>
+          </a:bodyPr>
+          <a:lstStyle/>
+          <a:p>
+            <a:r>
+              <a:rPr lang="zh-TW" sz="2800" b="1"/>
+              <a:t>林天麟 教授</a:t>
+            </a:r>
+            <a:endParaRPr lang="en-US" sz="2800" b="1"/>
+          </a:p>
+          <a:p>
+            <a:r>
+              <a:rPr lang="zh-CN"/>
+              <a:t>香港中文大学（深圳）</a:t>
+            </a:r>
+            <a:endParaRPr lang="en-US"/>
+          </a:p>
+          <a:p>
+            <a:r>
+              <a:rPr lang="zh-CN"/>
+              <a:t>机器人与</a:t>
+            </a:r>
+            <a:r>
+              <a:rPr lang="zh-TW"/>
+              <a:t>人工智能实验室</a:t>
+            </a:r>
+            <a:endParaRPr lang="en-US"/>
+          </a:p>
+          <a:p>
+            <a:r>
+              <a:rPr lang="en-US"/>
+              <a:t>WeChat: tinlunlam</a:t>
+            </a:r>
+            <a:endParaRPr lang="zh-CN"/>
+          </a:p>
+        </p:txBody>
+      </p:sp>
+      <p:sp>
+        <p:nvSpPr>
+          <p:cNvPr id="1048584" name="AutoShape 2"/>
+          <p:cNvSpPr>
+            <a:spLocks noChangeAspect="1" noChangeArrowheads="1"/>
+          </p:cNvSpPr>
+          <p:nvPr/>
+        </p:nvSpPr>
+        <p:spPr>
+          <a:xfrm>
+            <a:off x="155575" y="-144463"/>
+            <a:ext cx="304800" cy="304801"/>
+          </a:xfrm>
+          <a:prstGeom prst="rect">
+            <a:avLst/>
+          </a:prstGeom>
+          <a:noFill/>
+        </p:spPr>
+        <p:txBody>
+          <a:bodyPr vert="horz" wrap="square" lIns="91440" tIns="45720" rIns="91440" bIns="45720" numCol="1" anchor="t" anchorCtr="0"/>
+          <a:lstStyle/>
+          <a:p>
+            <a:endParaRPr lang="en-US"/>
+          </a:p>
+        </p:txBody>
+      </p:sp>
+      <p:pic>
+        <p:nvPicPr>
+          <p:cNvPr id="2097154" name="Picture 4"/>
+          <p:cNvPicPr>
+            <a:picLocks noChangeAspect="1" noChangeArrowheads="1"/>
+          </p:cNvPicPr>
+          <p:nvPr/>
+        </p:nvPicPr>
+        <p:blipFill>
+          <a:blip r:embed="rId1"/>
+          <a:stretch>
+            <a:fillRect/>
+          </a:stretch>
+        </p:blipFill>
+        <p:spPr>
+          <a:xfrm>
+            <a:off x="-1" y="0"/>
+            <a:ext cx="12344399" cy="6858000"/>
+          </a:xfrm>
+          <a:prstGeom prst="rect">
+            <a:avLst/>
+          </a:prstGeom>
+          <a:noFill/>
+        </p:spPr>
+      </p:pic>
+      <p:sp>
+        <p:nvSpPr>
+          <p:cNvPr id="1048585" name="Title 18"/>
+          <p:cNvSpPr>
+            <a:spLocks noGrp="1"/>
+          </p:cNvSpPr>
+          <p:nvPr>
+            <p:ph type="title"/>
+          </p:nvPr>
+        </p:nvSpPr>
+        <p:spPr>
+          <a:xfrm>
+            <a:off x="3552037" y="2894570"/>
+            <a:ext cx="5087926" cy="1783234"/>
+          </a:xfrm>
+        </p:spPr>
+        <p:txBody>
+          <a:bodyPr/>
+          <a:lstStyle/>
+          <a:p>
+            <a:pPr algn="ctr"/>
+            <a:r>
+              <a:rPr lang="en-US" sz="6000"/>
+              <a:t>T</a:t>
+            </a:r>
+            <a:r>
+              <a:rPr lang="en-US" sz="4800"/>
+              <a:t>HANK </a:t>
+            </a:r>
+            <a:r>
+              <a:rPr lang="en-US" sz="6000"/>
+              <a:t>Y</a:t>
+            </a:r>
+            <a:r>
+              <a:rPr lang="en-US" sz="4800"/>
+              <a:t>OU</a:t>
+            </a:r>
+            <a:endParaRPr lang="en-US" sz="4800"/>
           </a:p>
         </p:txBody>
       </p:sp>
@@ -1516,7 +2086,990 @@
       </p:grpSpPr>
       <p:sp>
         <p:nvSpPr>
-          <p:cNvPr id="1048589" name="标题 4"/>
+          <p:cNvPr id="4" name="Rounded Rectangle 3"/>
+          <p:cNvSpPr/>
+          <p:nvPr/>
+        </p:nvSpPr>
+        <p:spPr>
+          <a:xfrm>
+            <a:off x="4871864" y="1700808"/>
+            <a:ext cx="2160240" cy="720080"/>
+          </a:xfrm>
+          <a:prstGeom prst="roundRect">
+            <a:avLst/>
+          </a:prstGeom>
+          <a:noFill/>
+          <a:ln w="25400"/>
+        </p:spPr>
+        <p:style>
+          <a:lnRef idx="2">
+            <a:schemeClr val="accent1">
+              <a:shade val="15000"/>
+            </a:schemeClr>
+          </a:lnRef>
+          <a:fillRef idx="1">
+            <a:schemeClr val="accent1"/>
+          </a:fillRef>
+          <a:effectRef idx="0">
+            <a:schemeClr val="accent1"/>
+          </a:effectRef>
+          <a:fontRef idx="minor">
+            <a:schemeClr val="lt1"/>
+          </a:fontRef>
+        </p:style>
+        <p:txBody>
+          <a:bodyPr rtlCol="0" anchor="ctr"/>
+          <a:lstStyle/>
+          <a:p>
+            <a:pPr algn="ctr"/>
+            <a:endParaRPr lang="en-US" dirty="0"/>
+          </a:p>
+        </p:txBody>
+      </p:sp>
+      <p:sp>
+        <p:nvSpPr>
+          <p:cNvPr id="5" name="TextBox 4"/>
+          <p:cNvSpPr txBox="1"/>
+          <p:nvPr/>
+        </p:nvSpPr>
+        <p:spPr>
+          <a:xfrm>
+            <a:off x="5153268" y="1860793"/>
+            <a:ext cx="1590804" cy="400110"/>
+          </a:xfrm>
+          <a:prstGeom prst="rect">
+            <a:avLst/>
+          </a:prstGeom>
+          <a:noFill/>
+        </p:spPr>
+        <p:txBody>
+          <a:bodyPr wrap="square" rtlCol="0">
+            <a:spAutoFit/>
+          </a:bodyPr>
+          <a:lstStyle/>
+          <a:p>
+            <a:pPr algn="ctr"/>
+            <a:r>
+              <a:rPr lang="en-US" sz="2000" dirty="0"/>
+              <a:t>Class</a:t>
+            </a:r>
+            <a:r>
+              <a:rPr lang="zh-CN" altLang="en-US" sz="2000" dirty="0"/>
+              <a:t> </a:t>
+            </a:r>
+            <a:r>
+              <a:rPr lang="en-US" sz="2000" dirty="0"/>
+              <a:t>Server</a:t>
+            </a:r>
+            <a:endParaRPr lang="en-US" sz="2000" dirty="0"/>
+          </a:p>
+        </p:txBody>
+      </p:sp>
+      <p:sp>
+        <p:nvSpPr>
+          <p:cNvPr id="6" name="Rounded Rectangle 5"/>
+          <p:cNvSpPr/>
+          <p:nvPr/>
+        </p:nvSpPr>
+        <p:spPr>
+          <a:xfrm>
+            <a:off x="4871864" y="3068960"/>
+            <a:ext cx="2160240" cy="720080"/>
+          </a:xfrm>
+          <a:prstGeom prst="roundRect">
+            <a:avLst/>
+          </a:prstGeom>
+          <a:noFill/>
+          <a:ln w="25400"/>
+        </p:spPr>
+        <p:style>
+          <a:lnRef idx="2">
+            <a:schemeClr val="accent1">
+              <a:shade val="15000"/>
+            </a:schemeClr>
+          </a:lnRef>
+          <a:fillRef idx="1">
+            <a:schemeClr val="accent1"/>
+          </a:fillRef>
+          <a:effectRef idx="0">
+            <a:schemeClr val="accent1"/>
+          </a:effectRef>
+          <a:fontRef idx="minor">
+            <a:schemeClr val="lt1"/>
+          </a:fontRef>
+        </p:style>
+        <p:txBody>
+          <a:bodyPr rtlCol="0" anchor="ctr"/>
+          <a:lstStyle/>
+          <a:p>
+            <a:pPr algn="ctr"/>
+            <a:endParaRPr lang="en-US" dirty="0"/>
+          </a:p>
+        </p:txBody>
+      </p:sp>
+      <p:sp>
+        <p:nvSpPr>
+          <p:cNvPr id="7" name="TextBox 6"/>
+          <p:cNvSpPr txBox="1"/>
+          <p:nvPr/>
+        </p:nvSpPr>
+        <p:spPr>
+          <a:xfrm>
+            <a:off x="5274106" y="3228945"/>
+            <a:ext cx="1355756" cy="369332"/>
+          </a:xfrm>
+          <a:prstGeom prst="rect">
+            <a:avLst/>
+          </a:prstGeom>
+          <a:noFill/>
+        </p:spPr>
+        <p:txBody>
+          <a:bodyPr wrap="none" rtlCol="0">
+            <a:spAutoFit/>
+          </a:bodyPr>
+          <a:lstStyle/>
+          <a:p>
+            <a:r>
+              <a:rPr lang="en-US" dirty="0" err="1">
+                <a:solidFill>
+                  <a:srgbClr val="0070C0"/>
+                </a:solidFill>
+                <a:effectLst/>
+              </a:rPr>
+              <a:t>startServer</a:t>
+            </a:r>
+            <a:r>
+              <a:rPr lang="en-US" dirty="0">
+                <a:solidFill>
+                  <a:srgbClr val="0070C0"/>
+                </a:solidFill>
+                <a:effectLst/>
+              </a:rPr>
+              <a:t>()</a:t>
+            </a:r>
+            <a:endParaRPr lang="en-US" dirty="0">
+              <a:solidFill>
+                <a:srgbClr val="0070C0"/>
+              </a:solidFill>
+              <a:effectLst/>
+            </a:endParaRPr>
+          </a:p>
+        </p:txBody>
+      </p:sp>
+      <p:sp>
+        <p:nvSpPr>
+          <p:cNvPr id="11" name="TextBox 10"/>
+          <p:cNvSpPr txBox="1"/>
+          <p:nvPr/>
+        </p:nvSpPr>
+        <p:spPr>
+          <a:xfrm>
+            <a:off x="309952" y="1700808"/>
+            <a:ext cx="3751043" cy="2308324"/>
+          </a:xfrm>
+          <a:prstGeom prst="rect">
+            <a:avLst/>
+          </a:prstGeom>
+          <a:noFill/>
+        </p:spPr>
+        <p:txBody>
+          <a:bodyPr wrap="square" rtlCol="0">
+            <a:spAutoFit/>
+          </a:bodyPr>
+          <a:lstStyle/>
+          <a:p>
+            <a:pPr marL="342900" indent="-342900">
+              <a:buFont typeface="+mj-lt"/>
+              <a:buAutoNum type="arabicPeriod"/>
+            </a:pPr>
+            <a:r>
+              <a:rPr lang="en-US" dirty="0">
+                <a:effectLst/>
+              </a:rPr>
+              <a:t>Set up the </a:t>
+            </a:r>
+            <a:r>
+              <a:rPr lang="en-US" dirty="0" err="1">
+                <a:effectLst/>
+              </a:rPr>
+              <a:t>ServerSocket</a:t>
+            </a:r>
+            <a:r>
+              <a:rPr lang="en-US" dirty="0">
+                <a:effectLst/>
+              </a:rPr>
+              <a:t>.</a:t>
+            </a:r>
+            <a:endParaRPr lang="en-US" dirty="0">
+              <a:effectLst/>
+            </a:endParaRPr>
+          </a:p>
+          <a:p>
+            <a:pPr marL="342900" indent="-342900">
+              <a:buFont typeface="+mj-lt"/>
+              <a:buAutoNum type="arabicPeriod"/>
+            </a:pPr>
+            <a:r>
+              <a:rPr lang="en-US" dirty="0"/>
+              <a:t>Create </a:t>
+            </a:r>
+            <a:r>
+              <a:rPr lang="en-US" dirty="0">
+                <a:solidFill>
+                  <a:srgbClr val="0070C0"/>
+                </a:solidFill>
+              </a:rPr>
+              <a:t>a while loop </a:t>
+            </a:r>
+            <a:r>
+              <a:rPr lang="en-US" dirty="0"/>
+              <a:t>to</a:t>
+            </a:r>
+            <a:endParaRPr lang="en-US" dirty="0"/>
+          </a:p>
+          <a:p>
+            <a:pPr marL="800100" lvl="1" indent="-342900">
+              <a:buFont typeface="+mj-lt"/>
+              <a:buAutoNum type="arabicParenR"/>
+            </a:pPr>
+            <a:r>
+              <a:rPr lang="en-US" dirty="0"/>
+              <a:t>Accept new connection requestion from client. </a:t>
+            </a:r>
+            <a:endParaRPr lang="en-US" dirty="0"/>
+          </a:p>
+          <a:p>
+            <a:pPr marL="800100" lvl="1" indent="-342900">
+              <a:buFont typeface="+mj-lt"/>
+              <a:buAutoNum type="arabicParenR"/>
+            </a:pPr>
+            <a:r>
+              <a:rPr lang="en-US" dirty="0"/>
+              <a:t>Construct a </a:t>
+            </a:r>
+            <a:r>
+              <a:rPr lang="en-US" dirty="0" err="1"/>
+              <a:t>ClientHandler</a:t>
+            </a:r>
+            <a:r>
+              <a:rPr lang="en-US" dirty="0"/>
+              <a:t> for each connected client. </a:t>
+            </a:r>
+            <a:endParaRPr lang="en-US" dirty="0"/>
+          </a:p>
+          <a:p>
+            <a:pPr marL="800100" lvl="1" indent="-342900">
+              <a:buFont typeface="+mj-lt"/>
+              <a:buAutoNum type="arabicParenR"/>
+            </a:pPr>
+            <a:r>
+              <a:rPr lang="en-US" dirty="0">
+                <a:effectLst/>
+              </a:rPr>
+              <a:t>Put the </a:t>
+            </a:r>
+            <a:r>
+              <a:rPr lang="en-US" dirty="0" err="1"/>
+              <a:t>ClientHandler</a:t>
+            </a:r>
+            <a:r>
+              <a:rPr lang="en-US" dirty="0"/>
+              <a:t> into a thread and start the thread</a:t>
+            </a:r>
+            <a:r>
+              <a:rPr lang="en-US" dirty="0">
+                <a:effectLst/>
+              </a:rPr>
+              <a:t> </a:t>
+            </a:r>
+            <a:endParaRPr lang="en-US" dirty="0">
+              <a:effectLst/>
+            </a:endParaRPr>
+          </a:p>
+        </p:txBody>
+      </p:sp>
+      <p:cxnSp>
+        <p:nvCxnSpPr>
+          <p:cNvPr id="14" name="Straight Arrow Connector 13"/>
+          <p:cNvCxnSpPr>
+            <a:stCxn id="4" idx="2"/>
+            <a:endCxn id="6" idx="0"/>
+          </p:cNvCxnSpPr>
+          <p:nvPr/>
+        </p:nvCxnSpPr>
+        <p:spPr>
+          <a:xfrm>
+            <a:off x="5951984" y="2420888"/>
+            <a:ext cx="0" cy="648072"/>
+          </a:xfrm>
+          <a:prstGeom prst="straightConnector1">
+            <a:avLst/>
+          </a:prstGeom>
+          <a:ln w="38100">
+            <a:tailEnd type="triangle"/>
+          </a:ln>
+        </p:spPr>
+        <p:style>
+          <a:lnRef idx="1">
+            <a:schemeClr val="accent1"/>
+          </a:lnRef>
+          <a:fillRef idx="0">
+            <a:schemeClr val="accent1"/>
+          </a:fillRef>
+          <a:effectRef idx="0">
+            <a:schemeClr val="accent1"/>
+          </a:effectRef>
+          <a:fontRef idx="minor">
+            <a:schemeClr val="tx1"/>
+          </a:fontRef>
+        </p:style>
+      </p:cxnSp>
+      <p:sp>
+        <p:nvSpPr>
+          <p:cNvPr id="2" name="Rounded Rectangle 1"/>
+          <p:cNvSpPr/>
+          <p:nvPr/>
+        </p:nvSpPr>
+        <p:spPr>
+          <a:xfrm>
+            <a:off x="1940430" y="5301208"/>
+            <a:ext cx="2160240" cy="720080"/>
+          </a:xfrm>
+          <a:prstGeom prst="roundRect">
+            <a:avLst/>
+          </a:prstGeom>
+          <a:noFill/>
+          <a:ln w="25400"/>
+        </p:spPr>
+        <p:style>
+          <a:lnRef idx="2">
+            <a:schemeClr val="accent1">
+              <a:shade val="15000"/>
+            </a:schemeClr>
+          </a:lnRef>
+          <a:fillRef idx="1">
+            <a:schemeClr val="accent1"/>
+          </a:fillRef>
+          <a:effectRef idx="0">
+            <a:schemeClr val="accent1"/>
+          </a:effectRef>
+          <a:fontRef idx="minor">
+            <a:schemeClr val="lt1"/>
+          </a:fontRef>
+        </p:style>
+        <p:txBody>
+          <a:bodyPr rtlCol="0" anchor="ctr"/>
+          <a:lstStyle/>
+          <a:p>
+            <a:pPr algn="ctr"/>
+            <a:endParaRPr lang="en-US" dirty="0"/>
+          </a:p>
+        </p:txBody>
+      </p:sp>
+      <p:sp>
+        <p:nvSpPr>
+          <p:cNvPr id="3" name="TextBox 2"/>
+          <p:cNvSpPr txBox="1"/>
+          <p:nvPr/>
+        </p:nvSpPr>
+        <p:spPr>
+          <a:xfrm>
+            <a:off x="7248128" y="3105835"/>
+            <a:ext cx="2592288" cy="646331"/>
+          </a:xfrm>
+          <a:prstGeom prst="rect">
+            <a:avLst/>
+          </a:prstGeom>
+          <a:noFill/>
+        </p:spPr>
+        <p:txBody>
+          <a:bodyPr wrap="square" rtlCol="0">
+            <a:spAutoFit/>
+          </a:bodyPr>
+          <a:lstStyle/>
+          <a:p>
+            <a:r>
+              <a:rPr lang="en-US" dirty="0">
+                <a:solidFill>
+                  <a:srgbClr val="A9B7C6"/>
+                </a:solidFill>
+                <a:effectLst/>
+              </a:rPr>
+              <a:t>Socket socket = </a:t>
+            </a:r>
+            <a:endParaRPr lang="en-US" dirty="0">
+              <a:solidFill>
+                <a:srgbClr val="A9B7C6"/>
+              </a:solidFill>
+              <a:effectLst/>
+            </a:endParaRPr>
+          </a:p>
+          <a:p>
+            <a:r>
+              <a:rPr lang="en-US" dirty="0" err="1">
+                <a:solidFill>
+                  <a:srgbClr val="9876AA"/>
+                </a:solidFill>
+                <a:effectLst/>
+              </a:rPr>
+              <a:t>serverSocket</a:t>
+            </a:r>
+            <a:r>
+              <a:rPr lang="en-US" dirty="0" err="1">
+                <a:solidFill>
+                  <a:srgbClr val="A9B7C6"/>
+                </a:solidFill>
+                <a:effectLst/>
+              </a:rPr>
+              <a:t>.accept</a:t>
+            </a:r>
+            <a:r>
+              <a:rPr lang="en-US" dirty="0">
+                <a:solidFill>
+                  <a:srgbClr val="A9B7C6"/>
+                </a:solidFill>
+                <a:effectLst/>
+              </a:rPr>
+              <a:t>()</a:t>
+            </a:r>
+            <a:r>
+              <a:rPr lang="en-US" dirty="0">
+                <a:solidFill>
+                  <a:srgbClr val="CC7832"/>
+                </a:solidFill>
+                <a:effectLst/>
+              </a:rPr>
+              <a:t>;</a:t>
+            </a:r>
+            <a:endParaRPr lang="en-US" dirty="0">
+              <a:solidFill>
+                <a:srgbClr val="A9B7C6"/>
+              </a:solidFill>
+              <a:effectLst/>
+            </a:endParaRPr>
+          </a:p>
+        </p:txBody>
+      </p:sp>
+      <p:sp>
+        <p:nvSpPr>
+          <p:cNvPr id="8" name="Rounded Rectangle 7"/>
+          <p:cNvSpPr/>
+          <p:nvPr/>
+        </p:nvSpPr>
+        <p:spPr>
+          <a:xfrm>
+            <a:off x="4770028" y="5301208"/>
+            <a:ext cx="2363911" cy="720080"/>
+          </a:xfrm>
+          <a:prstGeom prst="roundRect">
+            <a:avLst/>
+          </a:prstGeom>
+          <a:noFill/>
+          <a:ln w="25400"/>
+        </p:spPr>
+        <p:style>
+          <a:lnRef idx="2">
+            <a:schemeClr val="accent1">
+              <a:shade val="15000"/>
+            </a:schemeClr>
+          </a:lnRef>
+          <a:fillRef idx="1">
+            <a:schemeClr val="accent1"/>
+          </a:fillRef>
+          <a:effectRef idx="0">
+            <a:schemeClr val="accent1"/>
+          </a:effectRef>
+          <a:fontRef idx="minor">
+            <a:schemeClr val="lt1"/>
+          </a:fontRef>
+        </p:style>
+        <p:txBody>
+          <a:bodyPr rtlCol="0" anchor="ctr"/>
+          <a:lstStyle/>
+          <a:p>
+            <a:pPr algn="ctr"/>
+            <a:endParaRPr lang="en-US" dirty="0"/>
+          </a:p>
+        </p:txBody>
+      </p:sp>
+      <p:sp>
+        <p:nvSpPr>
+          <p:cNvPr id="9" name="TextBox 8"/>
+          <p:cNvSpPr txBox="1"/>
+          <p:nvPr/>
+        </p:nvSpPr>
+        <p:spPr>
+          <a:xfrm>
+            <a:off x="4888509" y="5476582"/>
+            <a:ext cx="2211311" cy="369332"/>
+          </a:xfrm>
+          <a:prstGeom prst="rect">
+            <a:avLst/>
+          </a:prstGeom>
+          <a:noFill/>
+        </p:spPr>
+        <p:txBody>
+          <a:bodyPr wrap="none" rtlCol="0">
+            <a:spAutoFit/>
+          </a:bodyPr>
+          <a:lstStyle/>
+          <a:p>
+            <a:r>
+              <a:rPr lang="en-US" dirty="0" err="1">
+                <a:solidFill>
+                  <a:srgbClr val="0070C0"/>
+                </a:solidFill>
+              </a:rPr>
+              <a:t>ClientHandler</a:t>
+            </a:r>
+            <a:r>
+              <a:rPr lang="en-US" dirty="0">
+                <a:effectLst/>
+              </a:rPr>
+              <a:t>(socket)</a:t>
+            </a:r>
+            <a:endParaRPr lang="en-US" dirty="0">
+              <a:effectLst/>
+            </a:endParaRPr>
+          </a:p>
+        </p:txBody>
+      </p:sp>
+      <p:sp>
+        <p:nvSpPr>
+          <p:cNvPr id="16" name="Rounded Rectangle 15"/>
+          <p:cNvSpPr/>
+          <p:nvPr/>
+        </p:nvSpPr>
+        <p:spPr>
+          <a:xfrm>
+            <a:off x="7689088" y="5301208"/>
+            <a:ext cx="2363911" cy="720080"/>
+          </a:xfrm>
+          <a:prstGeom prst="roundRect">
+            <a:avLst/>
+          </a:prstGeom>
+          <a:noFill/>
+          <a:ln w="25400"/>
+        </p:spPr>
+        <p:style>
+          <a:lnRef idx="2">
+            <a:schemeClr val="accent1">
+              <a:shade val="15000"/>
+            </a:schemeClr>
+          </a:lnRef>
+          <a:fillRef idx="1">
+            <a:schemeClr val="accent1"/>
+          </a:fillRef>
+          <a:effectRef idx="0">
+            <a:schemeClr val="accent1"/>
+          </a:effectRef>
+          <a:fontRef idx="minor">
+            <a:schemeClr val="lt1"/>
+          </a:fontRef>
+        </p:style>
+        <p:txBody>
+          <a:bodyPr rtlCol="0" anchor="ctr"/>
+          <a:lstStyle/>
+          <a:p>
+            <a:pPr algn="ctr"/>
+            <a:endParaRPr lang="en-US" dirty="0"/>
+          </a:p>
+        </p:txBody>
+      </p:sp>
+      <p:sp>
+        <p:nvSpPr>
+          <p:cNvPr id="17" name="TextBox 16"/>
+          <p:cNvSpPr txBox="1"/>
+          <p:nvPr/>
+        </p:nvSpPr>
+        <p:spPr>
+          <a:xfrm>
+            <a:off x="7807569" y="5476582"/>
+            <a:ext cx="2211311" cy="369332"/>
+          </a:xfrm>
+          <a:prstGeom prst="rect">
+            <a:avLst/>
+          </a:prstGeom>
+          <a:noFill/>
+        </p:spPr>
+        <p:txBody>
+          <a:bodyPr wrap="none" rtlCol="0">
+            <a:spAutoFit/>
+          </a:bodyPr>
+          <a:lstStyle/>
+          <a:p>
+            <a:r>
+              <a:rPr lang="en-US" dirty="0" err="1">
+                <a:solidFill>
+                  <a:srgbClr val="0070C0"/>
+                </a:solidFill>
+              </a:rPr>
+              <a:t>ClientHandler</a:t>
+            </a:r>
+            <a:r>
+              <a:rPr lang="en-US" dirty="0">
+                <a:effectLst/>
+              </a:rPr>
+              <a:t>(socket)</a:t>
+            </a:r>
+            <a:endParaRPr lang="en-US" dirty="0">
+              <a:effectLst/>
+            </a:endParaRPr>
+          </a:p>
+        </p:txBody>
+      </p:sp>
+      <p:cxnSp>
+        <p:nvCxnSpPr>
+          <p:cNvPr id="18" name="Straight Arrow Connector 17"/>
+          <p:cNvCxnSpPr>
+            <a:stCxn id="6" idx="2"/>
+            <a:endCxn id="2" idx="0"/>
+          </p:cNvCxnSpPr>
+          <p:nvPr/>
+        </p:nvCxnSpPr>
+        <p:spPr>
+          <a:xfrm flipH="1">
+            <a:off x="3020550" y="3789040"/>
+            <a:ext cx="2931434" cy="1512168"/>
+          </a:xfrm>
+          <a:prstGeom prst="straightConnector1">
+            <a:avLst/>
+          </a:prstGeom>
+          <a:ln w="12700">
+            <a:prstDash val="lgDash"/>
+            <a:tailEnd type="triangle"/>
+          </a:ln>
+        </p:spPr>
+        <p:style>
+          <a:lnRef idx="1">
+            <a:schemeClr val="accent1"/>
+          </a:lnRef>
+          <a:fillRef idx="0">
+            <a:schemeClr val="accent1"/>
+          </a:fillRef>
+          <a:effectRef idx="0">
+            <a:schemeClr val="accent1"/>
+          </a:effectRef>
+          <a:fontRef idx="minor">
+            <a:schemeClr val="tx1"/>
+          </a:fontRef>
+        </p:style>
+      </p:cxnSp>
+      <p:cxnSp>
+        <p:nvCxnSpPr>
+          <p:cNvPr id="21" name="Straight Arrow Connector 20"/>
+          <p:cNvCxnSpPr>
+            <a:stCxn id="6" idx="2"/>
+            <a:endCxn id="8" idx="0"/>
+          </p:cNvCxnSpPr>
+          <p:nvPr/>
+        </p:nvCxnSpPr>
+        <p:spPr>
+          <a:xfrm>
+            <a:off x="5951984" y="3789040"/>
+            <a:ext cx="0" cy="1512168"/>
+          </a:xfrm>
+          <a:prstGeom prst="straightConnector1">
+            <a:avLst/>
+          </a:prstGeom>
+          <a:ln w="12700">
+            <a:prstDash val="lgDash"/>
+            <a:tailEnd type="triangle"/>
+          </a:ln>
+        </p:spPr>
+        <p:style>
+          <a:lnRef idx="1">
+            <a:schemeClr val="accent1"/>
+          </a:lnRef>
+          <a:fillRef idx="0">
+            <a:schemeClr val="accent1"/>
+          </a:fillRef>
+          <a:effectRef idx="0">
+            <a:schemeClr val="accent1"/>
+          </a:effectRef>
+          <a:fontRef idx="minor">
+            <a:schemeClr val="tx1"/>
+          </a:fontRef>
+        </p:style>
+      </p:cxnSp>
+      <p:cxnSp>
+        <p:nvCxnSpPr>
+          <p:cNvPr id="24" name="Straight Arrow Connector 23"/>
+          <p:cNvCxnSpPr>
+            <a:stCxn id="6" idx="2"/>
+            <a:endCxn id="16" idx="0"/>
+          </p:cNvCxnSpPr>
+          <p:nvPr/>
+        </p:nvCxnSpPr>
+        <p:spPr>
+          <a:xfrm>
+            <a:off x="5951984" y="3789040"/>
+            <a:ext cx="2919060" cy="1512168"/>
+          </a:xfrm>
+          <a:prstGeom prst="straightConnector1">
+            <a:avLst/>
+          </a:prstGeom>
+          <a:ln w="12700">
+            <a:prstDash val="lgDash"/>
+            <a:tailEnd type="triangle"/>
+          </a:ln>
+        </p:spPr>
+        <p:style>
+          <a:lnRef idx="1">
+            <a:schemeClr val="accent1"/>
+          </a:lnRef>
+          <a:fillRef idx="0">
+            <a:schemeClr val="accent1"/>
+          </a:fillRef>
+          <a:effectRef idx="0">
+            <a:schemeClr val="accent1"/>
+          </a:effectRef>
+          <a:fontRef idx="minor">
+            <a:schemeClr val="tx1"/>
+          </a:fontRef>
+        </p:style>
+      </p:cxnSp>
+      <p:sp>
+        <p:nvSpPr>
+          <p:cNvPr id="28" name="TextBox 27"/>
+          <p:cNvSpPr txBox="1"/>
+          <p:nvPr/>
+        </p:nvSpPr>
+        <p:spPr>
+          <a:xfrm>
+            <a:off x="1940430" y="5476582"/>
+            <a:ext cx="2211311" cy="369332"/>
+          </a:xfrm>
+          <a:prstGeom prst="rect">
+            <a:avLst/>
+          </a:prstGeom>
+          <a:noFill/>
+        </p:spPr>
+        <p:txBody>
+          <a:bodyPr wrap="none" rtlCol="0">
+            <a:spAutoFit/>
+          </a:bodyPr>
+          <a:lstStyle/>
+          <a:p>
+            <a:r>
+              <a:rPr lang="en-US" dirty="0" err="1">
+                <a:solidFill>
+                  <a:srgbClr val="0070C0"/>
+                </a:solidFill>
+              </a:rPr>
+              <a:t>ClientHandler</a:t>
+            </a:r>
+            <a:r>
+              <a:rPr lang="en-US" dirty="0">
+                <a:effectLst/>
+              </a:rPr>
+              <a:t>(socket)</a:t>
+            </a:r>
+            <a:endParaRPr lang="en-US" dirty="0">
+              <a:effectLst/>
+            </a:endParaRPr>
+          </a:p>
+        </p:txBody>
+      </p:sp>
+      <p:sp>
+        <p:nvSpPr>
+          <p:cNvPr id="29" name="TextBox 28"/>
+          <p:cNvSpPr txBox="1"/>
+          <p:nvPr/>
+        </p:nvSpPr>
+        <p:spPr>
+          <a:xfrm>
+            <a:off x="1935224" y="4802777"/>
+            <a:ext cx="1263679" cy="369332"/>
+          </a:xfrm>
+          <a:prstGeom prst="rect">
+            <a:avLst/>
+          </a:prstGeom>
+          <a:noFill/>
+        </p:spPr>
+        <p:txBody>
+          <a:bodyPr wrap="none" rtlCol="0">
+            <a:spAutoFit/>
+          </a:bodyPr>
+          <a:lstStyle/>
+          <a:p>
+            <a:r>
+              <a:rPr lang="en-US" dirty="0">
+                <a:solidFill>
+                  <a:srgbClr val="0070C0"/>
+                </a:solidFill>
+              </a:rPr>
+              <a:t>Sub-Thread</a:t>
+            </a:r>
+            <a:endParaRPr lang="en-US" dirty="0">
+              <a:solidFill>
+                <a:srgbClr val="0070C0"/>
+              </a:solidFill>
+              <a:effectLst/>
+            </a:endParaRPr>
+          </a:p>
+        </p:txBody>
+      </p:sp>
+      <p:sp>
+        <p:nvSpPr>
+          <p:cNvPr id="30" name="TextBox 29"/>
+          <p:cNvSpPr txBox="1"/>
+          <p:nvPr/>
+        </p:nvSpPr>
+        <p:spPr>
+          <a:xfrm>
+            <a:off x="4652336" y="4802777"/>
+            <a:ext cx="1263679" cy="369332"/>
+          </a:xfrm>
+          <a:prstGeom prst="rect">
+            <a:avLst/>
+          </a:prstGeom>
+          <a:noFill/>
+        </p:spPr>
+        <p:txBody>
+          <a:bodyPr wrap="none" rtlCol="0">
+            <a:spAutoFit/>
+          </a:bodyPr>
+          <a:lstStyle/>
+          <a:p>
+            <a:r>
+              <a:rPr lang="en-US" dirty="0">
+                <a:solidFill>
+                  <a:srgbClr val="0070C0"/>
+                </a:solidFill>
+              </a:rPr>
+              <a:t>Sub-Thread</a:t>
+            </a:r>
+            <a:endParaRPr lang="en-US" dirty="0">
+              <a:solidFill>
+                <a:srgbClr val="0070C0"/>
+              </a:solidFill>
+              <a:effectLst/>
+            </a:endParaRPr>
+          </a:p>
+        </p:txBody>
+      </p:sp>
+      <p:sp>
+        <p:nvSpPr>
+          <p:cNvPr id="31" name="TextBox 30"/>
+          <p:cNvSpPr txBox="1"/>
+          <p:nvPr/>
+        </p:nvSpPr>
+        <p:spPr>
+          <a:xfrm>
+            <a:off x="8592426" y="4807671"/>
+            <a:ext cx="1263679" cy="369332"/>
+          </a:xfrm>
+          <a:prstGeom prst="rect">
+            <a:avLst/>
+          </a:prstGeom>
+          <a:noFill/>
+        </p:spPr>
+        <p:txBody>
+          <a:bodyPr wrap="none" rtlCol="0">
+            <a:spAutoFit/>
+          </a:bodyPr>
+          <a:lstStyle/>
+          <a:p>
+            <a:r>
+              <a:rPr lang="en-US" dirty="0">
+                <a:solidFill>
+                  <a:srgbClr val="0070C0"/>
+                </a:solidFill>
+              </a:rPr>
+              <a:t>Sub-Thread</a:t>
+            </a:r>
+            <a:endParaRPr lang="en-US" dirty="0">
+              <a:solidFill>
+                <a:srgbClr val="0070C0"/>
+              </a:solidFill>
+              <a:effectLst/>
+            </a:endParaRPr>
+          </a:p>
+        </p:txBody>
+      </p:sp>
+      <p:cxnSp>
+        <p:nvCxnSpPr>
+          <p:cNvPr id="32" name="Curved Connector 31"/>
+          <p:cNvCxnSpPr>
+            <a:stCxn id="6" idx="1"/>
+            <a:endCxn id="6" idx="3"/>
+          </p:cNvCxnSpPr>
+          <p:nvPr/>
+        </p:nvCxnSpPr>
+        <p:spPr>
+          <a:xfrm rot="10800000" flipH="1">
+            <a:off x="4871864" y="3429000"/>
+            <a:ext cx="2160240" cy="12700"/>
+          </a:xfrm>
+          <a:prstGeom prst="curvedConnector5">
+            <a:avLst>
+              <a:gd name="adj1" fmla="val -10582"/>
+              <a:gd name="adj2" fmla="val -5958142"/>
+              <a:gd name="adj3" fmla="val 110582"/>
+            </a:avLst>
+          </a:prstGeom>
+          <a:ln>
+            <a:tailEnd type="triangle"/>
+          </a:ln>
+        </p:spPr>
+        <p:style>
+          <a:lnRef idx="1">
+            <a:schemeClr val="accent1"/>
+          </a:lnRef>
+          <a:fillRef idx="0">
+            <a:schemeClr val="accent1"/>
+          </a:fillRef>
+          <a:effectRef idx="0">
+            <a:schemeClr val="accent1"/>
+          </a:effectRef>
+          <a:fontRef idx="minor">
+            <a:schemeClr val="tx1"/>
+          </a:fontRef>
+        </p:style>
+      </p:cxnSp>
+      <p:sp>
+        <p:nvSpPr>
+          <p:cNvPr id="39" name="TextBox 38"/>
+          <p:cNvSpPr txBox="1"/>
+          <p:nvPr/>
+        </p:nvSpPr>
+        <p:spPr>
+          <a:xfrm>
+            <a:off x="4265826" y="4161092"/>
+            <a:ext cx="3372318" cy="369332"/>
+          </a:xfrm>
+          <a:prstGeom prst="rect">
+            <a:avLst/>
+          </a:prstGeom>
+          <a:noFill/>
+        </p:spPr>
+        <p:txBody>
+          <a:bodyPr wrap="square">
+            <a:spAutoFit/>
+          </a:bodyPr>
+          <a:lstStyle/>
+          <a:p>
+            <a:pPr algn="ctr"/>
+            <a:r>
+              <a:rPr lang="en-US" dirty="0"/>
+              <a:t>while(!</a:t>
+            </a:r>
+            <a:r>
+              <a:rPr lang="en-US" dirty="0" err="1"/>
+              <a:t>serverSocket.isClosed</a:t>
+            </a:r>
+            <a:r>
+              <a:rPr lang="en-US" dirty="0"/>
+              <a:t>())</a:t>
+            </a:r>
+            <a:endParaRPr lang="en-US" dirty="0"/>
+          </a:p>
+        </p:txBody>
+      </p:sp>
+      <p:sp>
+        <p:nvSpPr>
+          <p:cNvPr id="40" name="标题 4"/>
           <p:cNvSpPr>
             <a:spLocks noGrp="1"/>
           </p:cNvSpPr>
@@ -1524,7 +3077,12 @@
             <p:ph type="title"/>
           </p:nvPr>
         </p:nvSpPr>
-        <p:spPr/>
+        <p:spPr>
+          <a:xfrm>
+            <a:off x="724328" y="51841"/>
+            <a:ext cx="7884064" cy="835874"/>
+          </a:xfrm>
+        </p:spPr>
         <p:txBody>
           <a:bodyPr>
             <a:normAutofit/>
@@ -1533,48 +3091,53 @@
           <a:p>
             <a:r>
               <a:rPr lang="en-US" altLang="zh-CN" sz="4000" dirty="0"/>
-              <a:t>Framework of Project #1</a:t>
+              <a:t>Structure of Project: Server</a:t>
             </a:r>
             <a:endParaRPr lang="zh-CN" sz="4000" dirty="0"/>
           </a:p>
         </p:txBody>
       </p:sp>
-      <p:pic>
-        <p:nvPicPr>
-          <p:cNvPr id="18" name="图片 17">
-            <a:extLst>
-              <a:ext uri="{FF2B5EF4-FFF2-40B4-BE49-F238E27FC236}">
-                <a16:creationId xmlns:a16="http://schemas.microsoft.com/office/drawing/2014/main" id="{02412921-588C-7E25-AFA0-6D1F60072313}"/>
-              </a:ext>
-            </a:extLst>
-          </p:cNvPr>
-          <p:cNvPicPr>
-            <a:picLocks noChangeAspect="1"/>
-          </p:cNvPicPr>
-          <p:nvPr/>
-        </p:nvPicPr>
-        <p:blipFill>
-          <a:blip r:embed="rId2"/>
-          <a:stretch>
-            <a:fillRect/>
-          </a:stretch>
-        </p:blipFill>
-        <p:spPr>
-          <a:xfrm>
-            <a:off x="691721" y="1281638"/>
-            <a:ext cx="10804879" cy="5459730"/>
+      <p:sp>
+        <p:nvSpPr>
+          <p:cNvPr id="41" name="TextBox 40"/>
+          <p:cNvSpPr txBox="1"/>
+          <p:nvPr/>
+        </p:nvSpPr>
+        <p:spPr>
+          <a:xfrm>
+            <a:off x="6178931" y="2580873"/>
+            <a:ext cx="1429687" cy="369332"/>
           </a:xfrm>
           <a:prstGeom prst="rect">
             <a:avLst/>
           </a:prstGeom>
-        </p:spPr>
-      </p:pic>
+          <a:noFill/>
+        </p:spPr>
+        <p:txBody>
+          <a:bodyPr wrap="none" rtlCol="0">
+            <a:spAutoFit/>
+          </a:bodyPr>
+          <a:lstStyle/>
+          <a:p>
+            <a:r>
+              <a:rPr lang="en-US" dirty="0">
+                <a:solidFill>
+                  <a:srgbClr val="0070C0"/>
+                </a:solidFill>
+                <a:effectLst/>
+              </a:rPr>
+              <a:t>Main Process</a:t>
+            </a:r>
+            <a:endParaRPr lang="en-US" dirty="0">
+              <a:solidFill>
+                <a:srgbClr val="0070C0"/>
+              </a:solidFill>
+              <a:effectLst/>
+            </a:endParaRPr>
+          </a:p>
+        </p:txBody>
+      </p:sp>
     </p:spTree>
-    <p:extLst>
-      <p:ext uri="{BB962C8B-B14F-4D97-AF65-F5344CB8AC3E}">
-        <p14:creationId xmlns:p14="http://schemas.microsoft.com/office/powerpoint/2010/main" val="2776878083"/>
-      </p:ext>
-    </p:extLst>
   </p:cSld>
   <p:clrMapOvr>
     <a:masterClrMapping/>
@@ -1601,13 +3164,7 @@
       </p:grpSpPr>
       <p:sp>
         <p:nvSpPr>
-          <p:cNvPr id="4" name="Rounded Rectangle 3">
-            <a:extLst>
-              <a:ext uri="{FF2B5EF4-FFF2-40B4-BE49-F238E27FC236}">
-                <a16:creationId xmlns:a16="http://schemas.microsoft.com/office/drawing/2014/main" id="{AAFD7871-9A05-48F1-04E9-E2BB71813CCF}"/>
-              </a:ext>
-            </a:extLst>
-          </p:cNvPr>
+          <p:cNvPr id="4" name="Rounded Rectangle 3"/>
           <p:cNvSpPr/>
           <p:nvPr/>
         </p:nvSpPr>
@@ -1643,19 +3200,13 @@
           <a:lstStyle/>
           <a:p>
             <a:pPr algn="ctr"/>
-            <a:endParaRPr lang="en-CN" dirty="0"/>
-          </a:p>
-        </p:txBody>
-      </p:sp>
-      <p:sp>
-        <p:nvSpPr>
-          <p:cNvPr id="5" name="TextBox 4">
-            <a:extLst>
-              <a:ext uri="{FF2B5EF4-FFF2-40B4-BE49-F238E27FC236}">
-                <a16:creationId xmlns:a16="http://schemas.microsoft.com/office/drawing/2014/main" id="{FA953389-35FA-BD6D-307A-B25AD1926E07}"/>
-              </a:ext>
-            </a:extLst>
-          </p:cNvPr>
+            <a:endParaRPr lang="en-US" dirty="0"/>
+          </a:p>
+        </p:txBody>
+      </p:sp>
+      <p:sp>
+        <p:nvSpPr>
+          <p:cNvPr id="5" name="TextBox 4"/>
           <p:cNvSpPr txBox="1"/>
           <p:nvPr/>
         </p:nvSpPr>
@@ -1677,7 +3228,7 @@
           <a:p>
             <a:pPr algn="ctr"/>
             <a:r>
-              <a:rPr lang="en-CN" sz="2000" dirty="0"/>
+              <a:rPr lang="en-US" sz="2000" dirty="0"/>
               <a:t>Class</a:t>
             </a:r>
             <a:r>
@@ -1685,21 +3236,16 @@
               <a:t> </a:t>
             </a:r>
             <a:r>
-              <a:rPr lang="en-CN" sz="2000" dirty="0"/>
+              <a:rPr lang="en-US" sz="2000" dirty="0"/>
               <a:t>Client</a:t>
             </a:r>
-          </a:p>
-        </p:txBody>
-      </p:sp>
-      <p:sp>
-        <p:nvSpPr>
-          <p:cNvPr id="6" name="Rounded Rectangle 5">
-            <a:extLst>
-              <a:ext uri="{FF2B5EF4-FFF2-40B4-BE49-F238E27FC236}">
-                <a16:creationId xmlns:a16="http://schemas.microsoft.com/office/drawing/2014/main" id="{2835D416-5BA7-F189-4EAC-C002C01E4FB8}"/>
-              </a:ext>
-            </a:extLst>
-          </p:cNvPr>
+            <a:endParaRPr lang="en-US" sz="2000" dirty="0"/>
+          </a:p>
+        </p:txBody>
+      </p:sp>
+      <p:sp>
+        <p:nvSpPr>
+          <p:cNvPr id="6" name="Rounded Rectangle 5"/>
           <p:cNvSpPr/>
           <p:nvPr/>
         </p:nvSpPr>
@@ -1735,19 +3281,13 @@
           <a:lstStyle/>
           <a:p>
             <a:pPr algn="ctr"/>
-            <a:endParaRPr lang="en-CN" dirty="0"/>
-          </a:p>
-        </p:txBody>
-      </p:sp>
-      <p:sp>
-        <p:nvSpPr>
-          <p:cNvPr id="7" name="TextBox 6">
-            <a:extLst>
-              <a:ext uri="{FF2B5EF4-FFF2-40B4-BE49-F238E27FC236}">
-                <a16:creationId xmlns:a16="http://schemas.microsoft.com/office/drawing/2014/main" id="{B7FE5F95-DAFA-E650-2DF8-E6532BBA2C41}"/>
-              </a:ext>
-            </a:extLst>
-          </p:cNvPr>
+            <a:endParaRPr lang="en-US" dirty="0"/>
+          </a:p>
+        </p:txBody>
+      </p:sp>
+      <p:sp>
+        <p:nvSpPr>
+          <p:cNvPr id="7" name="TextBox 6"/>
           <p:cNvSpPr txBox="1"/>
           <p:nvPr/>
         </p:nvSpPr>
@@ -1785,18 +3325,18 @@
               </a:rPr>
               <a:t>()</a:t>
             </a:r>
-          </a:p>
-        </p:txBody>
-      </p:sp>
-      <p:sp>
-        <p:nvSpPr>
-          <p:cNvPr id="9" name="Rounded Rectangle 8">
-            <a:extLst>
-              <a:ext uri="{FF2B5EF4-FFF2-40B4-BE49-F238E27FC236}">
-                <a16:creationId xmlns:a16="http://schemas.microsoft.com/office/drawing/2014/main" id="{804D1C94-36C6-A11F-05DD-89952EA7A710}"/>
-              </a:ext>
-            </a:extLst>
-          </p:cNvPr>
+            <a:endParaRPr lang="en-US" dirty="0">
+              <a:solidFill>
+                <a:srgbClr val="0070C0"/>
+              </a:solidFill>
+              <a:effectLst/>
+            </a:endParaRPr>
+          </a:p>
+        </p:txBody>
+      </p:sp>
+      <p:sp>
+        <p:nvSpPr>
+          <p:cNvPr id="9" name="Rounded Rectangle 8"/>
           <p:cNvSpPr/>
           <p:nvPr/>
         </p:nvSpPr>
@@ -1832,19 +3372,13 @@
           <a:lstStyle/>
           <a:p>
             <a:pPr algn="ctr"/>
-            <a:endParaRPr lang="en-CN" dirty="0"/>
-          </a:p>
-        </p:txBody>
-      </p:sp>
-      <p:sp>
-        <p:nvSpPr>
-          <p:cNvPr id="10" name="TextBox 9">
-            <a:extLst>
-              <a:ext uri="{FF2B5EF4-FFF2-40B4-BE49-F238E27FC236}">
-                <a16:creationId xmlns:a16="http://schemas.microsoft.com/office/drawing/2014/main" id="{B1D8DC1A-2BCA-69A8-94D1-1B42C3771B93}"/>
-              </a:ext>
-            </a:extLst>
-          </p:cNvPr>
+            <a:endParaRPr lang="en-US" dirty="0"/>
+          </a:p>
+        </p:txBody>
+      </p:sp>
+      <p:sp>
+        <p:nvSpPr>
+          <p:cNvPr id="10" name="TextBox 9"/>
           <p:cNvSpPr txBox="1"/>
           <p:nvPr/>
         </p:nvSpPr>
@@ -1882,18 +3416,18 @@
               </a:rPr>
               <a:t>()</a:t>
             </a:r>
-          </a:p>
-        </p:txBody>
-      </p:sp>
-      <p:sp>
-        <p:nvSpPr>
-          <p:cNvPr id="11" name="TextBox 10">
-            <a:extLst>
-              <a:ext uri="{FF2B5EF4-FFF2-40B4-BE49-F238E27FC236}">
-                <a16:creationId xmlns:a16="http://schemas.microsoft.com/office/drawing/2014/main" id="{A539C8CE-A594-7DF5-8C26-8C9BB025A02C}"/>
-              </a:ext>
-            </a:extLst>
-          </p:cNvPr>
+            <a:endParaRPr lang="en-US" dirty="0">
+              <a:solidFill>
+                <a:srgbClr val="0070C0"/>
+              </a:solidFill>
+              <a:effectLst/>
+            </a:endParaRPr>
+          </a:p>
+        </p:txBody>
+      </p:sp>
+      <p:sp>
+        <p:nvSpPr>
+          <p:cNvPr id="11" name="TextBox 10"/>
           <p:cNvSpPr txBox="1"/>
           <p:nvPr/>
         </p:nvSpPr>
@@ -1923,6 +3457,9 @@
               </a:rPr>
               <a:t>Create a new thread.</a:t>
             </a:r>
+            <a:endParaRPr lang="en-US" dirty="0">
+              <a:effectLst/>
+            </a:endParaRPr>
           </a:p>
           <a:p>
             <a:pPr marL="342900" indent="-342900">
@@ -1933,18 +3470,13 @@
               <a:rPr lang="en-US" dirty="0"/>
               <a:t>Listen for the message send from the sever.</a:t>
             </a:r>
-          </a:p>
-        </p:txBody>
-      </p:sp>
-      <p:sp>
-        <p:nvSpPr>
-          <p:cNvPr id="12" name="TextBox 11">
-            <a:extLst>
-              <a:ext uri="{FF2B5EF4-FFF2-40B4-BE49-F238E27FC236}">
-                <a16:creationId xmlns:a16="http://schemas.microsoft.com/office/drawing/2014/main" id="{2986F385-EEF9-A012-7857-C76F3B99BB6C}"/>
-              </a:ext>
-            </a:extLst>
-          </p:cNvPr>
+            <a:endParaRPr lang="en-US" dirty="0"/>
+          </a:p>
+        </p:txBody>
+      </p:sp>
+      <p:sp>
+        <p:nvSpPr>
+          <p:cNvPr id="12" name="TextBox 11"/>
           <p:cNvSpPr txBox="1"/>
           <p:nvPr/>
         </p:nvSpPr>
@@ -1974,6 +3506,9 @@
               </a:rPr>
               <a:t>Send username to the sever.</a:t>
             </a:r>
+            <a:endParaRPr lang="en-US" dirty="0">
+              <a:effectLst/>
+            </a:endParaRPr>
           </a:p>
           <a:p>
             <a:pPr marL="342900" indent="-342900">
@@ -1986,6 +3521,9 @@
               </a:rPr>
               <a:t>Create a while loop until the socket connection ends.</a:t>
             </a:r>
+            <a:endParaRPr lang="en-US" dirty="0">
+              <a:effectLst/>
+            </a:endParaRPr>
           </a:p>
           <a:p>
             <a:pPr marL="342900" indent="-342900">
@@ -2027,18 +3565,15 @@
               </a:rPr>
               <a:t>ead the msg from keyboard and send it to sever.</a:t>
             </a:r>
+            <a:endParaRPr lang="en-US" dirty="0">
+              <a:effectLst/>
+            </a:endParaRPr>
           </a:p>
         </p:txBody>
       </p:sp>
       <p:cxnSp>
         <p:nvCxnSpPr>
-          <p:cNvPr id="14" name="Straight Arrow Connector 13">
-            <a:extLst>
-              <a:ext uri="{FF2B5EF4-FFF2-40B4-BE49-F238E27FC236}">
-                <a16:creationId xmlns:a16="http://schemas.microsoft.com/office/drawing/2014/main" id="{05383269-146C-27AA-6A86-4D3C96BA6F4F}"/>
-              </a:ext>
-            </a:extLst>
-          </p:cNvPr>
+          <p:cNvPr id="14" name="Straight Arrow Connector 13"/>
           <p:cNvCxnSpPr>
             <a:stCxn id="4" idx="2"/>
             <a:endCxn id="6" idx="0"/>
@@ -2075,15 +3610,8 @@
       </p:cxnSp>
       <p:cxnSp>
         <p:nvCxnSpPr>
-          <p:cNvPr id="15" name="Straight Arrow Connector 14">
-            <a:extLst>
-              <a:ext uri="{FF2B5EF4-FFF2-40B4-BE49-F238E27FC236}">
-                <a16:creationId xmlns:a16="http://schemas.microsoft.com/office/drawing/2014/main" id="{7A48D49D-E56C-E1B2-2398-BF80F7B423F0}"/>
-              </a:ext>
-            </a:extLst>
-          </p:cNvPr>
+          <p:cNvPr id="15" name="Straight Arrow Connector 14"/>
           <p:cNvCxnSpPr>
-            <a:cxnSpLocks/>
             <a:stCxn id="18" idx="2"/>
             <a:endCxn id="9" idx="0"/>
           </p:cNvCxnSpPr>
@@ -2118,13 +3646,7 @@
       </p:cxnSp>
       <p:sp>
         <p:nvSpPr>
-          <p:cNvPr id="18" name="Rounded Rectangle 17">
-            <a:extLst>
-              <a:ext uri="{FF2B5EF4-FFF2-40B4-BE49-F238E27FC236}">
-                <a16:creationId xmlns:a16="http://schemas.microsoft.com/office/drawing/2014/main" id="{0AC5D8FD-451E-87FD-371B-6C530C77DA0B}"/>
-              </a:ext>
-            </a:extLst>
-          </p:cNvPr>
+          <p:cNvPr id="18" name="Rounded Rectangle 17"/>
           <p:cNvSpPr/>
           <p:nvPr/>
         </p:nvSpPr>
@@ -2160,19 +3682,13 @@
           <a:lstStyle/>
           <a:p>
             <a:pPr algn="ctr"/>
-            <a:endParaRPr lang="en-CN" dirty="0"/>
-          </a:p>
-        </p:txBody>
-      </p:sp>
-      <p:sp>
-        <p:nvSpPr>
-          <p:cNvPr id="19" name="TextBox 18">
-            <a:extLst>
-              <a:ext uri="{FF2B5EF4-FFF2-40B4-BE49-F238E27FC236}">
-                <a16:creationId xmlns:a16="http://schemas.microsoft.com/office/drawing/2014/main" id="{FAB28349-AC48-C445-0EDB-EE157B42C948}"/>
-              </a:ext>
-            </a:extLst>
-          </p:cNvPr>
+            <a:endParaRPr lang="en-US" dirty="0"/>
+          </a:p>
+        </p:txBody>
+      </p:sp>
+      <p:sp>
+        <p:nvSpPr>
+          <p:cNvPr id="19" name="TextBox 18"/>
           <p:cNvSpPr txBox="1"/>
           <p:nvPr/>
         </p:nvSpPr>
@@ -2201,20 +3717,19 @@
               </a:rPr>
               <a:t>Constructors()</a:t>
             </a:r>
+            <a:endParaRPr lang="en-US" dirty="0">
+              <a:solidFill>
+                <a:srgbClr val="0070C0"/>
+              </a:solidFill>
+              <a:effectLst/>
+            </a:endParaRPr>
           </a:p>
         </p:txBody>
       </p:sp>
       <p:cxnSp>
         <p:nvCxnSpPr>
-          <p:cNvPr id="22" name="Straight Arrow Connector 21">
-            <a:extLst>
-              <a:ext uri="{FF2B5EF4-FFF2-40B4-BE49-F238E27FC236}">
-                <a16:creationId xmlns:a16="http://schemas.microsoft.com/office/drawing/2014/main" id="{0BAB8B99-2871-2438-FFB4-EDFEEB569451}"/>
-              </a:ext>
-            </a:extLst>
-          </p:cNvPr>
+          <p:cNvPr id="22" name="Straight Arrow Connector 21"/>
           <p:cNvCxnSpPr>
-            <a:cxnSpLocks/>
             <a:stCxn id="4" idx="2"/>
             <a:endCxn id="18" idx="0"/>
           </p:cNvCxnSpPr>
@@ -2249,13 +3764,7 @@
       </p:cxnSp>
       <p:sp>
         <p:nvSpPr>
-          <p:cNvPr id="25" name="TextBox 24">
-            <a:extLst>
-              <a:ext uri="{FF2B5EF4-FFF2-40B4-BE49-F238E27FC236}">
-                <a16:creationId xmlns:a16="http://schemas.microsoft.com/office/drawing/2014/main" id="{5DFA72E1-CC49-395B-EA2C-B411F9CB0AD2}"/>
-              </a:ext>
-            </a:extLst>
-          </p:cNvPr>
+          <p:cNvPr id="25" name="TextBox 24"/>
           <p:cNvSpPr txBox="1"/>
           <p:nvPr/>
         </p:nvSpPr>
@@ -2285,6 +3794,9 @@
               </a:rPr>
               <a:t>Set up the Socket.</a:t>
             </a:r>
+            <a:endParaRPr lang="en-US" dirty="0">
+              <a:effectLst/>
+            </a:endParaRPr>
           </a:p>
           <a:p>
             <a:pPr marL="342900" indent="-342900">
@@ -2297,6 +3809,9 @@
               </a:rPr>
               <a:t>Initialize the reader and the writer. </a:t>
             </a:r>
+            <a:endParaRPr lang="en-US" dirty="0">
+              <a:effectLst/>
+            </a:endParaRPr>
           </a:p>
           <a:p>
             <a:pPr marL="342900" indent="-342900">
@@ -2309,18 +3824,15 @@
               </a:rPr>
               <a:t>Record the username.</a:t>
             </a:r>
+            <a:endParaRPr lang="en-US" dirty="0">
+              <a:effectLst/>
+            </a:endParaRPr>
           </a:p>
         </p:txBody>
       </p:sp>
       <p:cxnSp>
         <p:nvCxnSpPr>
-          <p:cNvPr id="32" name="Curved Connector 31">
-            <a:extLst>
-              <a:ext uri="{FF2B5EF4-FFF2-40B4-BE49-F238E27FC236}">
-                <a16:creationId xmlns:a16="http://schemas.microsoft.com/office/drawing/2014/main" id="{FF48F94F-1F8A-221E-8CDA-1D4AF31DD8CE}"/>
-              </a:ext>
-            </a:extLst>
-          </p:cNvPr>
+          <p:cNvPr id="32" name="Curved Connector 31"/>
           <p:cNvCxnSpPr>
             <a:stCxn id="9" idx="1"/>
             <a:endCxn id="9" idx="3"/>
@@ -2360,13 +3872,7 @@
       </p:cxnSp>
       <p:sp>
         <p:nvSpPr>
-          <p:cNvPr id="36" name="TextBox 35">
-            <a:extLst>
-              <a:ext uri="{FF2B5EF4-FFF2-40B4-BE49-F238E27FC236}">
-                <a16:creationId xmlns:a16="http://schemas.microsoft.com/office/drawing/2014/main" id="{52930CBA-CE0A-FB19-B0F9-F3464FCEC665}"/>
-              </a:ext>
-            </a:extLst>
-          </p:cNvPr>
+          <p:cNvPr id="36" name="TextBox 35"/>
           <p:cNvSpPr txBox="1"/>
           <p:nvPr/>
         </p:nvSpPr>
@@ -2394,45 +3900,6 @@
                 <a:effectLst/>
               </a:rPr>
               <a:t>Main Process</a:t>
-            </a:r>
-          </a:p>
-        </p:txBody>
-      </p:sp>
-      <p:sp>
-        <p:nvSpPr>
-          <p:cNvPr id="37" name="TextBox 36">
-            <a:extLst>
-              <a:ext uri="{FF2B5EF4-FFF2-40B4-BE49-F238E27FC236}">
-                <a16:creationId xmlns:a16="http://schemas.microsoft.com/office/drawing/2014/main" id="{76A22F2A-7A43-3B09-BD18-F14D9A6E2610}"/>
-              </a:ext>
-            </a:extLst>
-          </p:cNvPr>
-          <p:cNvSpPr txBox="1"/>
-          <p:nvPr/>
-        </p:nvSpPr>
-        <p:spPr>
-          <a:xfrm>
-            <a:off x="8296406" y="1979548"/>
-            <a:ext cx="1263679" cy="369332"/>
-          </a:xfrm>
-          <a:prstGeom prst="rect">
-            <a:avLst/>
-          </a:prstGeom>
-          <a:noFill/>
-        </p:spPr>
-        <p:txBody>
-          <a:bodyPr wrap="none" rtlCol="0">
-            <a:spAutoFit/>
-          </a:bodyPr>
-          <a:lstStyle/>
-          <a:p>
-            <a:r>
-              <a:rPr lang="en-US" dirty="0">
-                <a:solidFill>
-                  <a:srgbClr val="0070C0"/>
-                </a:solidFill>
-              </a:rPr>
-              <a:t>Sub-Thread</a:t>
             </a:r>
             <a:endParaRPr lang="en-US" dirty="0">
               <a:solidFill>
@@ -2445,13 +3912,46 @@
       </p:sp>
       <p:sp>
         <p:nvSpPr>
-          <p:cNvPr id="40" name="标题 4">
-            <a:extLst>
-              <a:ext uri="{FF2B5EF4-FFF2-40B4-BE49-F238E27FC236}">
-                <a16:creationId xmlns:a16="http://schemas.microsoft.com/office/drawing/2014/main" id="{0A7DF2CC-446C-6A40-0CB6-0CE82216FB57}"/>
-              </a:ext>
-            </a:extLst>
-          </p:cNvPr>
+          <p:cNvPr id="37" name="TextBox 36"/>
+          <p:cNvSpPr txBox="1"/>
+          <p:nvPr/>
+        </p:nvSpPr>
+        <p:spPr>
+          <a:xfrm>
+            <a:off x="8296406" y="1979548"/>
+            <a:ext cx="1263679" cy="369332"/>
+          </a:xfrm>
+          <a:prstGeom prst="rect">
+            <a:avLst/>
+          </a:prstGeom>
+          <a:noFill/>
+        </p:spPr>
+        <p:txBody>
+          <a:bodyPr wrap="none" rtlCol="0">
+            <a:spAutoFit/>
+          </a:bodyPr>
+          <a:lstStyle/>
+          <a:p>
+            <a:r>
+              <a:rPr lang="en-US" dirty="0">
+                <a:solidFill>
+                  <a:srgbClr val="0070C0"/>
+                </a:solidFill>
+              </a:rPr>
+              <a:t>Sub-Thread</a:t>
+            </a:r>
+            <a:endParaRPr lang="en-US" dirty="0">
+              <a:solidFill>
+                <a:srgbClr val="0070C0"/>
+              </a:solidFill>
+              <a:effectLst/>
+            </a:endParaRPr>
+          </a:p>
+        </p:txBody>
+      </p:sp>
+      <p:sp>
+        <p:nvSpPr>
+          <p:cNvPr id="40" name="标题 4"/>
           <p:cNvSpPr>
             <a:spLocks noGrp="1"/>
           </p:cNvSpPr>
@@ -2481,13 +3981,7 @@
       </p:sp>
       <p:sp>
         <p:nvSpPr>
-          <p:cNvPr id="41" name="TextBox 40">
-            <a:extLst>
-              <a:ext uri="{FF2B5EF4-FFF2-40B4-BE49-F238E27FC236}">
-                <a16:creationId xmlns:a16="http://schemas.microsoft.com/office/drawing/2014/main" id="{BE61746D-2F66-3AFE-2E80-0FD72A7D1197}"/>
-              </a:ext>
-            </a:extLst>
-          </p:cNvPr>
+          <p:cNvPr id="41" name="TextBox 40"/>
           <p:cNvSpPr txBox="1"/>
           <p:nvPr/>
         </p:nvSpPr>
@@ -2509,25 +4003,22 @@
           <a:p>
             <a:pPr algn="ctr"/>
             <a:r>
-              <a:rPr lang="en-CN" dirty="0"/>
+              <a:rPr lang="en-US" dirty="0"/>
               <a:t>while(socket.</a:t>
             </a:r>
+            <a:endParaRPr lang="en-US" dirty="0"/>
           </a:p>
           <a:p>
             <a:pPr algn="ctr"/>
             <a:r>
-              <a:rPr lang="en-CN" dirty="0"/>
+              <a:rPr lang="en-US" dirty="0"/>
               <a:t>isConnected())</a:t>
             </a:r>
+            <a:endParaRPr lang="en-US" dirty="0"/>
           </a:p>
         </p:txBody>
       </p:sp>
     </p:spTree>
-    <p:extLst>
-      <p:ext uri="{BB962C8B-B14F-4D97-AF65-F5344CB8AC3E}">
-        <p14:creationId xmlns:p14="http://schemas.microsoft.com/office/powerpoint/2010/main" val="1969484652"/>
-      </p:ext>
-    </p:extLst>
   </p:cSld>
   <p:clrMapOvr>
     <a:masterClrMapping/>
@@ -2554,20 +4045,14 @@
       </p:grpSpPr>
       <p:sp>
         <p:nvSpPr>
-          <p:cNvPr id="4" name="Rounded Rectangle 3">
-            <a:extLst>
-              <a:ext uri="{FF2B5EF4-FFF2-40B4-BE49-F238E27FC236}">
-                <a16:creationId xmlns:a16="http://schemas.microsoft.com/office/drawing/2014/main" id="{AAFD7871-9A05-48F1-04E9-E2BB71813CCF}"/>
-              </a:ext>
-            </a:extLst>
-          </p:cNvPr>
+          <p:cNvPr id="4" name="Rounded Rectangle 3"/>
           <p:cNvSpPr/>
           <p:nvPr/>
         </p:nvSpPr>
         <p:spPr>
           <a:xfrm>
-            <a:off x="4871864" y="1700808"/>
-            <a:ext cx="2160240" cy="720080"/>
+            <a:off x="2138689" y="1052736"/>
+            <a:ext cx="2595602" cy="1008112"/>
           </a:xfrm>
           <a:prstGeom prst="roundRect">
             <a:avLst/>
@@ -2596,26 +4081,20 @@
           <a:lstStyle/>
           <a:p>
             <a:pPr algn="ctr"/>
-            <a:endParaRPr lang="en-CN" dirty="0"/>
-          </a:p>
-        </p:txBody>
-      </p:sp>
-      <p:sp>
-        <p:nvSpPr>
-          <p:cNvPr id="5" name="TextBox 4">
-            <a:extLst>
-              <a:ext uri="{FF2B5EF4-FFF2-40B4-BE49-F238E27FC236}">
-                <a16:creationId xmlns:a16="http://schemas.microsoft.com/office/drawing/2014/main" id="{FA953389-35FA-BD6D-307A-B25AD1926E07}"/>
-              </a:ext>
-            </a:extLst>
-          </p:cNvPr>
+            <a:endParaRPr lang="en-US" dirty="0"/>
+          </a:p>
+        </p:txBody>
+      </p:sp>
+      <p:sp>
+        <p:nvSpPr>
+          <p:cNvPr id="5" name="TextBox 4"/>
           <p:cNvSpPr txBox="1"/>
           <p:nvPr/>
         </p:nvSpPr>
         <p:spPr>
           <a:xfrm>
-            <a:off x="5153268" y="1860793"/>
-            <a:ext cx="1590804" cy="400110"/>
+            <a:off x="2253786" y="1176404"/>
+            <a:ext cx="2480505" cy="707886"/>
           </a:xfrm>
           <a:prstGeom prst="rect">
             <a:avLst/>
@@ -2630,7 +4109,7 @@
           <a:p>
             <a:pPr algn="ctr"/>
             <a:r>
-              <a:rPr lang="en-CN" sz="2000" dirty="0"/>
+              <a:rPr lang="en-US" sz="2000" dirty="0"/>
               <a:t>Class</a:t>
             </a:r>
             <a:r>
@@ -2638,28 +4117,43 @@
               <a:t> </a:t>
             </a:r>
             <a:r>
-              <a:rPr lang="en-CN" sz="2000" dirty="0"/>
-              <a:t>Server</a:t>
-            </a:r>
-          </a:p>
-        </p:txBody>
-      </p:sp>
-      <p:sp>
-        <p:nvSpPr>
-          <p:cNvPr id="6" name="Rounded Rectangle 5">
-            <a:extLst>
-              <a:ext uri="{FF2B5EF4-FFF2-40B4-BE49-F238E27FC236}">
-                <a16:creationId xmlns:a16="http://schemas.microsoft.com/office/drawing/2014/main" id="{2835D416-5BA7-F189-4EAC-C002C01E4FB8}"/>
-              </a:ext>
-            </a:extLst>
-          </p:cNvPr>
+              <a:rPr lang="en-US" sz="2000" dirty="0" err="1"/>
+              <a:t>ClientHandler</a:t>
+            </a:r>
+            <a:r>
+              <a:rPr lang="en-US" sz="2000" dirty="0"/>
+              <a:t> </a:t>
+            </a:r>
+            <a:endParaRPr lang="en-US" sz="2000" dirty="0"/>
+          </a:p>
+          <a:p>
+            <a:pPr algn="ctr"/>
+            <a:r>
+              <a:rPr lang="en-US" sz="2000" dirty="0">
+                <a:solidFill>
+                  <a:srgbClr val="C00000"/>
+                </a:solidFill>
+              </a:rPr>
+              <a:t>implements Runnable</a:t>
+            </a:r>
+            <a:endParaRPr lang="en-US" sz="2000" dirty="0">
+              <a:solidFill>
+                <a:srgbClr val="C00000"/>
+              </a:solidFill>
+            </a:endParaRPr>
+          </a:p>
+        </p:txBody>
+      </p:sp>
+      <p:sp>
+        <p:nvSpPr>
+          <p:cNvPr id="6" name="Rounded Rectangle 5"/>
           <p:cNvSpPr/>
           <p:nvPr/>
         </p:nvSpPr>
         <p:spPr>
           <a:xfrm>
-            <a:off x="4871864" y="3068960"/>
-            <a:ext cx="2160240" cy="720080"/>
+            <a:off x="2138689" y="2832231"/>
+            <a:ext cx="2595602" cy="489674"/>
           </a:xfrm>
           <a:prstGeom prst="roundRect">
             <a:avLst/>
@@ -2688,26 +4182,20 @@
           <a:lstStyle/>
           <a:p>
             <a:pPr algn="ctr"/>
-            <a:endParaRPr lang="en-CN" dirty="0"/>
-          </a:p>
-        </p:txBody>
-      </p:sp>
-      <p:sp>
-        <p:nvSpPr>
-          <p:cNvPr id="7" name="TextBox 6">
-            <a:extLst>
-              <a:ext uri="{FF2B5EF4-FFF2-40B4-BE49-F238E27FC236}">
-                <a16:creationId xmlns:a16="http://schemas.microsoft.com/office/drawing/2014/main" id="{B7FE5F95-DAFA-E650-2DF8-E6532BBA2C41}"/>
-              </a:ext>
-            </a:extLst>
-          </p:cNvPr>
+            <a:endParaRPr lang="en-US" dirty="0"/>
+          </a:p>
+        </p:txBody>
+      </p:sp>
+      <p:sp>
+        <p:nvSpPr>
+          <p:cNvPr id="7" name="TextBox 6"/>
           <p:cNvSpPr txBox="1"/>
           <p:nvPr/>
         </p:nvSpPr>
         <p:spPr>
           <a:xfrm>
-            <a:off x="5274106" y="3228945"/>
-            <a:ext cx="1355756" cy="369332"/>
+            <a:off x="3102289" y="4153459"/>
+            <a:ext cx="649537" cy="369332"/>
           </a:xfrm>
           <a:prstGeom prst="rect">
             <a:avLst/>
@@ -2720,6 +4208,98 @@
           </a:bodyPr>
           <a:lstStyle/>
           <a:p>
+            <a:r>
+              <a:rPr lang="en-US" dirty="0">
+                <a:solidFill>
+                  <a:srgbClr val="0070C0"/>
+                </a:solidFill>
+                <a:effectLst/>
+              </a:rPr>
+              <a:t>run()</a:t>
+            </a:r>
+            <a:endParaRPr lang="en-US" dirty="0">
+              <a:solidFill>
+                <a:srgbClr val="0070C0"/>
+              </a:solidFill>
+              <a:effectLst/>
+            </a:endParaRPr>
+          </a:p>
+        </p:txBody>
+      </p:sp>
+      <p:sp>
+        <p:nvSpPr>
+          <p:cNvPr id="11" name="TextBox 10"/>
+          <p:cNvSpPr txBox="1"/>
+          <p:nvPr/>
+        </p:nvSpPr>
+        <p:spPr>
+          <a:xfrm>
+            <a:off x="5040195" y="3745285"/>
+            <a:ext cx="5588328" cy="1200329"/>
+          </a:xfrm>
+          <a:prstGeom prst="rect">
+            <a:avLst/>
+          </a:prstGeom>
+          <a:noFill/>
+        </p:spPr>
+        <p:txBody>
+          <a:bodyPr wrap="square" rtlCol="0">
+            <a:spAutoFit/>
+          </a:bodyPr>
+          <a:lstStyle/>
+          <a:p>
+            <a:r>
+              <a:rPr lang="en-US" dirty="0">
+                <a:solidFill>
+                  <a:srgbClr val="0070C0"/>
+                </a:solidFill>
+                <a:effectLst/>
+              </a:rPr>
+              <a:t>Inside the while loop:</a:t>
+            </a:r>
+            <a:endParaRPr lang="en-US" dirty="0">
+              <a:solidFill>
+                <a:srgbClr val="0070C0"/>
+              </a:solidFill>
+              <a:effectLst/>
+            </a:endParaRPr>
+          </a:p>
+          <a:p>
+            <a:pPr marL="342900" indent="-342900">
+              <a:buFont typeface="+mj-lt"/>
+              <a:buAutoNum type="arabicPeriod"/>
+            </a:pPr>
+            <a:r>
+              <a:rPr lang="en-US" dirty="0">
+                <a:effectLst/>
+              </a:rPr>
+              <a:t>Read Message from the client</a:t>
+            </a:r>
+            <a:r>
+              <a:rPr lang="en-US" dirty="0"/>
+              <a:t> that is being handled</a:t>
+            </a:r>
+            <a:r>
+              <a:rPr lang="en-US" dirty="0">
+                <a:effectLst/>
+              </a:rPr>
+              <a:t>.</a:t>
+            </a:r>
+            <a:endParaRPr lang="en-US" dirty="0">
+              <a:effectLst/>
+            </a:endParaRPr>
+          </a:p>
+          <a:p>
+            <a:pPr marL="342900" indent="-342900">
+              <a:buFont typeface="+mj-lt"/>
+              <a:buAutoNum type="arabicPeriod"/>
+            </a:pPr>
+            <a:r>
+              <a:rPr lang="en-US" dirty="0">
+                <a:effectLst/>
+              </a:rPr>
+              <a:t>Broadcast the Message to all connected client with </a:t>
+            </a:r>
             <a:r>
               <a:rPr lang="en-US" dirty="0" err="1">
                 <a:solidFill>
@@ -2727,7 +4307,7 @@
                 </a:solidFill>
                 <a:effectLst/>
               </a:rPr>
-              <a:t>startServer</a:t>
+              <a:t>broadcastMessage</a:t>
             </a:r>
             <a:r>
               <a:rPr lang="en-US" dirty="0">
@@ -2736,149 +4316,20 @@
                 </a:solidFill>
                 <a:effectLst/>
               </a:rPr>
-              <a:t>()</a:t>
-            </a:r>
-          </a:p>
-        </p:txBody>
-      </p:sp>
-      <p:sp>
-        <p:nvSpPr>
-          <p:cNvPr id="11" name="TextBox 10">
-            <a:extLst>
-              <a:ext uri="{FF2B5EF4-FFF2-40B4-BE49-F238E27FC236}">
-                <a16:creationId xmlns:a16="http://schemas.microsoft.com/office/drawing/2014/main" id="{A539C8CE-A594-7DF5-8C26-8C9BB025A02C}"/>
-              </a:ext>
-            </a:extLst>
-          </p:cNvPr>
-          <p:cNvSpPr txBox="1"/>
-          <p:nvPr/>
-        </p:nvSpPr>
-        <p:spPr>
-          <a:xfrm>
-            <a:off x="309952" y="1700808"/>
-            <a:ext cx="3751043" cy="2308324"/>
-          </a:xfrm>
-          <a:prstGeom prst="rect">
-            <a:avLst/>
-          </a:prstGeom>
-          <a:noFill/>
-        </p:spPr>
-        <p:txBody>
-          <a:bodyPr wrap="square" rtlCol="0">
-            <a:spAutoFit/>
-          </a:bodyPr>
-          <a:lstStyle/>
-          <a:p>
-            <a:pPr marL="342900" indent="-342900">
-              <a:buFont typeface="+mj-lt"/>
-              <a:buAutoNum type="arabicPeriod"/>
-            </a:pPr>
-            <a:r>
-              <a:rPr lang="en-US" dirty="0">
-                <a:effectLst/>
-              </a:rPr>
-              <a:t>Set up the </a:t>
-            </a:r>
-            <a:r>
-              <a:rPr lang="en-US" dirty="0" err="1">
-                <a:effectLst/>
-              </a:rPr>
-              <a:t>ServerSocket</a:t>
-            </a:r>
-            <a:r>
-              <a:rPr lang="en-US" dirty="0">
-                <a:effectLst/>
-              </a:rPr>
-              <a:t>.</a:t>
-            </a:r>
-          </a:p>
-          <a:p>
-            <a:pPr marL="342900" indent="-342900">
-              <a:buFont typeface="+mj-lt"/>
-              <a:buAutoNum type="arabicPeriod"/>
-            </a:pPr>
-            <a:r>
-              <a:rPr lang="en-US" dirty="0"/>
-              <a:t>Create </a:t>
-            </a:r>
-            <a:r>
-              <a:rPr lang="en-US" dirty="0">
-                <a:solidFill>
-                  <a:srgbClr val="0070C0"/>
-                </a:solidFill>
-              </a:rPr>
-              <a:t>a while loop </a:t>
-            </a:r>
-            <a:r>
-              <a:rPr lang="en-US" dirty="0"/>
-              <a:t>to</a:t>
-            </a:r>
-          </a:p>
-          <a:p>
-            <a:pPr marL="800100" lvl="1" indent="-342900">
-              <a:buFont typeface="+mj-lt"/>
-              <a:buAutoNum type="arabicParenR"/>
-            </a:pPr>
-            <a:r>
-              <a:rPr lang="en-US" dirty="0"/>
-              <a:t>Accept new connection requestion from client. </a:t>
-            </a:r>
-          </a:p>
-          <a:p>
-            <a:pPr marL="800100" lvl="1" indent="-342900">
-              <a:buFont typeface="+mj-lt"/>
-              <a:buAutoNum type="arabicParenR"/>
-            </a:pPr>
-            <a:r>
-              <a:rPr lang="en-US" dirty="0"/>
-              <a:t>Construct a </a:t>
-            </a:r>
-            <a:r>
-              <a:rPr lang="en-US" dirty="0" err="1"/>
-              <a:t>ClientHandler</a:t>
-            </a:r>
-            <a:r>
-              <a:rPr lang="en-US" dirty="0"/>
-              <a:t> for each connected client. </a:t>
-            </a:r>
-          </a:p>
-          <a:p>
-            <a:pPr marL="800100" lvl="1" indent="-342900">
-              <a:buFont typeface="+mj-lt"/>
-              <a:buAutoNum type="arabicParenR"/>
-            </a:pPr>
-            <a:r>
-              <a:rPr lang="en-US" dirty="0">
-                <a:effectLst/>
-              </a:rPr>
-              <a:t>Put the </a:t>
-            </a:r>
-            <a:r>
-              <a:rPr lang="en-US" dirty="0" err="1"/>
-              <a:t>ClientHandler</a:t>
-            </a:r>
-            <a:r>
-              <a:rPr lang="en-US" dirty="0"/>
-              <a:t> into a thread and start the thread</a:t>
-            </a:r>
-            <a:r>
-              <a:rPr lang="en-US" dirty="0">
-                <a:effectLst/>
-              </a:rPr>
-              <a:t> </a:t>
-            </a:r>
+              <a:t>().</a:t>
+            </a:r>
+            <a:endParaRPr lang="en-US" dirty="0">
+              <a:solidFill>
+                <a:srgbClr val="0070C0"/>
+              </a:solidFill>
+              <a:effectLst/>
+            </a:endParaRPr>
           </a:p>
         </p:txBody>
       </p:sp>
       <p:cxnSp>
         <p:nvCxnSpPr>
-          <p:cNvPr id="14" name="Straight Arrow Connector 13">
-            <a:extLst>
-              <a:ext uri="{FF2B5EF4-FFF2-40B4-BE49-F238E27FC236}">
-                <a16:creationId xmlns:a16="http://schemas.microsoft.com/office/drawing/2014/main" id="{05383269-146C-27AA-6A86-4D3C96BA6F4F}"/>
-              </a:ext>
-            </a:extLst>
-          </p:cNvPr>
+          <p:cNvPr id="14" name="Straight Arrow Connector 13"/>
           <p:cNvCxnSpPr>
             <a:stCxn id="4" idx="2"/>
             <a:endCxn id="6" idx="0"/>
@@ -2887,13 +4338,14 @@
         </p:nvCxnSpPr>
         <p:spPr>
           <a:xfrm>
-            <a:off x="5951984" y="2420888"/>
-            <a:ext cx="0" cy="648072"/>
+            <a:off x="3436490" y="2060848"/>
+            <a:ext cx="0" cy="771383"/>
           </a:xfrm>
           <a:prstGeom prst="straightConnector1">
             <a:avLst/>
           </a:prstGeom>
-          <a:ln w="38100">
+          <a:ln w="12700">
+            <a:prstDash val="lgDash"/>
             <a:tailEnd type="triangle"/>
           </a:ln>
         </p:spPr>
@@ -2914,20 +4366,14 @@
       </p:cxnSp>
       <p:sp>
         <p:nvSpPr>
-          <p:cNvPr id="2" name="Rounded Rectangle 1">
-            <a:extLst>
-              <a:ext uri="{FF2B5EF4-FFF2-40B4-BE49-F238E27FC236}">
-                <a16:creationId xmlns:a16="http://schemas.microsoft.com/office/drawing/2014/main" id="{C30A192F-7DE6-BF06-52A0-9391D38730E6}"/>
-              </a:ext>
-            </a:extLst>
-          </p:cNvPr>
+          <p:cNvPr id="16" name="Rounded Rectangle 15"/>
           <p:cNvSpPr/>
           <p:nvPr/>
         </p:nvSpPr>
         <p:spPr>
           <a:xfrm>
-            <a:off x="1940430" y="5301208"/>
-            <a:ext cx="2160240" cy="720080"/>
+            <a:off x="2346938" y="4093288"/>
+            <a:ext cx="2160240" cy="489674"/>
           </a:xfrm>
           <a:prstGeom prst="roundRect">
             <a:avLst/>
@@ -2956,26 +4402,106 @@
           <a:lstStyle/>
           <a:p>
             <a:pPr algn="ctr"/>
-            <a:endParaRPr lang="en-CN" dirty="0"/>
-          </a:p>
-        </p:txBody>
-      </p:sp>
-      <p:sp>
-        <p:nvSpPr>
-          <p:cNvPr id="3" name="TextBox 2">
-            <a:extLst>
-              <a:ext uri="{FF2B5EF4-FFF2-40B4-BE49-F238E27FC236}">
-                <a16:creationId xmlns:a16="http://schemas.microsoft.com/office/drawing/2014/main" id="{6750465B-5C5C-3B7D-757A-3F33E6253BC4}"/>
-              </a:ext>
-            </a:extLst>
-          </p:cNvPr>
+            <a:endParaRPr lang="en-US" dirty="0"/>
+          </a:p>
+        </p:txBody>
+      </p:sp>
+      <p:sp>
+        <p:nvSpPr>
+          <p:cNvPr id="17" name="TextBox 16"/>
           <p:cNvSpPr txBox="1"/>
           <p:nvPr/>
         </p:nvSpPr>
         <p:spPr>
           <a:xfrm>
-            <a:off x="7248128" y="3105835"/>
-            <a:ext cx="2592288" cy="646331"/>
+            <a:off x="2399791" y="5541689"/>
+            <a:ext cx="2074094" cy="369332"/>
+          </a:xfrm>
+          <a:prstGeom prst="rect">
+            <a:avLst/>
+          </a:prstGeom>
+          <a:noFill/>
+        </p:spPr>
+        <p:txBody>
+          <a:bodyPr wrap="none" rtlCol="0">
+            <a:spAutoFit/>
+          </a:bodyPr>
+          <a:lstStyle/>
+          <a:p>
+            <a:r>
+              <a:rPr lang="en-US" dirty="0" err="1">
+                <a:solidFill>
+                  <a:srgbClr val="0070C0"/>
+                </a:solidFill>
+                <a:effectLst/>
+              </a:rPr>
+              <a:t>broadcastMessage</a:t>
+            </a:r>
+            <a:r>
+              <a:rPr lang="en-US" dirty="0">
+                <a:solidFill>
+                  <a:srgbClr val="0070C0"/>
+                </a:solidFill>
+                <a:effectLst/>
+              </a:rPr>
+              <a:t>()</a:t>
+            </a:r>
+            <a:endParaRPr lang="en-US" dirty="0">
+              <a:solidFill>
+                <a:srgbClr val="0070C0"/>
+              </a:solidFill>
+              <a:effectLst/>
+            </a:endParaRPr>
+          </a:p>
+        </p:txBody>
+      </p:sp>
+      <p:cxnSp>
+        <p:nvCxnSpPr>
+          <p:cNvPr id="18" name="Straight Arrow Connector 17"/>
+          <p:cNvCxnSpPr>
+            <a:stCxn id="6" idx="2"/>
+            <a:endCxn id="16" idx="0"/>
+          </p:cNvCxnSpPr>
+          <p:nvPr/>
+        </p:nvCxnSpPr>
+        <p:spPr>
+          <a:xfrm flipH="1">
+            <a:off x="3427058" y="3321905"/>
+            <a:ext cx="9432" cy="771383"/>
+          </a:xfrm>
+          <a:prstGeom prst="straightConnector1">
+            <a:avLst/>
+          </a:prstGeom>
+          <a:ln w="12700">
+            <a:prstDash val="lgDash"/>
+            <a:tailEnd type="triangle"/>
+          </a:ln>
+        </p:spPr>
+        <p:style>
+          <a:lnRef idx="1">
+            <a:schemeClr val="accent1"/>
+          </a:lnRef>
+          <a:fillRef idx="0">
+            <a:schemeClr val="accent1"/>
+          </a:fillRef>
+          <a:effectRef idx="0">
+            <a:schemeClr val="accent1"/>
+          </a:effectRef>
+          <a:fontRef idx="minor">
+            <a:schemeClr val="tx1"/>
+          </a:fontRef>
+        </p:style>
+      </p:cxnSp>
+      <p:sp>
+        <p:nvSpPr>
+          <p:cNvPr id="21" name="TextBox 20"/>
+          <p:cNvSpPr txBox="1"/>
+          <p:nvPr/>
+        </p:nvSpPr>
+        <p:spPr>
+          <a:xfrm>
+            <a:off x="4948414" y="5380672"/>
+            <a:ext cx="6548185" cy="1200329"/>
           </a:xfrm>
           <a:prstGeom prst="rect">
             <a:avLst/>
@@ -2988,78 +4514,109 @@
           </a:bodyPr>
           <a:lstStyle/>
           <a:p>
+            <a:pPr marL="342900" indent="-342900">
+              <a:buFont typeface="+mj-lt"/>
+              <a:buAutoNum type="arabicPeriod"/>
+            </a:pPr>
             <a:r>
               <a:rPr lang="en-US" dirty="0">
+                <a:effectLst/>
+              </a:rPr>
+              <a:t>Create a for loop to scan over all the created </a:t>
+            </a:r>
+            <a:r>
+              <a:rPr lang="en-US" sz="1800" dirty="0" err="1"/>
+              <a:t>ClientHandlers</a:t>
+            </a:r>
+            <a:r>
+              <a:rPr lang="en-US" sz="1800" dirty="0"/>
+              <a:t> recorded in the public </a:t>
+            </a:r>
+            <a:r>
+              <a:rPr lang="en-US" sz="1800" dirty="0" err="1">
                 <a:solidFill>
-                  <a:srgbClr val="A9B7C6"/>
+                  <a:srgbClr val="C00000"/>
                 </a:solidFill>
+              </a:rPr>
+              <a:t>ArrayList</a:t>
+            </a:r>
+            <a:r>
+              <a:rPr lang="en-US" sz="1800" dirty="0">
+                <a:solidFill>
+                  <a:srgbClr val="C00000"/>
+                </a:solidFill>
+              </a:rPr>
+              <a:t>&lt;</a:t>
+            </a:r>
+            <a:r>
+              <a:rPr lang="en-US" sz="1800" dirty="0" err="1">
+                <a:solidFill>
+                  <a:srgbClr val="C00000"/>
+                </a:solidFill>
+              </a:rPr>
+              <a:t>ClientHandler</a:t>
+            </a:r>
+            <a:r>
+              <a:rPr lang="en-US" sz="1800" dirty="0">
+                <a:solidFill>
+                  <a:srgbClr val="C00000"/>
+                </a:solidFill>
+              </a:rPr>
+              <a:t>&gt; </a:t>
+            </a:r>
+            <a:r>
+              <a:rPr lang="en-US" sz="1800" dirty="0" err="1">
+                <a:solidFill>
+                  <a:srgbClr val="C00000"/>
+                </a:solidFill>
+              </a:rPr>
+              <a:t>clientHandlers</a:t>
+            </a:r>
+            <a:r>
+              <a:rPr lang="en-US" dirty="0">
                 <a:effectLst/>
               </a:rPr>
-              <a:t>Socket socket = </a:t>
-            </a:r>
-          </a:p>
-          <a:p>
-            <a:r>
-              <a:rPr lang="en-US" dirty="0" err="1">
-                <a:solidFill>
-                  <a:srgbClr val="9876AA"/>
-                </a:solidFill>
-                <a:effectLst/>
-              </a:rPr>
-              <a:t>serverSocket</a:t>
-            </a:r>
-            <a:r>
-              <a:rPr lang="en-US" dirty="0" err="1">
-                <a:solidFill>
-                  <a:srgbClr val="A9B7C6"/>
-                </a:solidFill>
-                <a:effectLst/>
-              </a:rPr>
-              <a:t>.accept</a:t>
-            </a:r>
-            <a:r>
-              <a:rPr lang="en-US" dirty="0">
-                <a:solidFill>
-                  <a:srgbClr val="A9B7C6"/>
-                </a:solidFill>
-                <a:effectLst/>
-              </a:rPr>
-              <a:t>()</a:t>
-            </a:r>
-            <a:r>
-              <a:rPr lang="en-US" dirty="0">
-                <a:solidFill>
-                  <a:srgbClr val="CC7832"/>
-                </a:solidFill>
-                <a:effectLst/>
-              </a:rPr>
-              <a:t>;</a:t>
+              <a:t>.</a:t>
             </a:r>
             <a:endParaRPr lang="en-US" dirty="0">
-              <a:solidFill>
-                <a:srgbClr val="A9B7C6"/>
-              </a:solidFill>
               <a:effectLst/>
             </a:endParaRPr>
           </a:p>
-        </p:txBody>
-      </p:sp>
-      <p:sp>
-        <p:nvSpPr>
-          <p:cNvPr id="8" name="Rounded Rectangle 7">
-            <a:extLst>
-              <a:ext uri="{FF2B5EF4-FFF2-40B4-BE49-F238E27FC236}">
-                <a16:creationId xmlns:a16="http://schemas.microsoft.com/office/drawing/2014/main" id="{69FAC669-A984-86B8-4186-DAF60C91F4E8}"/>
-              </a:ext>
-            </a:extLst>
-          </p:cNvPr>
+          <a:p>
+            <a:pPr marL="342900" indent="-342900">
+              <a:buFont typeface="+mj-lt"/>
+              <a:buAutoNum type="arabicPeriod"/>
+            </a:pPr>
+            <a:r>
+              <a:rPr lang="en-US" dirty="0">
+                <a:effectLst/>
+              </a:rPr>
+              <a:t>For each </a:t>
+            </a:r>
+            <a:r>
+              <a:rPr lang="en-US" sz="1800" dirty="0" err="1"/>
+              <a:t>ClientHandlers</a:t>
+            </a:r>
+            <a:r>
+              <a:rPr lang="en-US" sz="1800" dirty="0"/>
+              <a:t>, use its writer the write the message to its client.</a:t>
+            </a:r>
+            <a:endParaRPr lang="en-US" dirty="0">
+              <a:effectLst/>
+            </a:endParaRPr>
+          </a:p>
+        </p:txBody>
+      </p:sp>
+      <p:sp>
+        <p:nvSpPr>
+          <p:cNvPr id="25" name="Rounded Rectangle 24"/>
           <p:cNvSpPr/>
           <p:nvPr/>
         </p:nvSpPr>
         <p:spPr>
           <a:xfrm>
-            <a:off x="4770028" y="5301208"/>
-            <a:ext cx="2363911" cy="720080"/>
+            <a:off x="2347621" y="5487351"/>
+            <a:ext cx="2160240" cy="489674"/>
           </a:xfrm>
           <a:prstGeom prst="roundRect">
             <a:avLst/>
@@ -3088,26 +4645,20 @@
           <a:lstStyle/>
           <a:p>
             <a:pPr algn="ctr"/>
-            <a:endParaRPr lang="en-CN" dirty="0"/>
-          </a:p>
-        </p:txBody>
-      </p:sp>
-      <p:sp>
-        <p:nvSpPr>
-          <p:cNvPr id="9" name="TextBox 8">
-            <a:extLst>
-              <a:ext uri="{FF2B5EF4-FFF2-40B4-BE49-F238E27FC236}">
-                <a16:creationId xmlns:a16="http://schemas.microsoft.com/office/drawing/2014/main" id="{215C92AB-3752-751E-7EAE-BFE2DD145581}"/>
-              </a:ext>
-            </a:extLst>
-          </p:cNvPr>
+            <a:endParaRPr lang="en-US" dirty="0"/>
+          </a:p>
+        </p:txBody>
+      </p:sp>
+      <p:sp>
+        <p:nvSpPr>
+          <p:cNvPr id="32" name="TextBox 31"/>
           <p:cNvSpPr txBox="1"/>
           <p:nvPr/>
         </p:nvSpPr>
         <p:spPr>
           <a:xfrm>
-            <a:off x="4888509" y="5476582"/>
-            <a:ext cx="2211311" cy="369332"/>
+            <a:off x="2676891" y="2892402"/>
+            <a:ext cx="1519198" cy="369332"/>
           </a:xfrm>
           <a:prstGeom prst="rect">
             <a:avLst/>
@@ -3121,138 +4672,171 @@
           <a:lstStyle/>
           <a:p>
             <a:r>
-              <a:rPr lang="en-US" dirty="0" err="1">
+              <a:rPr lang="en-US" dirty="0">
                 <a:solidFill>
                   <a:srgbClr val="0070C0"/>
                 </a:solidFill>
-              </a:rPr>
-              <a:t>ClientHandler</a:t>
-            </a:r>
-            <a:r>
-              <a:rPr lang="en-US" dirty="0">
                 <a:effectLst/>
               </a:rPr>
-              <a:t>(socket)</a:t>
-            </a:r>
-          </a:p>
-        </p:txBody>
-      </p:sp>
-      <p:sp>
-        <p:nvSpPr>
-          <p:cNvPr id="16" name="Rounded Rectangle 15">
-            <a:extLst>
-              <a:ext uri="{FF2B5EF4-FFF2-40B4-BE49-F238E27FC236}">
-                <a16:creationId xmlns:a16="http://schemas.microsoft.com/office/drawing/2014/main" id="{FDB85922-76DC-00C2-8873-51597D4DF791}"/>
-              </a:ext>
-            </a:extLst>
-          </p:cNvPr>
-          <p:cNvSpPr/>
-          <p:nvPr/>
-        </p:nvSpPr>
-        <p:spPr>
-          <a:xfrm>
-            <a:off x="7689088" y="5301208"/>
-            <a:ext cx="2363911" cy="720080"/>
-          </a:xfrm>
-          <a:prstGeom prst="roundRect">
+              <a:t>Constructors()</a:t>
+            </a:r>
+            <a:endParaRPr lang="en-US" dirty="0">
+              <a:solidFill>
+                <a:srgbClr val="0070C0"/>
+              </a:solidFill>
+              <a:effectLst/>
+            </a:endParaRPr>
+          </a:p>
+        </p:txBody>
+      </p:sp>
+      <p:sp>
+        <p:nvSpPr>
+          <p:cNvPr id="33" name="TextBox 32"/>
+          <p:cNvSpPr txBox="1"/>
+          <p:nvPr/>
+        </p:nvSpPr>
+        <p:spPr>
+          <a:xfrm>
+            <a:off x="4943872" y="2121576"/>
+            <a:ext cx="5834797" cy="1200329"/>
+          </a:xfrm>
+          <a:prstGeom prst="rect">
             <a:avLst/>
           </a:prstGeom>
           <a:noFill/>
-          <a:ln w="25400"/>
-        </p:spPr>
-        <p:style>
-          <a:lnRef idx="2">
-            <a:schemeClr val="accent1">
-              <a:shade val="15000"/>
-            </a:schemeClr>
-          </a:lnRef>
-          <a:fillRef idx="1">
-            <a:schemeClr val="accent1"/>
-          </a:fillRef>
-          <a:effectRef idx="0">
-            <a:schemeClr val="accent1"/>
-          </a:effectRef>
-          <a:fontRef idx="minor">
-            <a:schemeClr val="lt1"/>
-          </a:fontRef>
-        </p:style>
-        <p:txBody>
-          <a:bodyPr rtlCol="0" anchor="ctr"/>
-          <a:lstStyle/>
-          <a:p>
-            <a:pPr algn="ctr"/>
-            <a:endParaRPr lang="en-CN" dirty="0"/>
-          </a:p>
-        </p:txBody>
-      </p:sp>
-      <p:sp>
-        <p:nvSpPr>
-          <p:cNvPr id="17" name="TextBox 16">
-            <a:extLst>
-              <a:ext uri="{FF2B5EF4-FFF2-40B4-BE49-F238E27FC236}">
-                <a16:creationId xmlns:a16="http://schemas.microsoft.com/office/drawing/2014/main" id="{09208ADA-907C-F2B7-52FE-453934A75034}"/>
-              </a:ext>
-            </a:extLst>
-          </p:cNvPr>
-          <p:cNvSpPr txBox="1"/>
-          <p:nvPr/>
-        </p:nvSpPr>
-        <p:spPr>
-          <a:xfrm>
-            <a:off x="7807569" y="5476582"/>
-            <a:ext cx="2211311" cy="369332"/>
-          </a:xfrm>
-          <a:prstGeom prst="rect">
-            <a:avLst/>
-          </a:prstGeom>
-          <a:noFill/>
-        </p:spPr>
-        <p:txBody>
-          <a:bodyPr wrap="none" rtlCol="0">
+        </p:spPr>
+        <p:txBody>
+          <a:bodyPr wrap="square" rtlCol="0">
             <a:spAutoFit/>
           </a:bodyPr>
           <a:lstStyle/>
           <a:p>
-            <a:r>
-              <a:rPr lang="en-US" dirty="0" err="1">
-                <a:solidFill>
-                  <a:srgbClr val="0070C0"/>
-                </a:solidFill>
-              </a:rPr>
-              <a:t>ClientHandler</a:t>
-            </a:r>
+            <a:pPr marL="342900" indent="-342900">
+              <a:buFont typeface="+mj-lt"/>
+              <a:buAutoNum type="arabicPeriod"/>
+            </a:pPr>
             <a:r>
               <a:rPr lang="en-US" dirty="0">
                 <a:effectLst/>
               </a:rPr>
-              <a:t>(socket)</a:t>
-            </a:r>
+              <a:t>Initialize the reader and the writer. </a:t>
+            </a:r>
+            <a:endParaRPr lang="en-US" dirty="0">
+              <a:effectLst/>
+            </a:endParaRPr>
+          </a:p>
+          <a:p>
+            <a:pPr marL="342900" indent="-342900">
+              <a:buFont typeface="+mj-lt"/>
+              <a:buAutoNum type="arabicPeriod"/>
+            </a:pPr>
+            <a:r>
+              <a:rPr lang="en-US" dirty="0">
+                <a:effectLst/>
+              </a:rPr>
+              <a:t>Add this </a:t>
+            </a:r>
+            <a:r>
+              <a:rPr lang="en-US" sz="1800" dirty="0" err="1"/>
+              <a:t>ClientHandler</a:t>
+            </a:r>
+            <a:r>
+              <a:rPr lang="en-US" sz="1800" dirty="0"/>
+              <a:t> to the public </a:t>
+            </a:r>
+            <a:r>
+              <a:rPr lang="en-US" sz="1800" dirty="0" err="1">
+                <a:solidFill>
+                  <a:srgbClr val="C00000"/>
+                </a:solidFill>
+              </a:rPr>
+              <a:t>ArrayList</a:t>
+            </a:r>
+            <a:r>
+              <a:rPr lang="en-US" sz="1800" dirty="0">
+                <a:solidFill>
+                  <a:srgbClr val="C00000"/>
+                </a:solidFill>
+              </a:rPr>
+              <a:t>&lt;</a:t>
+            </a:r>
+            <a:r>
+              <a:rPr lang="en-US" sz="1800" dirty="0" err="1">
+                <a:solidFill>
+                  <a:srgbClr val="C00000"/>
+                </a:solidFill>
+              </a:rPr>
+              <a:t>ClientHandler</a:t>
+            </a:r>
+            <a:r>
+              <a:rPr lang="en-US" sz="1800" dirty="0">
+                <a:solidFill>
+                  <a:srgbClr val="C00000"/>
+                </a:solidFill>
+              </a:rPr>
+              <a:t>&gt; </a:t>
+            </a:r>
+            <a:r>
+              <a:rPr lang="en-US" sz="1800" dirty="0" err="1">
+                <a:solidFill>
+                  <a:srgbClr val="C00000"/>
+                </a:solidFill>
+              </a:rPr>
+              <a:t>clientHandlers</a:t>
+            </a:r>
+            <a:r>
+              <a:rPr lang="en-US" sz="1800" dirty="0">
+                <a:solidFill>
+                  <a:srgbClr val="C00000"/>
+                </a:solidFill>
+              </a:rPr>
+              <a:t>.</a:t>
+            </a:r>
+            <a:endParaRPr lang="en-US" dirty="0">
+              <a:effectLst/>
+            </a:endParaRPr>
+          </a:p>
+          <a:p>
+            <a:pPr marL="342900" indent="-342900">
+              <a:buFont typeface="+mj-lt"/>
+              <a:buAutoNum type="arabicPeriod"/>
+            </a:pPr>
+            <a:r>
+              <a:rPr lang="en-US" dirty="0">
+                <a:effectLst/>
+              </a:rPr>
+              <a:t>Broadcast the Message to all connected client</a:t>
+            </a:r>
+            <a:r>
+              <a:rPr lang="en-US" dirty="0"/>
+              <a:t> </a:t>
+            </a:r>
+            <a:endParaRPr lang="en-US" dirty="0">
+              <a:effectLst/>
+            </a:endParaRPr>
           </a:p>
         </p:txBody>
       </p:sp>
       <p:cxnSp>
         <p:nvCxnSpPr>
-          <p:cNvPr id="18" name="Straight Arrow Connector 17">
-            <a:extLst>
-              <a:ext uri="{FF2B5EF4-FFF2-40B4-BE49-F238E27FC236}">
-                <a16:creationId xmlns:a16="http://schemas.microsoft.com/office/drawing/2014/main" id="{A6A950C6-C061-79A2-D9BB-8066CBD7CB02}"/>
-              </a:ext>
-            </a:extLst>
-          </p:cNvPr>
+          <p:cNvPr id="34" name="Curved Connector 33"/>
           <p:cNvCxnSpPr>
-            <a:cxnSpLocks/>
-            <a:stCxn id="6" idx="2"/>
-            <a:endCxn id="2" idx="0"/>
+            <a:stCxn id="16" idx="1"/>
+            <a:endCxn id="16" idx="3"/>
           </p:cNvCxnSpPr>
           <p:nvPr/>
         </p:nvCxnSpPr>
         <p:spPr>
-          <a:xfrm flipH="1">
-            <a:off x="3020550" y="3789040"/>
-            <a:ext cx="2931434" cy="1512168"/>
-          </a:xfrm>
-          <a:prstGeom prst="straightConnector1">
-            <a:avLst/>
+          <a:xfrm rot="10800000" flipH="1">
+            <a:off x="2346938" y="4338125"/>
+            <a:ext cx="2160240" cy="12700"/>
+          </a:xfrm>
+          <a:prstGeom prst="curvedConnector5">
+            <a:avLst>
+              <a:gd name="adj1" fmla="val -18367"/>
+              <a:gd name="adj2" fmla="val -19279039"/>
+              <a:gd name="adj3" fmla="val 120313"/>
+            </a:avLst>
           </a:prstGeom>
           <a:ln w="12700">
             <a:prstDash val="lgDash"/>
@@ -3274,337 +4858,16 @@
           </a:fontRef>
         </p:style>
       </p:cxnSp>
-      <p:cxnSp>
-        <p:nvCxnSpPr>
-          <p:cNvPr id="21" name="Straight Arrow Connector 20">
-            <a:extLst>
-              <a:ext uri="{FF2B5EF4-FFF2-40B4-BE49-F238E27FC236}">
-                <a16:creationId xmlns:a16="http://schemas.microsoft.com/office/drawing/2014/main" id="{26CE2D1A-B9E3-C4FE-B680-EEFC50D55C91}"/>
-              </a:ext>
-            </a:extLst>
-          </p:cNvPr>
-          <p:cNvCxnSpPr>
-            <a:cxnSpLocks/>
-            <a:stCxn id="6" idx="2"/>
-            <a:endCxn id="8" idx="0"/>
-          </p:cNvCxnSpPr>
-          <p:nvPr/>
-        </p:nvCxnSpPr>
-        <p:spPr>
-          <a:xfrm>
-            <a:off x="5951984" y="3789040"/>
-            <a:ext cx="0" cy="1512168"/>
-          </a:xfrm>
-          <a:prstGeom prst="straightConnector1">
-            <a:avLst/>
-          </a:prstGeom>
-          <a:ln w="12700">
-            <a:prstDash val="lgDash"/>
-            <a:tailEnd type="triangle"/>
-          </a:ln>
-        </p:spPr>
-        <p:style>
-          <a:lnRef idx="1">
-            <a:schemeClr val="accent1"/>
-          </a:lnRef>
-          <a:fillRef idx="0">
-            <a:schemeClr val="accent1"/>
-          </a:fillRef>
-          <a:effectRef idx="0">
-            <a:schemeClr val="accent1"/>
-          </a:effectRef>
-          <a:fontRef idx="minor">
-            <a:schemeClr val="tx1"/>
-          </a:fontRef>
-        </p:style>
-      </p:cxnSp>
-      <p:cxnSp>
-        <p:nvCxnSpPr>
-          <p:cNvPr id="24" name="Straight Arrow Connector 23">
-            <a:extLst>
-              <a:ext uri="{FF2B5EF4-FFF2-40B4-BE49-F238E27FC236}">
-                <a16:creationId xmlns:a16="http://schemas.microsoft.com/office/drawing/2014/main" id="{C02D9A3F-D2FC-C071-666A-F1FBC0E94C23}"/>
-              </a:ext>
-            </a:extLst>
-          </p:cNvPr>
-          <p:cNvCxnSpPr>
-            <a:cxnSpLocks/>
-            <a:stCxn id="6" idx="2"/>
-            <a:endCxn id="16" idx="0"/>
-          </p:cNvCxnSpPr>
-          <p:nvPr/>
-        </p:nvCxnSpPr>
-        <p:spPr>
-          <a:xfrm>
-            <a:off x="5951984" y="3789040"/>
-            <a:ext cx="2919060" cy="1512168"/>
-          </a:xfrm>
-          <a:prstGeom prst="straightConnector1">
-            <a:avLst/>
-          </a:prstGeom>
-          <a:ln w="12700">
-            <a:prstDash val="lgDash"/>
-            <a:tailEnd type="triangle"/>
-          </a:ln>
-        </p:spPr>
-        <p:style>
-          <a:lnRef idx="1">
-            <a:schemeClr val="accent1"/>
-          </a:lnRef>
-          <a:fillRef idx="0">
-            <a:schemeClr val="accent1"/>
-          </a:fillRef>
-          <a:effectRef idx="0">
-            <a:schemeClr val="accent1"/>
-          </a:effectRef>
-          <a:fontRef idx="minor">
-            <a:schemeClr val="tx1"/>
-          </a:fontRef>
-        </p:style>
-      </p:cxnSp>
-      <p:sp>
-        <p:nvSpPr>
-          <p:cNvPr id="28" name="TextBox 27">
-            <a:extLst>
-              <a:ext uri="{FF2B5EF4-FFF2-40B4-BE49-F238E27FC236}">
-                <a16:creationId xmlns:a16="http://schemas.microsoft.com/office/drawing/2014/main" id="{2E3979BF-905E-A2E8-0B73-D18E34ED5B0B}"/>
-              </a:ext>
-            </a:extLst>
-          </p:cNvPr>
+      <p:sp>
+        <p:nvSpPr>
+          <p:cNvPr id="44" name="TextBox 43"/>
           <p:cNvSpPr txBox="1"/>
           <p:nvPr/>
         </p:nvSpPr>
         <p:spPr>
           <a:xfrm>
-            <a:off x="1940430" y="5476582"/>
-            <a:ext cx="2211311" cy="369332"/>
-          </a:xfrm>
-          <a:prstGeom prst="rect">
-            <a:avLst/>
-          </a:prstGeom>
-          <a:noFill/>
-        </p:spPr>
-        <p:txBody>
-          <a:bodyPr wrap="none" rtlCol="0">
-            <a:spAutoFit/>
-          </a:bodyPr>
-          <a:lstStyle/>
-          <a:p>
-            <a:r>
-              <a:rPr lang="en-US" dirty="0" err="1">
-                <a:solidFill>
-                  <a:srgbClr val="0070C0"/>
-                </a:solidFill>
-              </a:rPr>
-              <a:t>ClientHandler</a:t>
-            </a:r>
-            <a:r>
-              <a:rPr lang="en-US" dirty="0">
-                <a:effectLst/>
-              </a:rPr>
-              <a:t>(socket)</a:t>
-            </a:r>
-          </a:p>
-        </p:txBody>
-      </p:sp>
-      <p:sp>
-        <p:nvSpPr>
-          <p:cNvPr id="29" name="TextBox 28">
-            <a:extLst>
-              <a:ext uri="{FF2B5EF4-FFF2-40B4-BE49-F238E27FC236}">
-                <a16:creationId xmlns:a16="http://schemas.microsoft.com/office/drawing/2014/main" id="{1E419CA6-0BF6-4EDA-108B-42D3B1602561}"/>
-              </a:ext>
-            </a:extLst>
-          </p:cNvPr>
-          <p:cNvSpPr txBox="1"/>
-          <p:nvPr/>
-        </p:nvSpPr>
-        <p:spPr>
-          <a:xfrm>
-            <a:off x="1935224" y="4802777"/>
-            <a:ext cx="1263679" cy="369332"/>
-          </a:xfrm>
-          <a:prstGeom prst="rect">
-            <a:avLst/>
-          </a:prstGeom>
-          <a:noFill/>
-        </p:spPr>
-        <p:txBody>
-          <a:bodyPr wrap="none" rtlCol="0">
-            <a:spAutoFit/>
-          </a:bodyPr>
-          <a:lstStyle/>
-          <a:p>
-            <a:r>
-              <a:rPr lang="en-US" dirty="0">
-                <a:solidFill>
-                  <a:srgbClr val="0070C0"/>
-                </a:solidFill>
-              </a:rPr>
-              <a:t>Sub-Thread</a:t>
-            </a:r>
-            <a:endParaRPr lang="en-US" dirty="0">
-              <a:solidFill>
-                <a:srgbClr val="0070C0"/>
-              </a:solidFill>
-              <a:effectLst/>
-            </a:endParaRPr>
-          </a:p>
-        </p:txBody>
-      </p:sp>
-      <p:sp>
-        <p:nvSpPr>
-          <p:cNvPr id="30" name="TextBox 29">
-            <a:extLst>
-              <a:ext uri="{FF2B5EF4-FFF2-40B4-BE49-F238E27FC236}">
-                <a16:creationId xmlns:a16="http://schemas.microsoft.com/office/drawing/2014/main" id="{413D0EBE-E0EA-71FD-E574-4EBD4820E3C4}"/>
-              </a:ext>
-            </a:extLst>
-          </p:cNvPr>
-          <p:cNvSpPr txBox="1"/>
-          <p:nvPr/>
-        </p:nvSpPr>
-        <p:spPr>
-          <a:xfrm>
-            <a:off x="4652336" y="4802777"/>
-            <a:ext cx="1263679" cy="369332"/>
-          </a:xfrm>
-          <a:prstGeom prst="rect">
-            <a:avLst/>
-          </a:prstGeom>
-          <a:noFill/>
-        </p:spPr>
-        <p:txBody>
-          <a:bodyPr wrap="none" rtlCol="0">
-            <a:spAutoFit/>
-          </a:bodyPr>
-          <a:lstStyle/>
-          <a:p>
-            <a:r>
-              <a:rPr lang="en-US" dirty="0">
-                <a:solidFill>
-                  <a:srgbClr val="0070C0"/>
-                </a:solidFill>
-              </a:rPr>
-              <a:t>Sub-Thread</a:t>
-            </a:r>
-            <a:endParaRPr lang="en-US" dirty="0">
-              <a:solidFill>
-                <a:srgbClr val="0070C0"/>
-              </a:solidFill>
-              <a:effectLst/>
-            </a:endParaRPr>
-          </a:p>
-        </p:txBody>
-      </p:sp>
-      <p:sp>
-        <p:nvSpPr>
-          <p:cNvPr id="31" name="TextBox 30">
-            <a:extLst>
-              <a:ext uri="{FF2B5EF4-FFF2-40B4-BE49-F238E27FC236}">
-                <a16:creationId xmlns:a16="http://schemas.microsoft.com/office/drawing/2014/main" id="{C06AD1D2-2D82-204B-7E36-339C10CF759B}"/>
-              </a:ext>
-            </a:extLst>
-          </p:cNvPr>
-          <p:cNvSpPr txBox="1"/>
-          <p:nvPr/>
-        </p:nvSpPr>
-        <p:spPr>
-          <a:xfrm>
-            <a:off x="8592426" y="4807671"/>
-            <a:ext cx="1263679" cy="369332"/>
-          </a:xfrm>
-          <a:prstGeom prst="rect">
-            <a:avLst/>
-          </a:prstGeom>
-          <a:noFill/>
-        </p:spPr>
-        <p:txBody>
-          <a:bodyPr wrap="none" rtlCol="0">
-            <a:spAutoFit/>
-          </a:bodyPr>
-          <a:lstStyle/>
-          <a:p>
-            <a:r>
-              <a:rPr lang="en-US" dirty="0">
-                <a:solidFill>
-                  <a:srgbClr val="0070C0"/>
-                </a:solidFill>
-              </a:rPr>
-              <a:t>Sub-Thread</a:t>
-            </a:r>
-            <a:endParaRPr lang="en-US" dirty="0">
-              <a:solidFill>
-                <a:srgbClr val="0070C0"/>
-              </a:solidFill>
-              <a:effectLst/>
-            </a:endParaRPr>
-          </a:p>
-        </p:txBody>
-      </p:sp>
-      <p:cxnSp>
-        <p:nvCxnSpPr>
-          <p:cNvPr id="32" name="Curved Connector 31">
-            <a:extLst>
-              <a:ext uri="{FF2B5EF4-FFF2-40B4-BE49-F238E27FC236}">
-                <a16:creationId xmlns:a16="http://schemas.microsoft.com/office/drawing/2014/main" id="{2A979896-0ED8-87E8-99BD-0449C225B014}"/>
-              </a:ext>
-            </a:extLst>
-          </p:cNvPr>
-          <p:cNvCxnSpPr>
-            <a:cxnSpLocks/>
-            <a:stCxn id="6" idx="1"/>
-            <a:endCxn id="6" idx="3"/>
-          </p:cNvCxnSpPr>
-          <p:nvPr/>
-        </p:nvCxnSpPr>
-        <p:spPr>
-          <a:xfrm rot="10800000" flipH="1">
-            <a:off x="4871864" y="3429000"/>
-            <a:ext cx="2160240" cy="12700"/>
-          </a:xfrm>
-          <a:prstGeom prst="curvedConnector5">
-            <a:avLst>
-              <a:gd name="adj1" fmla="val -10582"/>
-              <a:gd name="adj2" fmla="val -5958142"/>
-              <a:gd name="adj3" fmla="val 110582"/>
-            </a:avLst>
-          </a:prstGeom>
-          <a:ln>
-            <a:tailEnd type="triangle"/>
-          </a:ln>
-        </p:spPr>
-        <p:style>
-          <a:lnRef idx="1">
-            <a:schemeClr val="accent1"/>
-          </a:lnRef>
-          <a:fillRef idx="0">
-            <a:schemeClr val="accent1"/>
-          </a:fillRef>
-          <a:effectRef idx="0">
-            <a:schemeClr val="accent1"/>
-          </a:effectRef>
-          <a:fontRef idx="minor">
-            <a:schemeClr val="tx1"/>
-          </a:fontRef>
-        </p:style>
-      </p:cxnSp>
-      <p:sp>
-        <p:nvSpPr>
-          <p:cNvPr id="39" name="TextBox 38">
-            <a:extLst>
-              <a:ext uri="{FF2B5EF4-FFF2-40B4-BE49-F238E27FC236}">
-                <a16:creationId xmlns:a16="http://schemas.microsoft.com/office/drawing/2014/main" id="{BE71B79A-345F-E07C-0EDD-D63EE571DDE0}"/>
-              </a:ext>
-            </a:extLst>
-          </p:cNvPr>
-          <p:cNvSpPr txBox="1"/>
-          <p:nvPr/>
-        </p:nvSpPr>
-        <p:spPr>
-          <a:xfrm>
-            <a:off x="4265826" y="4161092"/>
-            <a:ext cx="3372318" cy="369332"/>
+            <a:off x="2108480" y="4767628"/>
+            <a:ext cx="3048000" cy="369332"/>
           </a:xfrm>
           <a:prstGeom prst="rect">
             <a:avLst/>
@@ -3617,32 +4880,17 @@
           </a:bodyPr>
           <a:lstStyle/>
           <a:p>
-            <a:pPr algn="ctr"/>
             <a:r>
               <a:rPr lang="en-US" dirty="0"/>
-              <a:t>while(!</a:t>
-            </a:r>
-            <a:r>
-              <a:rPr lang="en-US" dirty="0" err="1"/>
-              <a:t>serverSocket.isClosed</a:t>
-            </a:r>
-            <a:r>
-              <a:rPr lang="en-US" dirty="0"/>
-              <a:t>())</a:t>
-            </a:r>
-            <a:endParaRPr lang="en-CN" dirty="0"/>
-          </a:p>
-        </p:txBody>
-      </p:sp>
-      <p:sp>
-        <p:nvSpPr>
-          <p:cNvPr id="40" name="标题 4">
-            <a:extLst>
-              <a:ext uri="{FF2B5EF4-FFF2-40B4-BE49-F238E27FC236}">
-                <a16:creationId xmlns:a16="http://schemas.microsoft.com/office/drawing/2014/main" id="{B696CFDD-7DC1-6B6F-A26F-3848702B9A1E}"/>
-              </a:ext>
-            </a:extLst>
-          </p:cNvPr>
+              <a:t>while(socket.isConnected())</a:t>
+            </a:r>
+            <a:endParaRPr lang="en-US" dirty="0"/>
+          </a:p>
+        </p:txBody>
+      </p:sp>
+      <p:sp>
+        <p:nvSpPr>
+          <p:cNvPr id="47" name="标题 4"/>
           <p:cNvSpPr>
             <a:spLocks noGrp="1"/>
           </p:cNvSpPr>
@@ -3652,8 +4900,8 @@
         </p:nvSpPr>
         <p:spPr>
           <a:xfrm>
-            <a:off x="724328" y="51841"/>
-            <a:ext cx="7884064" cy="835874"/>
+            <a:off x="56562" y="57066"/>
+            <a:ext cx="9048623" cy="835874"/>
           </a:xfrm>
         </p:spPr>
         <p:txBody>
@@ -3664,58 +4912,17 @@
           <a:p>
             <a:r>
               <a:rPr lang="en-US" altLang="zh-CN" sz="4000" dirty="0"/>
-              <a:t>Structure of Project: Server</a:t>
+              <a:t>Structure of Project: </a:t>
+            </a:r>
+            <a:r>
+              <a:rPr lang="en-US" altLang="zh-CN" sz="4000" dirty="0" err="1"/>
+              <a:t>ClientHandler</a:t>
             </a:r>
             <a:endParaRPr lang="zh-CN" sz="4000" dirty="0"/>
           </a:p>
         </p:txBody>
       </p:sp>
-      <p:sp>
-        <p:nvSpPr>
-          <p:cNvPr id="41" name="TextBox 40">
-            <a:extLst>
-              <a:ext uri="{FF2B5EF4-FFF2-40B4-BE49-F238E27FC236}">
-                <a16:creationId xmlns:a16="http://schemas.microsoft.com/office/drawing/2014/main" id="{8FA93FED-B10F-F9C4-1436-5F70DFBAF398}"/>
-              </a:ext>
-            </a:extLst>
-          </p:cNvPr>
-          <p:cNvSpPr txBox="1"/>
-          <p:nvPr/>
-        </p:nvSpPr>
-        <p:spPr>
-          <a:xfrm>
-            <a:off x="6178931" y="2580873"/>
-            <a:ext cx="1429687" cy="369332"/>
-          </a:xfrm>
-          <a:prstGeom prst="rect">
-            <a:avLst/>
-          </a:prstGeom>
-          <a:noFill/>
-        </p:spPr>
-        <p:txBody>
-          <a:bodyPr wrap="none" rtlCol="0">
-            <a:spAutoFit/>
-          </a:bodyPr>
-          <a:lstStyle/>
-          <a:p>
-            <a:r>
-              <a:rPr lang="en-US" dirty="0">
-                <a:solidFill>
-                  <a:srgbClr val="0070C0"/>
-                </a:solidFill>
-                <a:effectLst/>
-              </a:rPr>
-              <a:t>Main Process</a:t>
-            </a:r>
-          </a:p>
-        </p:txBody>
-      </p:sp>
     </p:spTree>
-    <p:extLst>
-      <p:ext uri="{BB962C8B-B14F-4D97-AF65-F5344CB8AC3E}">
-        <p14:creationId xmlns:p14="http://schemas.microsoft.com/office/powerpoint/2010/main" val="4074007879"/>
-      </p:ext>
-    </p:extLst>
   </p:cSld>
   <p:clrMapOvr>
     <a:masterClrMapping/>
@@ -3742,910 +4949,7 @@
       </p:grpSpPr>
       <p:sp>
         <p:nvSpPr>
-          <p:cNvPr id="4" name="Rounded Rectangle 3">
-            <a:extLst>
-              <a:ext uri="{FF2B5EF4-FFF2-40B4-BE49-F238E27FC236}">
-                <a16:creationId xmlns:a16="http://schemas.microsoft.com/office/drawing/2014/main" id="{AAFD7871-9A05-48F1-04E9-E2BB71813CCF}"/>
-              </a:ext>
-            </a:extLst>
-          </p:cNvPr>
-          <p:cNvSpPr/>
-          <p:nvPr/>
-        </p:nvSpPr>
-        <p:spPr>
-          <a:xfrm>
-            <a:off x="2138689" y="1052736"/>
-            <a:ext cx="2595602" cy="1008112"/>
-          </a:xfrm>
-          <a:prstGeom prst="roundRect">
-            <a:avLst/>
-          </a:prstGeom>
-          <a:noFill/>
-          <a:ln w="25400"/>
-        </p:spPr>
-        <p:style>
-          <a:lnRef idx="2">
-            <a:schemeClr val="accent1">
-              <a:shade val="15000"/>
-            </a:schemeClr>
-          </a:lnRef>
-          <a:fillRef idx="1">
-            <a:schemeClr val="accent1"/>
-          </a:fillRef>
-          <a:effectRef idx="0">
-            <a:schemeClr val="accent1"/>
-          </a:effectRef>
-          <a:fontRef idx="minor">
-            <a:schemeClr val="lt1"/>
-          </a:fontRef>
-        </p:style>
-        <p:txBody>
-          <a:bodyPr rtlCol="0" anchor="ctr"/>
-          <a:lstStyle/>
-          <a:p>
-            <a:pPr algn="ctr"/>
-            <a:endParaRPr lang="en-CN" dirty="0"/>
-          </a:p>
-        </p:txBody>
-      </p:sp>
-      <p:sp>
-        <p:nvSpPr>
-          <p:cNvPr id="5" name="TextBox 4">
-            <a:extLst>
-              <a:ext uri="{FF2B5EF4-FFF2-40B4-BE49-F238E27FC236}">
-                <a16:creationId xmlns:a16="http://schemas.microsoft.com/office/drawing/2014/main" id="{FA953389-35FA-BD6D-307A-B25AD1926E07}"/>
-              </a:ext>
-            </a:extLst>
-          </p:cNvPr>
-          <p:cNvSpPr txBox="1"/>
-          <p:nvPr/>
-        </p:nvSpPr>
-        <p:spPr>
-          <a:xfrm>
-            <a:off x="2253786" y="1176404"/>
-            <a:ext cx="2480505" cy="707886"/>
-          </a:xfrm>
-          <a:prstGeom prst="rect">
-            <a:avLst/>
-          </a:prstGeom>
-          <a:noFill/>
-        </p:spPr>
-        <p:txBody>
-          <a:bodyPr wrap="square" rtlCol="0">
-            <a:spAutoFit/>
-          </a:bodyPr>
-          <a:lstStyle/>
-          <a:p>
-            <a:pPr algn="ctr"/>
-            <a:r>
-              <a:rPr lang="en-CN" sz="2000" dirty="0"/>
-              <a:t>Class</a:t>
-            </a:r>
-            <a:r>
-              <a:rPr lang="zh-CN" altLang="en-US" sz="2000" dirty="0"/>
-              <a:t> </a:t>
-            </a:r>
-            <a:r>
-              <a:rPr lang="en-US" sz="2000" dirty="0" err="1"/>
-              <a:t>ClientHandler</a:t>
-            </a:r>
-            <a:r>
-              <a:rPr lang="en-US" sz="2000" dirty="0"/>
-              <a:t> </a:t>
-            </a:r>
-          </a:p>
-          <a:p>
-            <a:pPr algn="ctr"/>
-            <a:r>
-              <a:rPr lang="en-US" sz="2000" dirty="0">
-                <a:solidFill>
-                  <a:srgbClr val="C00000"/>
-                </a:solidFill>
-              </a:rPr>
-              <a:t>implements Runnable</a:t>
-            </a:r>
-            <a:endParaRPr lang="en-CN" sz="2000" dirty="0">
-              <a:solidFill>
-                <a:srgbClr val="C00000"/>
-              </a:solidFill>
-            </a:endParaRPr>
-          </a:p>
-        </p:txBody>
-      </p:sp>
-      <p:sp>
-        <p:nvSpPr>
-          <p:cNvPr id="6" name="Rounded Rectangle 5">
-            <a:extLst>
-              <a:ext uri="{FF2B5EF4-FFF2-40B4-BE49-F238E27FC236}">
-                <a16:creationId xmlns:a16="http://schemas.microsoft.com/office/drawing/2014/main" id="{2835D416-5BA7-F189-4EAC-C002C01E4FB8}"/>
-              </a:ext>
-            </a:extLst>
-          </p:cNvPr>
-          <p:cNvSpPr/>
-          <p:nvPr/>
-        </p:nvSpPr>
-        <p:spPr>
-          <a:xfrm>
-            <a:off x="2138689" y="2832231"/>
-            <a:ext cx="2595602" cy="489674"/>
-          </a:xfrm>
-          <a:prstGeom prst="roundRect">
-            <a:avLst/>
-          </a:prstGeom>
-          <a:noFill/>
-          <a:ln w="25400"/>
-        </p:spPr>
-        <p:style>
-          <a:lnRef idx="2">
-            <a:schemeClr val="accent1">
-              <a:shade val="15000"/>
-            </a:schemeClr>
-          </a:lnRef>
-          <a:fillRef idx="1">
-            <a:schemeClr val="accent1"/>
-          </a:fillRef>
-          <a:effectRef idx="0">
-            <a:schemeClr val="accent1"/>
-          </a:effectRef>
-          <a:fontRef idx="minor">
-            <a:schemeClr val="lt1"/>
-          </a:fontRef>
-        </p:style>
-        <p:txBody>
-          <a:bodyPr rtlCol="0" anchor="ctr"/>
-          <a:lstStyle/>
-          <a:p>
-            <a:pPr algn="ctr"/>
-            <a:endParaRPr lang="en-CN" dirty="0"/>
-          </a:p>
-        </p:txBody>
-      </p:sp>
-      <p:sp>
-        <p:nvSpPr>
-          <p:cNvPr id="7" name="TextBox 6">
-            <a:extLst>
-              <a:ext uri="{FF2B5EF4-FFF2-40B4-BE49-F238E27FC236}">
-                <a16:creationId xmlns:a16="http://schemas.microsoft.com/office/drawing/2014/main" id="{B7FE5F95-DAFA-E650-2DF8-E6532BBA2C41}"/>
-              </a:ext>
-            </a:extLst>
-          </p:cNvPr>
-          <p:cNvSpPr txBox="1"/>
-          <p:nvPr/>
-        </p:nvSpPr>
-        <p:spPr>
-          <a:xfrm>
-            <a:off x="3102289" y="4153459"/>
-            <a:ext cx="649537" cy="369332"/>
-          </a:xfrm>
-          <a:prstGeom prst="rect">
-            <a:avLst/>
-          </a:prstGeom>
-          <a:noFill/>
-        </p:spPr>
-        <p:txBody>
-          <a:bodyPr wrap="none" rtlCol="0">
-            <a:spAutoFit/>
-          </a:bodyPr>
-          <a:lstStyle/>
-          <a:p>
-            <a:r>
-              <a:rPr lang="en-US" dirty="0">
-                <a:solidFill>
-                  <a:srgbClr val="0070C0"/>
-                </a:solidFill>
-                <a:effectLst/>
-              </a:rPr>
-              <a:t>run()</a:t>
-            </a:r>
-          </a:p>
-        </p:txBody>
-      </p:sp>
-      <p:sp>
-        <p:nvSpPr>
-          <p:cNvPr id="11" name="TextBox 10">
-            <a:extLst>
-              <a:ext uri="{FF2B5EF4-FFF2-40B4-BE49-F238E27FC236}">
-                <a16:creationId xmlns:a16="http://schemas.microsoft.com/office/drawing/2014/main" id="{A539C8CE-A594-7DF5-8C26-8C9BB025A02C}"/>
-              </a:ext>
-            </a:extLst>
-          </p:cNvPr>
-          <p:cNvSpPr txBox="1"/>
-          <p:nvPr/>
-        </p:nvSpPr>
-        <p:spPr>
-          <a:xfrm>
-            <a:off x="5040195" y="3745285"/>
-            <a:ext cx="5588328" cy="1200329"/>
-          </a:xfrm>
-          <a:prstGeom prst="rect">
-            <a:avLst/>
-          </a:prstGeom>
-          <a:noFill/>
-        </p:spPr>
-        <p:txBody>
-          <a:bodyPr wrap="square" rtlCol="0">
-            <a:spAutoFit/>
-          </a:bodyPr>
-          <a:lstStyle/>
-          <a:p>
-            <a:r>
-              <a:rPr lang="en-US" dirty="0">
-                <a:solidFill>
-                  <a:srgbClr val="0070C0"/>
-                </a:solidFill>
-                <a:effectLst/>
-              </a:rPr>
-              <a:t>Inside the while loop:</a:t>
-            </a:r>
-          </a:p>
-          <a:p>
-            <a:pPr marL="342900" indent="-342900">
-              <a:buFont typeface="+mj-lt"/>
-              <a:buAutoNum type="arabicPeriod"/>
-            </a:pPr>
-            <a:r>
-              <a:rPr lang="en-US" dirty="0">
-                <a:effectLst/>
-              </a:rPr>
-              <a:t>Read Message from the client</a:t>
-            </a:r>
-            <a:r>
-              <a:rPr lang="en-US" dirty="0"/>
-              <a:t> that is being handled</a:t>
-            </a:r>
-            <a:r>
-              <a:rPr lang="en-US" dirty="0">
-                <a:effectLst/>
-              </a:rPr>
-              <a:t>.</a:t>
-            </a:r>
-          </a:p>
-          <a:p>
-            <a:pPr marL="342900" indent="-342900">
-              <a:buFont typeface="+mj-lt"/>
-              <a:buAutoNum type="arabicPeriod"/>
-            </a:pPr>
-            <a:r>
-              <a:rPr lang="en-US" dirty="0">
-                <a:effectLst/>
-              </a:rPr>
-              <a:t>Broadcast the Message to all connected client with </a:t>
-            </a:r>
-            <a:r>
-              <a:rPr lang="en-US" dirty="0" err="1">
-                <a:solidFill>
-                  <a:srgbClr val="0070C0"/>
-                </a:solidFill>
-                <a:effectLst/>
-              </a:rPr>
-              <a:t>broadcastMessage</a:t>
-            </a:r>
-            <a:r>
-              <a:rPr lang="en-US" dirty="0">
-                <a:solidFill>
-                  <a:srgbClr val="0070C0"/>
-                </a:solidFill>
-                <a:effectLst/>
-              </a:rPr>
-              <a:t>().</a:t>
-            </a:r>
-          </a:p>
-        </p:txBody>
-      </p:sp>
-      <p:cxnSp>
-        <p:nvCxnSpPr>
-          <p:cNvPr id="14" name="Straight Arrow Connector 13">
-            <a:extLst>
-              <a:ext uri="{FF2B5EF4-FFF2-40B4-BE49-F238E27FC236}">
-                <a16:creationId xmlns:a16="http://schemas.microsoft.com/office/drawing/2014/main" id="{05383269-146C-27AA-6A86-4D3C96BA6F4F}"/>
-              </a:ext>
-            </a:extLst>
-          </p:cNvPr>
-          <p:cNvCxnSpPr>
-            <a:cxnSpLocks/>
-            <a:stCxn id="4" idx="2"/>
-            <a:endCxn id="6" idx="0"/>
-          </p:cNvCxnSpPr>
-          <p:nvPr/>
-        </p:nvCxnSpPr>
-        <p:spPr>
-          <a:xfrm>
-            <a:off x="3436490" y="2060848"/>
-            <a:ext cx="0" cy="771383"/>
-          </a:xfrm>
-          <a:prstGeom prst="straightConnector1">
-            <a:avLst/>
-          </a:prstGeom>
-          <a:ln w="12700">
-            <a:prstDash val="lgDash"/>
-            <a:tailEnd type="triangle"/>
-          </a:ln>
-        </p:spPr>
-        <p:style>
-          <a:lnRef idx="1">
-            <a:schemeClr val="accent1"/>
-          </a:lnRef>
-          <a:fillRef idx="0">
-            <a:schemeClr val="accent1"/>
-          </a:fillRef>
-          <a:effectRef idx="0">
-            <a:schemeClr val="accent1"/>
-          </a:effectRef>
-          <a:fontRef idx="minor">
-            <a:schemeClr val="tx1"/>
-          </a:fontRef>
-        </p:style>
-      </p:cxnSp>
-      <p:sp>
-        <p:nvSpPr>
-          <p:cNvPr id="16" name="Rounded Rectangle 15">
-            <a:extLst>
-              <a:ext uri="{FF2B5EF4-FFF2-40B4-BE49-F238E27FC236}">
-                <a16:creationId xmlns:a16="http://schemas.microsoft.com/office/drawing/2014/main" id="{334883E1-169C-E26E-DF71-A84E537331DA}"/>
-              </a:ext>
-            </a:extLst>
-          </p:cNvPr>
-          <p:cNvSpPr/>
-          <p:nvPr/>
-        </p:nvSpPr>
-        <p:spPr>
-          <a:xfrm>
-            <a:off x="2346938" y="4093288"/>
-            <a:ext cx="2160240" cy="489674"/>
-          </a:xfrm>
-          <a:prstGeom prst="roundRect">
-            <a:avLst/>
-          </a:prstGeom>
-          <a:noFill/>
-          <a:ln w="25400"/>
-        </p:spPr>
-        <p:style>
-          <a:lnRef idx="2">
-            <a:schemeClr val="accent1">
-              <a:shade val="15000"/>
-            </a:schemeClr>
-          </a:lnRef>
-          <a:fillRef idx="1">
-            <a:schemeClr val="accent1"/>
-          </a:fillRef>
-          <a:effectRef idx="0">
-            <a:schemeClr val="accent1"/>
-          </a:effectRef>
-          <a:fontRef idx="minor">
-            <a:schemeClr val="lt1"/>
-          </a:fontRef>
-        </p:style>
-        <p:txBody>
-          <a:bodyPr rtlCol="0" anchor="ctr"/>
-          <a:lstStyle/>
-          <a:p>
-            <a:pPr algn="ctr"/>
-            <a:endParaRPr lang="en-CN" dirty="0"/>
-          </a:p>
-        </p:txBody>
-      </p:sp>
-      <p:sp>
-        <p:nvSpPr>
-          <p:cNvPr id="17" name="TextBox 16">
-            <a:extLst>
-              <a:ext uri="{FF2B5EF4-FFF2-40B4-BE49-F238E27FC236}">
-                <a16:creationId xmlns:a16="http://schemas.microsoft.com/office/drawing/2014/main" id="{B8E954EB-F399-847C-61AA-5CDA3E5D33F1}"/>
-              </a:ext>
-            </a:extLst>
-          </p:cNvPr>
-          <p:cNvSpPr txBox="1"/>
-          <p:nvPr/>
-        </p:nvSpPr>
-        <p:spPr>
-          <a:xfrm>
-            <a:off x="2399791" y="5541689"/>
-            <a:ext cx="2074094" cy="369332"/>
-          </a:xfrm>
-          <a:prstGeom prst="rect">
-            <a:avLst/>
-          </a:prstGeom>
-          <a:noFill/>
-        </p:spPr>
-        <p:txBody>
-          <a:bodyPr wrap="none" rtlCol="0">
-            <a:spAutoFit/>
-          </a:bodyPr>
-          <a:lstStyle/>
-          <a:p>
-            <a:r>
-              <a:rPr lang="en-US" dirty="0" err="1">
-                <a:solidFill>
-                  <a:srgbClr val="0070C0"/>
-                </a:solidFill>
-                <a:effectLst/>
-              </a:rPr>
-              <a:t>broadcastMessage</a:t>
-            </a:r>
-            <a:r>
-              <a:rPr lang="en-US" dirty="0">
-                <a:solidFill>
-                  <a:srgbClr val="0070C0"/>
-                </a:solidFill>
-                <a:effectLst/>
-              </a:rPr>
-              <a:t>()</a:t>
-            </a:r>
-          </a:p>
-        </p:txBody>
-      </p:sp>
-      <p:cxnSp>
-        <p:nvCxnSpPr>
-          <p:cNvPr id="18" name="Straight Arrow Connector 17">
-            <a:extLst>
-              <a:ext uri="{FF2B5EF4-FFF2-40B4-BE49-F238E27FC236}">
-                <a16:creationId xmlns:a16="http://schemas.microsoft.com/office/drawing/2014/main" id="{9A3F5947-77D1-8D7B-7595-E5F15530FB99}"/>
-              </a:ext>
-            </a:extLst>
-          </p:cNvPr>
-          <p:cNvCxnSpPr>
-            <a:cxnSpLocks/>
-            <a:stCxn id="6" idx="2"/>
-            <a:endCxn id="16" idx="0"/>
-          </p:cNvCxnSpPr>
-          <p:nvPr/>
-        </p:nvCxnSpPr>
-        <p:spPr>
-          <a:xfrm flipH="1">
-            <a:off x="3427058" y="3321905"/>
-            <a:ext cx="9432" cy="771383"/>
-          </a:xfrm>
-          <a:prstGeom prst="straightConnector1">
-            <a:avLst/>
-          </a:prstGeom>
-          <a:ln w="12700">
-            <a:prstDash val="lgDash"/>
-            <a:tailEnd type="triangle"/>
-          </a:ln>
-        </p:spPr>
-        <p:style>
-          <a:lnRef idx="1">
-            <a:schemeClr val="accent1"/>
-          </a:lnRef>
-          <a:fillRef idx="0">
-            <a:schemeClr val="accent1"/>
-          </a:fillRef>
-          <a:effectRef idx="0">
-            <a:schemeClr val="accent1"/>
-          </a:effectRef>
-          <a:fontRef idx="minor">
-            <a:schemeClr val="tx1"/>
-          </a:fontRef>
-        </p:style>
-      </p:cxnSp>
-      <p:sp>
-        <p:nvSpPr>
-          <p:cNvPr id="21" name="TextBox 20">
-            <a:extLst>
-              <a:ext uri="{FF2B5EF4-FFF2-40B4-BE49-F238E27FC236}">
-                <a16:creationId xmlns:a16="http://schemas.microsoft.com/office/drawing/2014/main" id="{7439160E-EE1D-8AFE-2816-E245F63242B2}"/>
-              </a:ext>
-            </a:extLst>
-          </p:cNvPr>
-          <p:cNvSpPr txBox="1"/>
-          <p:nvPr/>
-        </p:nvSpPr>
-        <p:spPr>
-          <a:xfrm>
-            <a:off x="4948414" y="5380672"/>
-            <a:ext cx="6548185" cy="1200329"/>
-          </a:xfrm>
-          <a:prstGeom prst="rect">
-            <a:avLst/>
-          </a:prstGeom>
-          <a:noFill/>
-        </p:spPr>
-        <p:txBody>
-          <a:bodyPr wrap="square" rtlCol="0">
-            <a:spAutoFit/>
-          </a:bodyPr>
-          <a:lstStyle/>
-          <a:p>
-            <a:pPr marL="342900" indent="-342900">
-              <a:buFont typeface="+mj-lt"/>
-              <a:buAutoNum type="arabicPeriod"/>
-            </a:pPr>
-            <a:r>
-              <a:rPr lang="en-US" dirty="0">
-                <a:effectLst/>
-              </a:rPr>
-              <a:t>Create a for loop to scan over all the created </a:t>
-            </a:r>
-            <a:r>
-              <a:rPr lang="en-US" sz="1800" dirty="0" err="1"/>
-              <a:t>ClientHandlers</a:t>
-            </a:r>
-            <a:r>
-              <a:rPr lang="en-US" sz="1800" dirty="0"/>
-              <a:t> recorded in the public </a:t>
-            </a:r>
-            <a:r>
-              <a:rPr lang="en-US" sz="1800" dirty="0" err="1">
-                <a:solidFill>
-                  <a:srgbClr val="C00000"/>
-                </a:solidFill>
-              </a:rPr>
-              <a:t>ArrayList</a:t>
-            </a:r>
-            <a:r>
-              <a:rPr lang="en-US" sz="1800" dirty="0">
-                <a:solidFill>
-                  <a:srgbClr val="C00000"/>
-                </a:solidFill>
-              </a:rPr>
-              <a:t>&lt;</a:t>
-            </a:r>
-            <a:r>
-              <a:rPr lang="en-US" sz="1800" dirty="0" err="1">
-                <a:solidFill>
-                  <a:srgbClr val="C00000"/>
-                </a:solidFill>
-              </a:rPr>
-              <a:t>ClientHandler</a:t>
-            </a:r>
-            <a:r>
-              <a:rPr lang="en-US" sz="1800" dirty="0">
-                <a:solidFill>
-                  <a:srgbClr val="C00000"/>
-                </a:solidFill>
-              </a:rPr>
-              <a:t>&gt; </a:t>
-            </a:r>
-            <a:r>
-              <a:rPr lang="en-US" sz="1800" dirty="0" err="1">
-                <a:solidFill>
-                  <a:srgbClr val="C00000"/>
-                </a:solidFill>
-              </a:rPr>
-              <a:t>clientHandlers</a:t>
-            </a:r>
-            <a:r>
-              <a:rPr lang="en-US" dirty="0">
-                <a:effectLst/>
-              </a:rPr>
-              <a:t>.</a:t>
-            </a:r>
-          </a:p>
-          <a:p>
-            <a:pPr marL="342900" indent="-342900">
-              <a:buFont typeface="+mj-lt"/>
-              <a:buAutoNum type="arabicPeriod"/>
-            </a:pPr>
-            <a:r>
-              <a:rPr lang="en-US" dirty="0">
-                <a:effectLst/>
-              </a:rPr>
-              <a:t>For each </a:t>
-            </a:r>
-            <a:r>
-              <a:rPr lang="en-US" sz="1800" dirty="0" err="1"/>
-              <a:t>ClientHandlers</a:t>
-            </a:r>
-            <a:r>
-              <a:rPr lang="en-US" sz="1800" dirty="0"/>
-              <a:t>, use its writer the write the message to its client.</a:t>
-            </a:r>
-            <a:endParaRPr lang="en-US" dirty="0">
-              <a:effectLst/>
-            </a:endParaRPr>
-          </a:p>
-        </p:txBody>
-      </p:sp>
-      <p:sp>
-        <p:nvSpPr>
-          <p:cNvPr id="25" name="Rounded Rectangle 24">
-            <a:extLst>
-              <a:ext uri="{FF2B5EF4-FFF2-40B4-BE49-F238E27FC236}">
-                <a16:creationId xmlns:a16="http://schemas.microsoft.com/office/drawing/2014/main" id="{869929D4-5003-8F55-2188-291260870C9A}"/>
-              </a:ext>
-            </a:extLst>
-          </p:cNvPr>
-          <p:cNvSpPr/>
-          <p:nvPr/>
-        </p:nvSpPr>
-        <p:spPr>
-          <a:xfrm>
-            <a:off x="2347621" y="5487351"/>
-            <a:ext cx="2160240" cy="489674"/>
-          </a:xfrm>
-          <a:prstGeom prst="roundRect">
-            <a:avLst/>
-          </a:prstGeom>
-          <a:noFill/>
-          <a:ln w="25400"/>
-        </p:spPr>
-        <p:style>
-          <a:lnRef idx="2">
-            <a:schemeClr val="accent1">
-              <a:shade val="15000"/>
-            </a:schemeClr>
-          </a:lnRef>
-          <a:fillRef idx="1">
-            <a:schemeClr val="accent1"/>
-          </a:fillRef>
-          <a:effectRef idx="0">
-            <a:schemeClr val="accent1"/>
-          </a:effectRef>
-          <a:fontRef idx="minor">
-            <a:schemeClr val="lt1"/>
-          </a:fontRef>
-        </p:style>
-        <p:txBody>
-          <a:bodyPr rtlCol="0" anchor="ctr"/>
-          <a:lstStyle/>
-          <a:p>
-            <a:pPr algn="ctr"/>
-            <a:endParaRPr lang="en-CN" dirty="0"/>
-          </a:p>
-        </p:txBody>
-      </p:sp>
-      <p:sp>
-        <p:nvSpPr>
-          <p:cNvPr id="32" name="TextBox 31">
-            <a:extLst>
-              <a:ext uri="{FF2B5EF4-FFF2-40B4-BE49-F238E27FC236}">
-                <a16:creationId xmlns:a16="http://schemas.microsoft.com/office/drawing/2014/main" id="{DDC9587A-7890-2FA3-A00B-686A8FA15996}"/>
-              </a:ext>
-            </a:extLst>
-          </p:cNvPr>
-          <p:cNvSpPr txBox="1"/>
-          <p:nvPr/>
-        </p:nvSpPr>
-        <p:spPr>
-          <a:xfrm>
-            <a:off x="2676891" y="2892402"/>
-            <a:ext cx="1519198" cy="369332"/>
-          </a:xfrm>
-          <a:prstGeom prst="rect">
-            <a:avLst/>
-          </a:prstGeom>
-          <a:noFill/>
-        </p:spPr>
-        <p:txBody>
-          <a:bodyPr wrap="none" rtlCol="0">
-            <a:spAutoFit/>
-          </a:bodyPr>
-          <a:lstStyle/>
-          <a:p>
-            <a:r>
-              <a:rPr lang="en-US" dirty="0">
-                <a:solidFill>
-                  <a:srgbClr val="0070C0"/>
-                </a:solidFill>
-                <a:effectLst/>
-              </a:rPr>
-              <a:t>Constructors()</a:t>
-            </a:r>
-          </a:p>
-        </p:txBody>
-      </p:sp>
-      <p:sp>
-        <p:nvSpPr>
-          <p:cNvPr id="33" name="TextBox 32">
-            <a:extLst>
-              <a:ext uri="{FF2B5EF4-FFF2-40B4-BE49-F238E27FC236}">
-                <a16:creationId xmlns:a16="http://schemas.microsoft.com/office/drawing/2014/main" id="{C85874C5-7083-1B2E-D333-8984C2843828}"/>
-              </a:ext>
-            </a:extLst>
-          </p:cNvPr>
-          <p:cNvSpPr txBox="1"/>
-          <p:nvPr/>
-        </p:nvSpPr>
-        <p:spPr>
-          <a:xfrm>
-            <a:off x="4943872" y="2121576"/>
-            <a:ext cx="5834797" cy="1200329"/>
-          </a:xfrm>
-          <a:prstGeom prst="rect">
-            <a:avLst/>
-          </a:prstGeom>
-          <a:noFill/>
-        </p:spPr>
-        <p:txBody>
-          <a:bodyPr wrap="square" rtlCol="0">
-            <a:spAutoFit/>
-          </a:bodyPr>
-          <a:lstStyle/>
-          <a:p>
-            <a:pPr marL="342900" indent="-342900">
-              <a:buFont typeface="+mj-lt"/>
-              <a:buAutoNum type="arabicPeriod"/>
-            </a:pPr>
-            <a:r>
-              <a:rPr lang="en-US" dirty="0">
-                <a:effectLst/>
-              </a:rPr>
-              <a:t>Initialize the reader and the writer. </a:t>
-            </a:r>
-          </a:p>
-          <a:p>
-            <a:pPr marL="342900" indent="-342900">
-              <a:buFont typeface="+mj-lt"/>
-              <a:buAutoNum type="arabicPeriod"/>
-            </a:pPr>
-            <a:r>
-              <a:rPr lang="en-US" dirty="0">
-                <a:effectLst/>
-              </a:rPr>
-              <a:t>Add this </a:t>
-            </a:r>
-            <a:r>
-              <a:rPr lang="en-US" sz="1800" dirty="0" err="1"/>
-              <a:t>ClientHandler</a:t>
-            </a:r>
-            <a:r>
-              <a:rPr lang="en-US" sz="1800" dirty="0"/>
-              <a:t> to the public </a:t>
-            </a:r>
-            <a:r>
-              <a:rPr lang="en-US" sz="1800" dirty="0" err="1">
-                <a:solidFill>
-                  <a:srgbClr val="C00000"/>
-                </a:solidFill>
-              </a:rPr>
-              <a:t>ArrayList</a:t>
-            </a:r>
-            <a:r>
-              <a:rPr lang="en-US" sz="1800" dirty="0">
-                <a:solidFill>
-                  <a:srgbClr val="C00000"/>
-                </a:solidFill>
-              </a:rPr>
-              <a:t>&lt;</a:t>
-            </a:r>
-            <a:r>
-              <a:rPr lang="en-US" sz="1800" dirty="0" err="1">
-                <a:solidFill>
-                  <a:srgbClr val="C00000"/>
-                </a:solidFill>
-              </a:rPr>
-              <a:t>ClientHandler</a:t>
-            </a:r>
-            <a:r>
-              <a:rPr lang="en-US" sz="1800" dirty="0">
-                <a:solidFill>
-                  <a:srgbClr val="C00000"/>
-                </a:solidFill>
-              </a:rPr>
-              <a:t>&gt; </a:t>
-            </a:r>
-            <a:r>
-              <a:rPr lang="en-US" sz="1800" dirty="0" err="1">
-                <a:solidFill>
-                  <a:srgbClr val="C00000"/>
-                </a:solidFill>
-              </a:rPr>
-              <a:t>clientHandlers</a:t>
-            </a:r>
-            <a:r>
-              <a:rPr lang="en-US" sz="1800" dirty="0">
-                <a:solidFill>
-                  <a:srgbClr val="C00000"/>
-                </a:solidFill>
-              </a:rPr>
-              <a:t>.</a:t>
-            </a:r>
-            <a:endParaRPr lang="en-US" dirty="0">
-              <a:effectLst/>
-            </a:endParaRPr>
-          </a:p>
-          <a:p>
-            <a:pPr marL="342900" indent="-342900">
-              <a:buFont typeface="+mj-lt"/>
-              <a:buAutoNum type="arabicPeriod"/>
-            </a:pPr>
-            <a:r>
-              <a:rPr lang="en-US" dirty="0">
-                <a:effectLst/>
-              </a:rPr>
-              <a:t>Broadcast the Message to all connected client</a:t>
-            </a:r>
-            <a:r>
-              <a:rPr lang="en-US" dirty="0"/>
-              <a:t> </a:t>
-            </a:r>
-            <a:endParaRPr lang="en-US" dirty="0">
-              <a:effectLst/>
-            </a:endParaRPr>
-          </a:p>
-        </p:txBody>
-      </p:sp>
-      <p:cxnSp>
-        <p:nvCxnSpPr>
-          <p:cNvPr id="34" name="Curved Connector 33">
-            <a:extLst>
-              <a:ext uri="{FF2B5EF4-FFF2-40B4-BE49-F238E27FC236}">
-                <a16:creationId xmlns:a16="http://schemas.microsoft.com/office/drawing/2014/main" id="{D82B6AEF-74F5-8CE6-7F83-1E707754DDEF}"/>
-              </a:ext>
-            </a:extLst>
-          </p:cNvPr>
-          <p:cNvCxnSpPr>
-            <a:cxnSpLocks/>
-            <a:stCxn id="16" idx="1"/>
-            <a:endCxn id="16" idx="3"/>
-          </p:cNvCxnSpPr>
-          <p:nvPr/>
-        </p:nvCxnSpPr>
-        <p:spPr>
-          <a:xfrm rot="10800000" flipH="1">
-            <a:off x="2346938" y="4338125"/>
-            <a:ext cx="2160240" cy="12700"/>
-          </a:xfrm>
-          <a:prstGeom prst="curvedConnector5">
-            <a:avLst>
-              <a:gd name="adj1" fmla="val -18367"/>
-              <a:gd name="adj2" fmla="val -19279039"/>
-              <a:gd name="adj3" fmla="val 120313"/>
-            </a:avLst>
-          </a:prstGeom>
-          <a:ln w="12700">
-            <a:prstDash val="lgDash"/>
-            <a:tailEnd type="triangle"/>
-          </a:ln>
-        </p:spPr>
-        <p:style>
-          <a:lnRef idx="1">
-            <a:schemeClr val="accent1"/>
-          </a:lnRef>
-          <a:fillRef idx="0">
-            <a:schemeClr val="accent1"/>
-          </a:fillRef>
-          <a:effectRef idx="0">
-            <a:schemeClr val="accent1"/>
-          </a:effectRef>
-          <a:fontRef idx="minor">
-            <a:schemeClr val="tx1"/>
-          </a:fontRef>
-        </p:style>
-      </p:cxnSp>
-      <p:sp>
-        <p:nvSpPr>
-          <p:cNvPr id="44" name="TextBox 43">
-            <a:extLst>
-              <a:ext uri="{FF2B5EF4-FFF2-40B4-BE49-F238E27FC236}">
-                <a16:creationId xmlns:a16="http://schemas.microsoft.com/office/drawing/2014/main" id="{D67AB463-5373-CB5B-CF78-01167FED45A0}"/>
-              </a:ext>
-            </a:extLst>
-          </p:cNvPr>
-          <p:cNvSpPr txBox="1"/>
-          <p:nvPr/>
-        </p:nvSpPr>
-        <p:spPr>
-          <a:xfrm>
-            <a:off x="2108480" y="4767628"/>
-            <a:ext cx="3048000" cy="369332"/>
-          </a:xfrm>
-          <a:prstGeom prst="rect">
-            <a:avLst/>
-          </a:prstGeom>
-          <a:noFill/>
-        </p:spPr>
-        <p:txBody>
-          <a:bodyPr wrap="square">
-            <a:spAutoFit/>
-          </a:bodyPr>
-          <a:lstStyle/>
-          <a:p>
-            <a:r>
-              <a:rPr lang="en-CN" dirty="0"/>
-              <a:t>while(socket.isConnected())</a:t>
-            </a:r>
-          </a:p>
-        </p:txBody>
-      </p:sp>
-      <p:sp>
-        <p:nvSpPr>
-          <p:cNvPr id="47" name="标题 4">
-            <a:extLst>
-              <a:ext uri="{FF2B5EF4-FFF2-40B4-BE49-F238E27FC236}">
-                <a16:creationId xmlns:a16="http://schemas.microsoft.com/office/drawing/2014/main" id="{9DC01F5B-6BA9-B129-29AE-C6101DDA27D6}"/>
-              </a:ext>
-            </a:extLst>
-          </p:cNvPr>
+          <p:cNvPr id="1048589" name="标题 4"/>
           <p:cNvSpPr>
             <a:spLocks noGrp="1"/>
           </p:cNvSpPr>
@@ -4653,12 +4957,7 @@
             <p:ph type="title"/>
           </p:nvPr>
         </p:nvSpPr>
-        <p:spPr>
-          <a:xfrm>
-            <a:off x="56562" y="57066"/>
-            <a:ext cx="9048623" cy="835874"/>
-          </a:xfrm>
-        </p:spPr>
+        <p:spPr/>
         <p:txBody>
           <a:bodyPr>
             <a:normAutofit/>
@@ -4667,22 +4966,37 @@
           <a:p>
             <a:r>
               <a:rPr lang="en-US" altLang="zh-CN" sz="4000" dirty="0"/>
-              <a:t>Structure of Project: </a:t>
-            </a:r>
-            <a:r>
-              <a:rPr lang="en-US" altLang="zh-CN" sz="4000" dirty="0" err="1"/>
-              <a:t>ClientHandler</a:t>
+              <a:t>Framework of Project #1</a:t>
             </a:r>
             <a:endParaRPr lang="zh-CN" sz="4000" dirty="0"/>
           </a:p>
         </p:txBody>
       </p:sp>
+      <p:pic>
+        <p:nvPicPr>
+          <p:cNvPr id="18" name="图片 17"/>
+          <p:cNvPicPr>
+            <a:picLocks noChangeAspect="1"/>
+          </p:cNvPicPr>
+          <p:nvPr/>
+        </p:nvPicPr>
+        <p:blipFill>
+          <a:blip r:embed="rId1"/>
+          <a:stretch>
+            <a:fillRect/>
+          </a:stretch>
+        </p:blipFill>
+        <p:spPr>
+          <a:xfrm>
+            <a:off x="691721" y="1281638"/>
+            <a:ext cx="10804879" cy="5459730"/>
+          </a:xfrm>
+          <a:prstGeom prst="rect">
+            <a:avLst/>
+          </a:prstGeom>
+        </p:spPr>
+      </p:pic>
     </p:spTree>
-    <p:extLst>
-      <p:ext uri="{BB962C8B-B14F-4D97-AF65-F5344CB8AC3E}">
-        <p14:creationId xmlns:p14="http://schemas.microsoft.com/office/powerpoint/2010/main" val="1288117110"/>
-      </p:ext>
-    </p:extLst>
   </p:cSld>
   <p:clrMapOvr>
     <a:masterClrMapping/>
@@ -4734,13 +5048,31 @@
       </p:sp>
       <p:pic>
         <p:nvPicPr>
-          <p:cNvPr id="9" name="图片 8">
-            <a:extLst>
-              <a:ext uri="{FF2B5EF4-FFF2-40B4-BE49-F238E27FC236}">
-                <a16:creationId xmlns:a16="http://schemas.microsoft.com/office/drawing/2014/main" id="{C524C518-EE2B-B5C1-A3F1-AA5ACD8B2AE4}"/>
-              </a:ext>
-            </a:extLst>
-          </p:cNvPr>
+          <p:cNvPr id="9" name="图片 8"/>
+          <p:cNvPicPr>
+            <a:picLocks noChangeAspect="1"/>
+          </p:cNvPicPr>
+          <p:nvPr/>
+        </p:nvPicPr>
+        <p:blipFill>
+          <a:blip r:embed="rId1"/>
+          <a:stretch>
+            <a:fillRect/>
+          </a:stretch>
+        </p:blipFill>
+        <p:spPr>
+          <a:xfrm>
+            <a:off x="724328" y="1196752"/>
+            <a:ext cx="4838700" cy="2318343"/>
+          </a:xfrm>
+          <a:prstGeom prst="rect">
+            <a:avLst/>
+          </a:prstGeom>
+        </p:spPr>
+      </p:pic>
+      <p:pic>
+        <p:nvPicPr>
+          <p:cNvPr id="11" name="图片 10"/>
           <p:cNvPicPr>
             <a:picLocks noChangeAspect="1"/>
           </p:cNvPicPr>
@@ -4754,8 +5086,8 @@
         </p:blipFill>
         <p:spPr>
           <a:xfrm>
-            <a:off x="724328" y="1196752"/>
-            <a:ext cx="4838700" cy="2318343"/>
+            <a:off x="724328" y="4057228"/>
+            <a:ext cx="4838700" cy="2324100"/>
           </a:xfrm>
           <a:prstGeom prst="rect">
             <a:avLst/>
@@ -4764,13 +5096,7 @@
       </p:pic>
       <p:pic>
         <p:nvPicPr>
-          <p:cNvPr id="11" name="图片 10">
-            <a:extLst>
-              <a:ext uri="{FF2B5EF4-FFF2-40B4-BE49-F238E27FC236}">
-                <a16:creationId xmlns:a16="http://schemas.microsoft.com/office/drawing/2014/main" id="{40952D7E-EC2A-B189-5EC4-8096DA3BEEF5}"/>
-              </a:ext>
-            </a:extLst>
-          </p:cNvPr>
+          <p:cNvPr id="13" name="图片 12"/>
           <p:cNvPicPr>
             <a:picLocks noChangeAspect="1"/>
           </p:cNvPicPr>
@@ -4784,36 +5110,6 @@
         </p:blipFill>
         <p:spPr>
           <a:xfrm>
-            <a:off x="724328" y="4057228"/>
-            <a:ext cx="4838700" cy="2324100"/>
-          </a:xfrm>
-          <a:prstGeom prst="rect">
-            <a:avLst/>
-          </a:prstGeom>
-        </p:spPr>
-      </p:pic>
-      <p:pic>
-        <p:nvPicPr>
-          <p:cNvPr id="13" name="图片 12">
-            <a:extLst>
-              <a:ext uri="{FF2B5EF4-FFF2-40B4-BE49-F238E27FC236}">
-                <a16:creationId xmlns:a16="http://schemas.microsoft.com/office/drawing/2014/main" id="{49BF166E-61AE-BFAD-964D-F23D8015C901}"/>
-              </a:ext>
-            </a:extLst>
-          </p:cNvPr>
-          <p:cNvPicPr>
-            <a:picLocks noChangeAspect="1"/>
-          </p:cNvPicPr>
-          <p:nvPr/>
-        </p:nvPicPr>
-        <p:blipFill>
-          <a:blip r:embed="rId4"/>
-          <a:stretch>
-            <a:fillRect/>
-          </a:stretch>
-        </p:blipFill>
-        <p:spPr>
-          <a:xfrm>
             <a:off x="6619242" y="1196751"/>
             <a:ext cx="4866604" cy="2318343"/>
           </a:xfrm>
@@ -4824,13 +5120,7 @@
       </p:pic>
       <p:sp>
         <p:nvSpPr>
-          <p:cNvPr id="16" name="文本框 15">
-            <a:extLst>
-              <a:ext uri="{FF2B5EF4-FFF2-40B4-BE49-F238E27FC236}">
-                <a16:creationId xmlns:a16="http://schemas.microsoft.com/office/drawing/2014/main" id="{189453F6-7CD6-546F-37C5-61584AB8F8BF}"/>
-              </a:ext>
-            </a:extLst>
-          </p:cNvPr>
+          <p:cNvPr id="16" name="文本框 15"/>
           <p:cNvSpPr txBox="1"/>
           <p:nvPr/>
         </p:nvSpPr>
@@ -4851,39 +5141,36 @@
           <a:lstStyle/>
           <a:p>
             <a:pPr marL="285750" indent="-285750">
-              <a:buFont typeface="Arial" panose="020B0604020202020204" pitchFamily="34" charset="0"/>
+              <a:buFont typeface="Arial" panose="020B0604020202090204" pitchFamily="34" charset="0"/>
               <a:buChar char="•"/>
             </a:pPr>
             <a:r>
               <a:rPr lang="en-US" altLang="zh-CN" sz="2600" dirty="0"/>
               <a:t>First, run the server.</a:t>
             </a:r>
+            <a:endParaRPr lang="en-US" altLang="zh-CN" sz="2600" dirty="0"/>
           </a:p>
           <a:p>
             <a:pPr marL="285750" indent="-285750">
-              <a:buFont typeface="Arial" panose="020B0604020202020204" pitchFamily="34" charset="0"/>
+              <a:buFont typeface="Arial" panose="020B0604020202090204" pitchFamily="34" charset="0"/>
               <a:buChar char="•"/>
             </a:pPr>
             <a:endParaRPr lang="en-US" altLang="zh-CN" sz="2600" dirty="0"/>
           </a:p>
           <a:p>
             <a:pPr marL="285750" indent="-285750">
-              <a:buFont typeface="Arial" panose="020B0604020202020204" pitchFamily="34" charset="0"/>
+              <a:buFont typeface="Arial" panose="020B0604020202090204" pitchFamily="34" charset="0"/>
               <a:buChar char="•"/>
             </a:pPr>
             <a:r>
               <a:rPr lang="en-US" altLang="zh-CN" sz="2600" dirty="0"/>
               <a:t>Then input Alice, Bob, and Carol to three clients, respectively.</a:t>
             </a:r>
+            <a:endParaRPr lang="en-US" altLang="zh-CN" sz="2600" dirty="0"/>
           </a:p>
         </p:txBody>
       </p:sp>
     </p:spTree>
-    <p:extLst>
-      <p:ext uri="{BB962C8B-B14F-4D97-AF65-F5344CB8AC3E}">
-        <p14:creationId xmlns:p14="http://schemas.microsoft.com/office/powerpoint/2010/main" val="2605814159"/>
-      </p:ext>
-    </p:extLst>
   </p:cSld>
   <p:clrMapOvr>
     <a:masterClrMapping/>
@@ -4933,75 +5220,17 @@
           </a:p>
         </p:txBody>
       </p:sp>
-      <p:sp>
-        <p:nvSpPr>
-          <p:cNvPr id="16" name="文本框 15">
-            <a:extLst>
-              <a:ext uri="{FF2B5EF4-FFF2-40B4-BE49-F238E27FC236}">
-                <a16:creationId xmlns:a16="http://schemas.microsoft.com/office/drawing/2014/main" id="{189453F6-7CD6-546F-37C5-61584AB8F8BF}"/>
-              </a:ext>
-            </a:extLst>
-          </p:cNvPr>
-          <p:cNvSpPr txBox="1"/>
-          <p:nvPr/>
-        </p:nvSpPr>
-        <p:spPr>
-          <a:xfrm>
-            <a:off x="6628974" y="4005064"/>
-            <a:ext cx="4856872" cy="1692771"/>
-          </a:xfrm>
-          <a:prstGeom prst="rect">
-            <a:avLst/>
-          </a:prstGeom>
-          <a:noFill/>
-        </p:spPr>
-        <p:txBody>
-          <a:bodyPr wrap="square" rtlCol="0">
-            <a:spAutoFit/>
-          </a:bodyPr>
-          <a:lstStyle/>
-          <a:p>
-            <a:pPr marL="285750" indent="-285750">
-              <a:buFont typeface="Arial" panose="020B0604020202020204" pitchFamily="34" charset="0"/>
-              <a:buChar char="•"/>
-            </a:pPr>
-            <a:r>
-              <a:rPr lang="en-US" altLang="zh-CN" sz="2600" dirty="0"/>
-              <a:t>Upper-left: outputs of the server.</a:t>
-            </a:r>
-          </a:p>
-          <a:p>
-            <a:pPr marL="285750" indent="-285750">
-              <a:buFont typeface="Arial" panose="020B0604020202020204" pitchFamily="34" charset="0"/>
-              <a:buChar char="•"/>
-            </a:pPr>
-            <a:endParaRPr lang="en-US" altLang="zh-CN" sz="2600" dirty="0"/>
-          </a:p>
-          <a:p>
-            <a:pPr marL="285750" indent="-285750">
-              <a:buFont typeface="Arial" panose="020B0604020202020204" pitchFamily="34" charset="0"/>
-              <a:buChar char="•"/>
-            </a:pPr>
-            <a:r>
-              <a:rPr lang="en-US" altLang="zh-CN" sz="2600" dirty="0"/>
-              <a:t>Lower-left and upper-right: outputs of the clients.</a:t>
-            </a:r>
-          </a:p>
-        </p:txBody>
-      </p:sp>
       <p:pic>
         <p:nvPicPr>
-          <p:cNvPr id="4" name="图片 3">
-            <a:extLst>
-              <a:ext uri="{FF2B5EF4-FFF2-40B4-BE49-F238E27FC236}">
-                <a16:creationId xmlns:a16="http://schemas.microsoft.com/office/drawing/2014/main" id="{45ED89B4-A6FB-0FC4-165F-C6764DED4308}"/>
-              </a:ext>
-            </a:extLst>
-          </p:cNvPr>
+          <p:cNvPr id="13" name="图片 12"/>
           <p:cNvPicPr>
             <a:picLocks noChangeAspect="1"/>
           </p:cNvPicPr>
-          <p:nvPr/>
+          <p:nvPr>
+            <p:custDataLst>
+              <p:tags r:id="rId1"/>
+            </p:custDataLst>
+          </p:nvPr>
         </p:nvPicPr>
         <p:blipFill>
           <a:blip r:embed="rId2"/>
@@ -5011,8 +5240,8 @@
         </p:blipFill>
         <p:spPr>
           <a:xfrm>
-            <a:off x="724328" y="1196751"/>
-            <a:ext cx="4838700" cy="2343449"/>
+            <a:off x="6456045" y="4278630"/>
+            <a:ext cx="4629150" cy="2476500"/>
           </a:xfrm>
           <a:prstGeom prst="rect">
             <a:avLst/>
@@ -5021,47 +5250,15 @@
       </p:pic>
       <p:pic>
         <p:nvPicPr>
-          <p:cNvPr id="7" name="图片 6">
-            <a:extLst>
-              <a:ext uri="{FF2B5EF4-FFF2-40B4-BE49-F238E27FC236}">
-                <a16:creationId xmlns:a16="http://schemas.microsoft.com/office/drawing/2014/main" id="{9115831F-E33D-B9DF-47CF-69854F0C115A}"/>
-              </a:ext>
-            </a:extLst>
-          </p:cNvPr>
+          <p:cNvPr id="18" name="图片 17"/>
           <p:cNvPicPr>
             <a:picLocks noChangeAspect="1"/>
           </p:cNvPicPr>
-          <p:nvPr/>
-        </p:nvPicPr>
-        <p:blipFill>
-          <a:blip r:embed="rId3"/>
-          <a:stretch>
-            <a:fillRect/>
-          </a:stretch>
-        </p:blipFill>
-        <p:spPr>
-          <a:xfrm>
-            <a:off x="724328" y="4112016"/>
-            <a:ext cx="4838699" cy="2269312"/>
-          </a:xfrm>
-          <a:prstGeom prst="rect">
-            <a:avLst/>
-          </a:prstGeom>
-        </p:spPr>
-      </p:pic>
-      <p:pic>
-        <p:nvPicPr>
-          <p:cNvPr id="10" name="图片 9">
-            <a:extLst>
-              <a:ext uri="{FF2B5EF4-FFF2-40B4-BE49-F238E27FC236}">
-                <a16:creationId xmlns:a16="http://schemas.microsoft.com/office/drawing/2014/main" id="{6C5F0A01-9C2C-9459-31E7-B0FF98C3FA46}"/>
-              </a:ext>
-            </a:extLst>
-          </p:cNvPr>
-          <p:cNvPicPr>
-            <a:picLocks noChangeAspect="1"/>
-          </p:cNvPicPr>
-          <p:nvPr/>
+          <p:nvPr>
+            <p:custDataLst>
+              <p:tags r:id="rId3"/>
+            </p:custDataLst>
+          </p:nvPr>
         </p:nvPicPr>
         <p:blipFill>
           <a:blip r:embed="rId4"/>
@@ -5071,8 +5268,64 @@
         </p:blipFill>
         <p:spPr>
           <a:xfrm>
-            <a:off x="6628975" y="1196751"/>
-            <a:ext cx="4838698" cy="2201097"/>
+            <a:off x="47625" y="836295"/>
+            <a:ext cx="5519420" cy="2926080"/>
+          </a:xfrm>
+          <a:prstGeom prst="rect">
+            <a:avLst/>
+          </a:prstGeom>
+        </p:spPr>
+      </p:pic>
+      <p:pic>
+        <p:nvPicPr>
+          <p:cNvPr id="19" name="图片 18"/>
+          <p:cNvPicPr>
+            <a:picLocks noChangeAspect="1"/>
+          </p:cNvPicPr>
+          <p:nvPr>
+            <p:custDataLst>
+              <p:tags r:id="rId5"/>
+            </p:custDataLst>
+          </p:nvPr>
+        </p:nvPicPr>
+        <p:blipFill>
+          <a:blip r:embed="rId6"/>
+          <a:stretch>
+            <a:fillRect/>
+          </a:stretch>
+        </p:blipFill>
+        <p:spPr>
+          <a:xfrm>
+            <a:off x="119380" y="3762375"/>
+            <a:ext cx="5219700" cy="3095625"/>
+          </a:xfrm>
+          <a:prstGeom prst="rect">
+            <a:avLst/>
+          </a:prstGeom>
+        </p:spPr>
+      </p:pic>
+      <p:pic>
+        <p:nvPicPr>
+          <p:cNvPr id="20" name="图片 19"/>
+          <p:cNvPicPr>
+            <a:picLocks noChangeAspect="1"/>
+          </p:cNvPicPr>
+          <p:nvPr>
+            <p:custDataLst>
+              <p:tags r:id="rId7"/>
+            </p:custDataLst>
+          </p:nvPr>
+        </p:nvPicPr>
+        <p:blipFill>
+          <a:blip r:embed="rId8"/>
+          <a:stretch>
+            <a:fillRect/>
+          </a:stretch>
+        </p:blipFill>
+        <p:spPr>
+          <a:xfrm>
+            <a:off x="6240145" y="836295"/>
+            <a:ext cx="5076825" cy="3362325"/>
           </a:xfrm>
           <a:prstGeom prst="rect">
             <a:avLst/>
@@ -5080,11 +5333,6 @@
         </p:spPr>
       </p:pic>
     </p:spTree>
-    <p:extLst>
-      <p:ext uri="{BB962C8B-B14F-4D97-AF65-F5344CB8AC3E}">
-        <p14:creationId xmlns:p14="http://schemas.microsoft.com/office/powerpoint/2010/main" val="1229457818"/>
-      </p:ext>
-    </p:extLst>
   </p:cSld>
   <p:clrMapOvr>
     <a:masterClrMapping/>
@@ -5134,87 +5382,17 @@
           </a:p>
         </p:txBody>
       </p:sp>
-      <p:sp>
-        <p:nvSpPr>
-          <p:cNvPr id="16" name="文本框 15">
-            <a:extLst>
-              <a:ext uri="{FF2B5EF4-FFF2-40B4-BE49-F238E27FC236}">
-                <a16:creationId xmlns:a16="http://schemas.microsoft.com/office/drawing/2014/main" id="{189453F6-7CD6-546F-37C5-61584AB8F8BF}"/>
-              </a:ext>
-            </a:extLst>
-          </p:cNvPr>
-          <p:cNvSpPr txBox="1"/>
-          <p:nvPr/>
-        </p:nvSpPr>
-        <p:spPr>
-          <a:xfrm>
-            <a:off x="6628974" y="4005064"/>
-            <a:ext cx="4856872" cy="2246769"/>
-          </a:xfrm>
-          <a:prstGeom prst="rect">
-            <a:avLst/>
-          </a:prstGeom>
-          <a:noFill/>
-        </p:spPr>
-        <p:txBody>
-          <a:bodyPr wrap="square" rtlCol="0">
-            <a:spAutoFit/>
-          </a:bodyPr>
-          <a:lstStyle/>
-          <a:p>
-            <a:pPr marL="285750" indent="-285750">
-              <a:spcAft>
-                <a:spcPts val="1200"/>
-              </a:spcAft>
-              <a:buFont typeface="Arial" panose="020B0604020202020204" pitchFamily="34" charset="0"/>
-              <a:buChar char="•"/>
-            </a:pPr>
-            <a:r>
-              <a:rPr lang="en-US" altLang="zh-CN" sz="2400" dirty="0"/>
-              <a:t>Upper-left: Alice sends messages.</a:t>
-            </a:r>
-          </a:p>
-          <a:p>
-            <a:pPr marL="285750" indent="-285750">
-              <a:spcAft>
-                <a:spcPts val="1200"/>
-              </a:spcAft>
-              <a:buFont typeface="Arial" panose="020B0604020202020204" pitchFamily="34" charset="0"/>
-              <a:buChar char="•"/>
-            </a:pPr>
-            <a:r>
-              <a:rPr lang="en-US" altLang="zh-CN" sz="2400" dirty="0"/>
-              <a:t>Lower-left: Bob receives messages from Alice.</a:t>
-            </a:r>
-          </a:p>
-          <a:p>
-            <a:pPr marL="285750" indent="-285750">
-              <a:spcAft>
-                <a:spcPts val="1200"/>
-              </a:spcAft>
-              <a:buFont typeface="Arial" panose="020B0604020202020204" pitchFamily="34" charset="0"/>
-              <a:buChar char="•"/>
-            </a:pPr>
-            <a:r>
-              <a:rPr lang="en-US" altLang="zh-CN" sz="2400" dirty="0"/>
-              <a:t>Upper-right: Carol’s view when Alice logs out.</a:t>
-            </a:r>
-          </a:p>
-        </p:txBody>
-      </p:sp>
       <p:pic>
         <p:nvPicPr>
-          <p:cNvPr id="3" name="图片 2">
-            <a:extLst>
-              <a:ext uri="{FF2B5EF4-FFF2-40B4-BE49-F238E27FC236}">
-                <a16:creationId xmlns:a16="http://schemas.microsoft.com/office/drawing/2014/main" id="{E539A13E-D7BD-7800-B7D3-08CB8AC35F07}"/>
-              </a:ext>
-            </a:extLst>
-          </p:cNvPr>
+          <p:cNvPr id="8" name="图片 7"/>
           <p:cNvPicPr>
             <a:picLocks noChangeAspect="1"/>
           </p:cNvPicPr>
-          <p:nvPr/>
+          <p:nvPr>
+            <p:custDataLst>
+              <p:tags r:id="rId1"/>
+            </p:custDataLst>
+          </p:nvPr>
         </p:nvPicPr>
         <p:blipFill>
           <a:blip r:embed="rId2"/>
@@ -5224,8 +5402,8 @@
         </p:blipFill>
         <p:spPr>
           <a:xfrm>
-            <a:off x="724327" y="1196751"/>
-            <a:ext cx="4827616" cy="2201097"/>
+            <a:off x="1372870" y="1112520"/>
+            <a:ext cx="3714750" cy="1543050"/>
           </a:xfrm>
           <a:prstGeom prst="rect">
             <a:avLst/>
@@ -5234,47 +5412,15 @@
       </p:pic>
       <p:pic>
         <p:nvPicPr>
-          <p:cNvPr id="6" name="图片 5">
-            <a:extLst>
-              <a:ext uri="{FF2B5EF4-FFF2-40B4-BE49-F238E27FC236}">
-                <a16:creationId xmlns:a16="http://schemas.microsoft.com/office/drawing/2014/main" id="{24AA0B12-0941-F8B0-F891-028677FB76B1}"/>
-              </a:ext>
-            </a:extLst>
-          </p:cNvPr>
+          <p:cNvPr id="10" name="图片 9"/>
           <p:cNvPicPr>
             <a:picLocks noChangeAspect="1"/>
           </p:cNvPicPr>
-          <p:nvPr/>
-        </p:nvPicPr>
-        <p:blipFill>
-          <a:blip r:embed="rId3"/>
-          <a:stretch>
-            <a:fillRect/>
-          </a:stretch>
-        </p:blipFill>
-        <p:spPr>
-          <a:xfrm>
-            <a:off x="724328" y="4253904"/>
-            <a:ext cx="4827616" cy="2127424"/>
-          </a:xfrm>
-          <a:prstGeom prst="rect">
-            <a:avLst/>
-          </a:prstGeom>
-        </p:spPr>
-      </p:pic>
-      <p:pic>
-        <p:nvPicPr>
-          <p:cNvPr id="11" name="图片 10">
-            <a:extLst>
-              <a:ext uri="{FF2B5EF4-FFF2-40B4-BE49-F238E27FC236}">
-                <a16:creationId xmlns:a16="http://schemas.microsoft.com/office/drawing/2014/main" id="{EED33F00-867B-A51B-057A-DEB08406B859}"/>
-              </a:ext>
-            </a:extLst>
-          </p:cNvPr>
-          <p:cNvPicPr>
-            <a:picLocks noChangeAspect="1"/>
-          </p:cNvPicPr>
-          <p:nvPr/>
+          <p:nvPr>
+            <p:custDataLst>
+              <p:tags r:id="rId3"/>
+            </p:custDataLst>
+          </p:nvPr>
         </p:nvPicPr>
         <p:blipFill>
           <a:blip r:embed="rId4"/>
@@ -5284,8 +5430,64 @@
         </p:blipFill>
         <p:spPr>
           <a:xfrm>
-            <a:off x="6628974" y="1196752"/>
-            <a:ext cx="4856872" cy="2253662"/>
+            <a:off x="983615" y="2853055"/>
+            <a:ext cx="4695825" cy="1571625"/>
+          </a:xfrm>
+          <a:prstGeom prst="rect">
+            <a:avLst/>
+          </a:prstGeom>
+        </p:spPr>
+      </p:pic>
+      <p:pic>
+        <p:nvPicPr>
+          <p:cNvPr id="12" name="图片 11"/>
+          <p:cNvPicPr>
+            <a:picLocks noChangeAspect="1"/>
+          </p:cNvPicPr>
+          <p:nvPr>
+            <p:custDataLst>
+              <p:tags r:id="rId5"/>
+            </p:custDataLst>
+          </p:nvPr>
+        </p:nvPicPr>
+        <p:blipFill>
+          <a:blip r:embed="rId6"/>
+          <a:stretch>
+            <a:fillRect/>
+          </a:stretch>
+        </p:blipFill>
+        <p:spPr>
+          <a:xfrm>
+            <a:off x="911860" y="4640580"/>
+            <a:ext cx="4933950" cy="1809750"/>
+          </a:xfrm>
+          <a:prstGeom prst="rect">
+            <a:avLst/>
+          </a:prstGeom>
+        </p:spPr>
+      </p:pic>
+      <p:pic>
+        <p:nvPicPr>
+          <p:cNvPr id="13" name="图片 12"/>
+          <p:cNvPicPr>
+            <a:picLocks noChangeAspect="1"/>
+          </p:cNvPicPr>
+          <p:nvPr>
+            <p:custDataLst>
+              <p:tags r:id="rId7"/>
+            </p:custDataLst>
+          </p:nvPr>
+        </p:nvPicPr>
+        <p:blipFill>
+          <a:blip r:embed="rId8"/>
+          <a:stretch>
+            <a:fillRect/>
+          </a:stretch>
+        </p:blipFill>
+        <p:spPr>
+          <a:xfrm>
+            <a:off x="6744335" y="2564765"/>
+            <a:ext cx="4676775" cy="2828925"/>
           </a:xfrm>
           <a:prstGeom prst="rect">
             <a:avLst/>
@@ -5293,11 +5495,6 @@
         </p:spPr>
       </p:pic>
     </p:spTree>
-    <p:extLst>
-      <p:ext uri="{BB962C8B-B14F-4D97-AF65-F5344CB8AC3E}">
-        <p14:creationId xmlns:p14="http://schemas.microsoft.com/office/powerpoint/2010/main" val="2478628719"/>
-      </p:ext>
-    </p:extLst>
   </p:cSld>
   <p:clrMapOvr>
     <a:masterClrMapping/>
@@ -5324,12 +5521,12 @@
       </p:grpSpPr>
       <p:sp>
         <p:nvSpPr>
-          <p:cNvPr id="1048583" name="Subtitle 14"/>
+          <p:cNvPr id="1048589" name="标题 4"/>
           <p:cNvSpPr>
             <a:spLocks noGrp="1"/>
           </p:cNvSpPr>
           <p:nvPr>
-            <p:ph idx="1"/>
+            <p:ph type="title"/>
           </p:nvPr>
         </p:nvSpPr>
         <p:spPr/>
@@ -5340,71 +5537,24 @@
           <a:lstStyle/>
           <a:p>
             <a:r>
-              <a:rPr lang="zh-TW" sz="2800" b="1"/>
-              <a:t>林天麟 教授</a:t>
-            </a:r>
-            <a:endParaRPr lang="en-US" sz="2800" b="1"/>
-          </a:p>
-          <a:p>
-            <a:r>
-              <a:rPr lang="zh-CN"/>
-              <a:t>香港中文大学（深圳）</a:t>
-            </a:r>
-            <a:endParaRPr lang="en-US"/>
-          </a:p>
-          <a:p>
-            <a:r>
-              <a:rPr lang="zh-CN"/>
-              <a:t>机器人与</a:t>
-            </a:r>
-            <a:r>
-              <a:rPr lang="zh-TW"/>
-              <a:t>人工智能实验室</a:t>
-            </a:r>
-            <a:endParaRPr lang="en-US"/>
-          </a:p>
-          <a:p>
-            <a:r>
-              <a:rPr lang="en-US"/>
-              <a:t>WeChat: tinlunlam</a:t>
-            </a:r>
-            <a:endParaRPr lang="zh-CN"/>
-          </a:p>
-        </p:txBody>
-      </p:sp>
-      <p:sp>
-        <p:nvSpPr>
-          <p:cNvPr id="1048584" name="AutoShape 2"/>
-          <p:cNvSpPr>
-            <a:spLocks noChangeAspect="1" noChangeArrowheads="1"/>
-          </p:cNvSpPr>
-          <p:nvPr/>
-        </p:nvSpPr>
-        <p:spPr>
-          <a:xfrm>
-            <a:off x="155575" y="-144463"/>
-            <a:ext cx="304800" cy="304801"/>
-          </a:xfrm>
-          <a:prstGeom prst="rect">
-            <a:avLst/>
-          </a:prstGeom>
-          <a:noFill/>
-        </p:spPr>
-        <p:txBody>
-          <a:bodyPr vert="horz" wrap="square" lIns="91440" tIns="45720" rIns="91440" bIns="45720" numCol="1" anchor="t" anchorCtr="0"/>
-          <a:lstStyle/>
-          <a:p>
-            <a:endParaRPr lang="en-US"/>
+              <a:rPr lang="en-US" altLang="zh-CN" sz="4000" dirty="0"/>
+              <a:t>Sample Output</a:t>
+            </a:r>
+            <a:endParaRPr lang="zh-CN" sz="4000" dirty="0"/>
           </a:p>
         </p:txBody>
       </p:sp>
       <p:pic>
         <p:nvPicPr>
-          <p:cNvPr id="2097154" name="Picture 4"/>
+          <p:cNvPr id="2" name="图片 1"/>
           <p:cNvPicPr>
-            <a:picLocks noChangeAspect="1" noChangeArrowheads="1"/>
+            <a:picLocks noChangeAspect="1"/>
           </p:cNvPicPr>
-          <p:nvPr/>
+          <p:nvPr>
+            <p:custDataLst>
+              <p:tags r:id="rId1"/>
+            </p:custDataLst>
+          </p:nvPr>
         </p:nvPicPr>
         <p:blipFill>
           <a:blip r:embed="rId2"/>
@@ -5414,55 +5564,98 @@
         </p:blipFill>
         <p:spPr>
           <a:xfrm>
-            <a:off x="-1" y="0"/>
-            <a:ext cx="12344399" cy="6858000"/>
+            <a:off x="551815" y="1700530"/>
+            <a:ext cx="5429250" cy="4438650"/>
           </a:xfrm>
           <a:prstGeom prst="rect">
             <a:avLst/>
           </a:prstGeom>
-          <a:noFill/>
         </p:spPr>
       </p:pic>
-      <p:sp>
-        <p:nvSpPr>
-          <p:cNvPr id="1048585" name="Title 18"/>
-          <p:cNvSpPr>
-            <a:spLocks noGrp="1"/>
-          </p:cNvSpPr>
+      <p:pic>
+        <p:nvPicPr>
+          <p:cNvPr id="4" name="图片 3"/>
+          <p:cNvPicPr>
+            <a:picLocks noChangeAspect="1"/>
+          </p:cNvPicPr>
           <p:nvPr>
-            <p:ph type="title"/>
+            <p:custDataLst>
+              <p:tags r:id="rId3"/>
+            </p:custDataLst>
           </p:nvPr>
-        </p:nvSpPr>
-        <p:spPr>
-          <a:xfrm>
-            <a:off x="3552037" y="2894570"/>
-            <a:ext cx="5087926" cy="1783234"/>
-          </a:xfrm>
-        </p:spPr>
-        <p:txBody>
-          <a:bodyPr/>
-          <a:lstStyle/>
-          <a:p>
-            <a:pPr algn="ctr"/>
-            <a:r>
-              <a:rPr lang="en-US" sz="6000"/>
-              <a:t>T</a:t>
-            </a:r>
-            <a:r>
-              <a:rPr lang="en-US" sz="4800"/>
-              <a:t>HANK </a:t>
-            </a:r>
-            <a:r>
-              <a:rPr lang="en-US" sz="6000"/>
-              <a:t>Y</a:t>
-            </a:r>
-            <a:r>
-              <a:rPr lang="en-US" sz="4800"/>
-              <a:t>OU</a:t>
-            </a:r>
-          </a:p>
-        </p:txBody>
-      </p:sp>
+        </p:nvPicPr>
+        <p:blipFill>
+          <a:blip r:embed="rId4"/>
+          <a:stretch>
+            <a:fillRect/>
+          </a:stretch>
+        </p:blipFill>
+        <p:spPr>
+          <a:xfrm>
+            <a:off x="6960235" y="1052830"/>
+            <a:ext cx="3590925" cy="2143125"/>
+          </a:xfrm>
+          <a:prstGeom prst="rect">
+            <a:avLst/>
+          </a:prstGeom>
+        </p:spPr>
+      </p:pic>
+      <p:pic>
+        <p:nvPicPr>
+          <p:cNvPr id="5" name="图片 4"/>
+          <p:cNvPicPr>
+            <a:picLocks noChangeAspect="1"/>
+          </p:cNvPicPr>
+          <p:nvPr>
+            <p:custDataLst>
+              <p:tags r:id="rId5"/>
+            </p:custDataLst>
+          </p:nvPr>
+        </p:nvPicPr>
+        <p:blipFill>
+          <a:blip r:embed="rId6"/>
+          <a:stretch>
+            <a:fillRect/>
+          </a:stretch>
+        </p:blipFill>
+        <p:spPr>
+          <a:xfrm>
+            <a:off x="6311900" y="3213100"/>
+            <a:ext cx="4604385" cy="1696085"/>
+          </a:xfrm>
+          <a:prstGeom prst="rect">
+            <a:avLst/>
+          </a:prstGeom>
+        </p:spPr>
+      </p:pic>
+      <p:pic>
+        <p:nvPicPr>
+          <p:cNvPr id="7" name="图片 6"/>
+          <p:cNvPicPr>
+            <a:picLocks noChangeAspect="1"/>
+          </p:cNvPicPr>
+          <p:nvPr>
+            <p:custDataLst>
+              <p:tags r:id="rId7"/>
+            </p:custDataLst>
+          </p:nvPr>
+        </p:nvPicPr>
+        <p:blipFill>
+          <a:blip r:embed="rId8"/>
+          <a:stretch>
+            <a:fillRect/>
+          </a:stretch>
+        </p:blipFill>
+        <p:spPr>
+          <a:xfrm>
+            <a:off x="6456045" y="4990465"/>
+            <a:ext cx="4548505" cy="1882775"/>
+          </a:xfrm>
+          <a:prstGeom prst="rect">
+            <a:avLst/>
+          </a:prstGeom>
+        </p:spPr>
+      </p:pic>
     </p:spTree>
   </p:cSld>
   <p:clrMapOvr>
@@ -5472,9 +5665,81 @@
 </file>
 
 <file path=ppt/tags/tag1.xml><?xml version="1.0" encoding="utf-8"?>
-<p:tagLst xmlns:a="http://schemas.openxmlformats.org/drawingml/2006/main" xmlns:r="http://schemas.openxmlformats.org/officeDocument/2006/relationships" xmlns:p="http://schemas.openxmlformats.org/presentationml/2006/main">
+<p:tagLst xmlns:p="http://schemas.openxmlformats.org/presentationml/2006/main">
+  <p:tag name="KSO_WM_BEAUTIFY_FLAG" val=""/>
+</p:tagLst>
+</file>
+
+<file path=ppt/tags/tag10.xml><?xml version="1.0" encoding="utf-8"?>
+<p:tagLst xmlns:p="http://schemas.openxmlformats.org/presentationml/2006/main">
+  <p:tag name="KSO_WM_BEAUTIFY_FLAG" val=""/>
+</p:tagLst>
+</file>
+
+<file path=ppt/tags/tag11.xml><?xml version="1.0" encoding="utf-8"?>
+<p:tagLst xmlns:p="http://schemas.openxmlformats.org/presentationml/2006/main">
+  <p:tag name="KSO_WM_BEAUTIFY_FLAG" val=""/>
+</p:tagLst>
+</file>
+
+<file path=ppt/tags/tag12.xml><?xml version="1.0" encoding="utf-8"?>
+<p:tagLst xmlns:p="http://schemas.openxmlformats.org/presentationml/2006/main">
+  <p:tag name="KSO_WM_BEAUTIFY_FLAG" val=""/>
+</p:tagLst>
+</file>
+
+<file path=ppt/tags/tag13.xml><?xml version="1.0" encoding="utf-8"?>
+<p:tagLst xmlns:p="http://schemas.openxmlformats.org/presentationml/2006/main">
   <p:tag name="KSO_WPP_MARK_KEY" val="1fe9a046-a2a9-43bc-a645-b850c7246860"/>
   <p:tag name="COMMONDATA" val="eyJoZGlkIjoiZTA3OWNmMjM5Yzk3NTBiMmZkZTUxNTExMWY5ZTUxMGQifQ=="/>
+</p:tagLst>
+</file>
+
+<file path=ppt/tags/tag2.xml><?xml version="1.0" encoding="utf-8"?>
+<p:tagLst xmlns:p="http://schemas.openxmlformats.org/presentationml/2006/main">
+  <p:tag name="KSO_WM_BEAUTIFY_FLAG" val=""/>
+</p:tagLst>
+</file>
+
+<file path=ppt/tags/tag3.xml><?xml version="1.0" encoding="utf-8"?>
+<p:tagLst xmlns:p="http://schemas.openxmlformats.org/presentationml/2006/main">
+  <p:tag name="KSO_WM_BEAUTIFY_FLAG" val=""/>
+</p:tagLst>
+</file>
+
+<file path=ppt/tags/tag4.xml><?xml version="1.0" encoding="utf-8"?>
+<p:tagLst xmlns:p="http://schemas.openxmlformats.org/presentationml/2006/main">
+  <p:tag name="KSO_WM_BEAUTIFY_FLAG" val=""/>
+</p:tagLst>
+</file>
+
+<file path=ppt/tags/tag5.xml><?xml version="1.0" encoding="utf-8"?>
+<p:tagLst xmlns:p="http://schemas.openxmlformats.org/presentationml/2006/main">
+  <p:tag name="KSO_WM_BEAUTIFY_FLAG" val=""/>
+</p:tagLst>
+</file>
+
+<file path=ppt/tags/tag6.xml><?xml version="1.0" encoding="utf-8"?>
+<p:tagLst xmlns:p="http://schemas.openxmlformats.org/presentationml/2006/main">
+  <p:tag name="KSO_WM_BEAUTIFY_FLAG" val=""/>
+</p:tagLst>
+</file>
+
+<file path=ppt/tags/tag7.xml><?xml version="1.0" encoding="utf-8"?>
+<p:tagLst xmlns:p="http://schemas.openxmlformats.org/presentationml/2006/main">
+  <p:tag name="KSO_WM_BEAUTIFY_FLAG" val=""/>
+</p:tagLst>
+</file>
+
+<file path=ppt/tags/tag8.xml><?xml version="1.0" encoding="utf-8"?>
+<p:tagLst xmlns:p="http://schemas.openxmlformats.org/presentationml/2006/main">
+  <p:tag name="KSO_WM_BEAUTIFY_FLAG" val=""/>
+</p:tagLst>
+</file>
+
+<file path=ppt/tags/tag9.xml><?xml version="1.0" encoding="utf-8"?>
+<p:tagLst xmlns:p="http://schemas.openxmlformats.org/presentationml/2006/main">
+  <p:tag name="KSO_WM_BEAUTIFY_FLAG" val=""/>
 </p:tagLst>
 </file>
 
@@ -5729,8 +5994,6 @@
       </a:bgFillStyleLst>
     </a:fmtScheme>
   </a:themeElements>
-  <a:objectDefaults/>
-  <a:extraClrSchemeLst/>
   <a:extLst>
     <a:ext uri="{05A4C25C-085E-4340-85A3-A5531E510DB2}">
       <thm15:themeFamily xmlns:thm15="http://schemas.microsoft.com/office/thememl/2012/main" name="Office Theme" id="{62F939B6-93AF-4DB8-9C6B-D6C7DFDC589F}" vid="{4A3C46E8-61CC-4603-A589-7422A47A8E4A}"/>
@@ -5990,8 +6253,6 @@
       </a:bgFillStyleLst>
     </a:fmtScheme>
   </a:themeElements>
-  <a:objectDefaults/>
-  <a:extraClrSchemeLst/>
   <a:extLst>
     <a:ext uri="{05A4C25C-085E-4340-85A3-A5531E510DB2}">
       <thm15:themeFamily xmlns:thm15="http://schemas.microsoft.com/office/thememl/2012/main" name="Office Theme" id="{62F939B6-93AF-4DB8-9C6B-D6C7DFDC589F}" vid="{4A3C46E8-61CC-4603-A589-7422A47A8E4A}"/>
